--- a/MyGame.pptx
+++ b/MyGame.pptx
@@ -7,32 +7,35 @@
   <p:sldIdLst>
     <p:sldId id="256" r:id="rId2"/>
     <p:sldId id="257" r:id="rId3"/>
-    <p:sldId id="276" r:id="rId4"/>
-    <p:sldId id="277" r:id="rId5"/>
-    <p:sldId id="274" r:id="rId6"/>
-    <p:sldId id="265" r:id="rId7"/>
-    <p:sldId id="259" r:id="rId8"/>
-    <p:sldId id="279" r:id="rId9"/>
-    <p:sldId id="280" r:id="rId10"/>
-    <p:sldId id="275" r:id="rId11"/>
-    <p:sldId id="264" r:id="rId12"/>
-    <p:sldId id="270" r:id="rId13"/>
-    <p:sldId id="278" r:id="rId14"/>
-    <p:sldId id="282" r:id="rId15"/>
-    <p:sldId id="271" r:id="rId16"/>
-    <p:sldId id="263" r:id="rId17"/>
-    <p:sldId id="273" r:id="rId18"/>
-    <p:sldId id="281" r:id="rId19"/>
-    <p:sldId id="266" r:id="rId20"/>
-    <p:sldId id="269" r:id="rId21"/>
-    <p:sldId id="268" r:id="rId22"/>
-    <p:sldId id="283" r:id="rId23"/>
-    <p:sldId id="285" r:id="rId24"/>
-    <p:sldId id="267" r:id="rId25"/>
-    <p:sldId id="287" r:id="rId26"/>
-    <p:sldId id="288" r:id="rId27"/>
-    <p:sldId id="290" r:id="rId28"/>
-    <p:sldId id="289" r:id="rId29"/>
+    <p:sldId id="291" r:id="rId4"/>
+    <p:sldId id="292" r:id="rId5"/>
+    <p:sldId id="293" r:id="rId6"/>
+    <p:sldId id="276" r:id="rId7"/>
+    <p:sldId id="277" r:id="rId8"/>
+    <p:sldId id="274" r:id="rId9"/>
+    <p:sldId id="265" r:id="rId10"/>
+    <p:sldId id="259" r:id="rId11"/>
+    <p:sldId id="279" r:id="rId12"/>
+    <p:sldId id="280" r:id="rId13"/>
+    <p:sldId id="275" r:id="rId14"/>
+    <p:sldId id="264" r:id="rId15"/>
+    <p:sldId id="270" r:id="rId16"/>
+    <p:sldId id="278" r:id="rId17"/>
+    <p:sldId id="282" r:id="rId18"/>
+    <p:sldId id="271" r:id="rId19"/>
+    <p:sldId id="263" r:id="rId20"/>
+    <p:sldId id="273" r:id="rId21"/>
+    <p:sldId id="281" r:id="rId22"/>
+    <p:sldId id="266" r:id="rId23"/>
+    <p:sldId id="269" r:id="rId24"/>
+    <p:sldId id="268" r:id="rId25"/>
+    <p:sldId id="283" r:id="rId26"/>
+    <p:sldId id="285" r:id="rId27"/>
+    <p:sldId id="267" r:id="rId28"/>
+    <p:sldId id="287" r:id="rId29"/>
+    <p:sldId id="288" r:id="rId30"/>
+    <p:sldId id="290" r:id="rId31"/>
+    <p:sldId id="289" r:id="rId32"/>
   </p:sldIdLst>
   <p:sldSz cx="12192000" cy="6858000"/>
   <p:notesSz cx="6858000" cy="9144000"/>
@@ -1104,7 +1107,7 @@
             <a:fld id="{9C413E47-AFE8-42B6-986B-A249D03DEF02}" type="datetimeFigureOut">
               <a:rPr lang="fr-FR" smtClean="0"/>
               <a:pPr/>
-              <a:t>29/10/2025</a:t>
+              <a:t>01/11/2025</a:t>
             </a:fld>
             <a:endParaRPr lang="fr-FR"/>
           </a:p>
@@ -1611,6 +1614,453 @@
           <p:cNvPr id="2" name="Titre 1">
             <a:extLst>
               <a:ext uri="{FF2B5EF4-FFF2-40B4-BE49-F238E27FC236}">
+                <a16:creationId xmlns:a16="http://schemas.microsoft.com/office/drawing/2014/main" id="{3567B0AB-7871-FDFA-8708-0868F150EB13}"/>
+              </a:ext>
+            </a:extLst>
+          </p:cNvPr>
+          <p:cNvSpPr>
+            <a:spLocks noGrp="1"/>
+          </p:cNvSpPr>
+          <p:nvPr>
+            <p:ph type="title"/>
+          </p:nvPr>
+        </p:nvSpPr>
+        <p:spPr/>
+        <p:txBody>
+          <a:bodyPr>
+            <a:normAutofit fontScale="90000"/>
+          </a:bodyPr>
+          <a:lstStyle/>
+          <a:p>
+            <a:r>
+              <a:rPr lang="fr-FR"/>
+              <a:t>Menu principal</a:t>
+            </a:r>
+            <a:endParaRPr lang="fr-FR" dirty="0"/>
+          </a:p>
+        </p:txBody>
+      </p:sp>
+      <p:sp>
+        <p:nvSpPr>
+          <p:cNvPr id="3" name="Espace réservé du contenu 2">
+            <a:extLst>
+              <a:ext uri="{FF2B5EF4-FFF2-40B4-BE49-F238E27FC236}">
+                <a16:creationId xmlns:a16="http://schemas.microsoft.com/office/drawing/2014/main" id="{E1613B24-DDF6-9FAB-85C8-4C1AF7AD1E5E}"/>
+              </a:ext>
+            </a:extLst>
+          </p:cNvPr>
+          <p:cNvSpPr>
+            <a:spLocks noGrp="1"/>
+          </p:cNvSpPr>
+          <p:nvPr>
+            <p:ph idx="1"/>
+          </p:nvPr>
+        </p:nvSpPr>
+        <p:spPr/>
+        <p:txBody>
+          <a:bodyPr>
+            <a:normAutofit fontScale="92500" lnSpcReduction="20000"/>
+          </a:bodyPr>
+          <a:lstStyle/>
+          <a:p>
+            <a:r>
+              <a:rPr lang="fr-FR" dirty="0"/>
+              <a:t>Start</a:t>
+            </a:r>
+          </a:p>
+          <a:p>
+            <a:pPr lvl="1"/>
+            <a:r>
+              <a:rPr lang="fr-FR" dirty="0"/>
+              <a:t>Niveau1_Ecran1</a:t>
+            </a:r>
+          </a:p>
+          <a:p>
+            <a:r>
+              <a:rPr lang="fr-FR" dirty="0"/>
+              <a:t>Options</a:t>
+            </a:r>
+          </a:p>
+          <a:p>
+            <a:pPr lvl="1"/>
+            <a:r>
+              <a:rPr lang="fr-FR" dirty="0"/>
+              <a:t>Langue</a:t>
+            </a:r>
+          </a:p>
+          <a:p>
+            <a:pPr lvl="2"/>
+            <a:r>
+              <a:rPr lang="fr-FR" dirty="0"/>
+              <a:t>Français</a:t>
+            </a:r>
+          </a:p>
+          <a:p>
+            <a:pPr lvl="2"/>
+            <a:r>
+              <a:rPr lang="fr-FR" dirty="0"/>
+              <a:t>English</a:t>
+            </a:r>
+          </a:p>
+          <a:p>
+            <a:pPr lvl="1"/>
+            <a:r>
+              <a:rPr lang="fr-FR" dirty="0"/>
+              <a:t>Difficulté </a:t>
+            </a:r>
+            <a:r>
+              <a:rPr lang="fr-FR" dirty="0">
+                <a:sym typeface="Wingdings" panose="05000000000000000000" pitchFamily="2" charset="2"/>
+              </a:rPr>
+              <a:t> </a:t>
+            </a:r>
+            <a:r>
+              <a:rPr lang="fr-FR" dirty="0"/>
+              <a:t>Facile, Normale, Difficile</a:t>
+            </a:r>
+          </a:p>
+          <a:p>
+            <a:pPr lvl="2"/>
+            <a:r>
+              <a:rPr lang="fr-FR" dirty="0"/>
+              <a:t>Vitesse d’évolution de l’arbre des compétences</a:t>
+            </a:r>
+          </a:p>
+          <a:p>
+            <a:pPr lvl="2"/>
+            <a:r>
+              <a:rPr lang="fr-FR" dirty="0"/>
+              <a:t>PV ennemis</a:t>
+            </a:r>
+          </a:p>
+          <a:p>
+            <a:pPr lvl="2"/>
+            <a:r>
+              <a:rPr lang="fr-FR" dirty="0"/>
+              <a:t>Guide (facile)</a:t>
+            </a:r>
+          </a:p>
+          <a:p>
+            <a:pPr lvl="1"/>
+            <a:r>
+              <a:rPr lang="fr-FR" dirty="0"/>
+              <a:t>Design</a:t>
+            </a:r>
+          </a:p>
+          <a:p>
+            <a:pPr lvl="2"/>
+            <a:r>
+              <a:rPr lang="fr-FR" dirty="0"/>
+              <a:t>Original </a:t>
+            </a:r>
+            <a:r>
+              <a:rPr lang="fr-FR" dirty="0">
+                <a:sym typeface="Wingdings" panose="05000000000000000000" pitchFamily="2" charset="2"/>
+              </a:rPr>
+              <a:t> Avec les assets (visuels, musicales, …)</a:t>
+            </a:r>
+          </a:p>
+          <a:p>
+            <a:pPr lvl="2"/>
+            <a:r>
+              <a:rPr lang="fr-FR" dirty="0" err="1">
+                <a:sym typeface="Wingdings" panose="05000000000000000000" pitchFamily="2" charset="2"/>
+              </a:rPr>
+              <a:t>Filiaire</a:t>
+            </a:r>
+            <a:r>
+              <a:rPr lang="fr-FR" dirty="0">
+                <a:sym typeface="Wingdings" panose="05000000000000000000" pitchFamily="2" charset="2"/>
+              </a:rPr>
+              <a:t>  Sans assets</a:t>
+            </a:r>
+          </a:p>
+          <a:p>
+            <a:pPr lvl="1"/>
+            <a:r>
+              <a:rPr lang="fr-FR" dirty="0">
+                <a:sym typeface="Wingdings" panose="05000000000000000000" pitchFamily="2" charset="2"/>
+              </a:rPr>
+              <a:t>Luminosité  0 à 100%</a:t>
+            </a:r>
+          </a:p>
+          <a:p>
+            <a:pPr lvl="1"/>
+            <a:r>
+              <a:rPr lang="fr-FR" dirty="0">
+                <a:sym typeface="Wingdings" panose="05000000000000000000" pitchFamily="2" charset="2"/>
+              </a:rPr>
+              <a:t>Son  0 à 100%</a:t>
+            </a:r>
+          </a:p>
+          <a:p>
+            <a:pPr lvl="1"/>
+            <a:r>
+              <a:rPr lang="fr-FR" dirty="0">
+                <a:sym typeface="Wingdings" panose="05000000000000000000" pitchFamily="2" charset="2"/>
+              </a:rPr>
+              <a:t>Musique  0 à 100%</a:t>
+            </a:r>
+          </a:p>
+          <a:p>
+            <a:pPr lvl="1"/>
+            <a:r>
+              <a:rPr lang="fr-FR" dirty="0"/>
+              <a:t>Retour </a:t>
+            </a:r>
+            <a:r>
+              <a:rPr lang="fr-FR" dirty="0">
+                <a:sym typeface="Wingdings" panose="05000000000000000000" pitchFamily="2" charset="2"/>
+              </a:rPr>
+              <a:t> Retour au menu principal</a:t>
+            </a:r>
+            <a:endParaRPr lang="fr-FR" dirty="0"/>
+          </a:p>
+          <a:p>
+            <a:r>
+              <a:rPr lang="fr-FR" dirty="0"/>
+              <a:t>Quitter</a:t>
+            </a:r>
+          </a:p>
+          <a:p>
+            <a:pPr lvl="1"/>
+            <a:r>
+              <a:rPr lang="fr-FR" dirty="0"/>
+              <a:t>Fermer</a:t>
+            </a:r>
+          </a:p>
+        </p:txBody>
+      </p:sp>
+    </p:spTree>
+    <p:extLst>
+      <p:ext uri="{BB962C8B-B14F-4D97-AF65-F5344CB8AC3E}">
+        <p14:creationId xmlns:p14="http://schemas.microsoft.com/office/powerpoint/2010/main" val="2149368396"/>
+      </p:ext>
+    </p:extLst>
+  </p:cSld>
+  <p:clrMapOvr>
+    <a:masterClrMapping/>
+  </p:clrMapOvr>
+</p:sld>
+</file>
+
+<file path=ppt/slides/slide11.xml><?xml version="1.0" encoding="utf-8"?>
+<p:sld xmlns:a="http://schemas.openxmlformats.org/drawingml/2006/main" xmlns:r="http://schemas.openxmlformats.org/officeDocument/2006/relationships" xmlns:p="http://schemas.openxmlformats.org/presentationml/2006/main">
+  <p:cSld>
+    <p:spTree>
+      <p:nvGrpSpPr>
+        <p:cNvPr id="1" name=""/>
+        <p:cNvGrpSpPr/>
+        <p:nvPr/>
+      </p:nvGrpSpPr>
+      <p:grpSpPr>
+        <a:xfrm>
+          <a:off x="0" y="0"/>
+          <a:ext cx="0" cy="0"/>
+          <a:chOff x="0" y="0"/>
+          <a:chExt cx="0" cy="0"/>
+        </a:xfrm>
+      </p:grpSpPr>
+      <p:sp>
+        <p:nvSpPr>
+          <p:cNvPr id="2" name="Titre 1">
+            <a:extLst>
+              <a:ext uri="{FF2B5EF4-FFF2-40B4-BE49-F238E27FC236}">
+                <a16:creationId xmlns:a16="http://schemas.microsoft.com/office/drawing/2014/main" id="{5A3CF958-72CB-BB26-D32A-1705ACC380E9}"/>
+              </a:ext>
+            </a:extLst>
+          </p:cNvPr>
+          <p:cNvSpPr>
+            <a:spLocks noGrp="1"/>
+          </p:cNvSpPr>
+          <p:nvPr>
+            <p:ph type="ctrTitle"/>
+          </p:nvPr>
+        </p:nvSpPr>
+        <p:spPr/>
+        <p:txBody>
+          <a:bodyPr/>
+          <a:lstStyle/>
+          <a:p>
+            <a:r>
+              <a:rPr lang="en-US" dirty="0" err="1"/>
+              <a:t>Ennemis</a:t>
+            </a:r>
+            <a:endParaRPr lang="fr-FR" dirty="0"/>
+          </a:p>
+        </p:txBody>
+      </p:sp>
+    </p:spTree>
+    <p:extLst>
+      <p:ext uri="{BB962C8B-B14F-4D97-AF65-F5344CB8AC3E}">
+        <p14:creationId xmlns:p14="http://schemas.microsoft.com/office/powerpoint/2010/main" val="3990514707"/>
+      </p:ext>
+    </p:extLst>
+  </p:cSld>
+  <p:clrMapOvr>
+    <a:masterClrMapping/>
+  </p:clrMapOvr>
+</p:sld>
+</file>
+
+<file path=ppt/slides/slide12.xml><?xml version="1.0" encoding="utf-8"?>
+<p:sld xmlns:a="http://schemas.openxmlformats.org/drawingml/2006/main" xmlns:r="http://schemas.openxmlformats.org/officeDocument/2006/relationships" xmlns:p="http://schemas.openxmlformats.org/presentationml/2006/main">
+  <p:cSld>
+    <p:spTree>
+      <p:nvGrpSpPr>
+        <p:cNvPr id="1" name=""/>
+        <p:cNvGrpSpPr/>
+        <p:nvPr/>
+      </p:nvGrpSpPr>
+      <p:grpSpPr>
+        <a:xfrm>
+          <a:off x="0" y="0"/>
+          <a:ext cx="0" cy="0"/>
+          <a:chOff x="0" y="0"/>
+          <a:chExt cx="0" cy="0"/>
+        </a:xfrm>
+      </p:grpSpPr>
+      <p:sp>
+        <p:nvSpPr>
+          <p:cNvPr id="2" name="Titre 1">
+            <a:extLst>
+              <a:ext uri="{FF2B5EF4-FFF2-40B4-BE49-F238E27FC236}">
+                <a16:creationId xmlns:a16="http://schemas.microsoft.com/office/drawing/2014/main" id="{0EBE8BDD-86CC-7C4F-1382-5C549F17536E}"/>
+              </a:ext>
+            </a:extLst>
+          </p:cNvPr>
+          <p:cNvSpPr>
+            <a:spLocks noGrp="1"/>
+          </p:cNvSpPr>
+          <p:nvPr>
+            <p:ph type="title"/>
+          </p:nvPr>
+        </p:nvSpPr>
+        <p:spPr/>
+        <p:txBody>
+          <a:bodyPr>
+            <a:normAutofit fontScale="90000"/>
+          </a:bodyPr>
+          <a:lstStyle/>
+          <a:p>
+            <a:r>
+              <a:rPr lang="en-US" dirty="0"/>
+              <a:t>Boss 1 – </a:t>
+            </a:r>
+            <a:r>
+              <a:rPr lang="en-US" dirty="0" err="1"/>
+              <a:t>Hérisson</a:t>
+            </a:r>
+            <a:r>
+              <a:rPr lang="en-US" dirty="0"/>
+              <a:t> farouche</a:t>
+            </a:r>
+            <a:endParaRPr lang="fr-FR" dirty="0"/>
+          </a:p>
+        </p:txBody>
+      </p:sp>
+      <p:sp>
+        <p:nvSpPr>
+          <p:cNvPr id="3" name="Espace réservé du contenu 2">
+            <a:extLst>
+              <a:ext uri="{FF2B5EF4-FFF2-40B4-BE49-F238E27FC236}">
+                <a16:creationId xmlns:a16="http://schemas.microsoft.com/office/drawing/2014/main" id="{F2B75744-AF5A-143D-505B-D83D9D2B720E}"/>
+              </a:ext>
+            </a:extLst>
+          </p:cNvPr>
+          <p:cNvSpPr>
+            <a:spLocks noGrp="1"/>
+          </p:cNvSpPr>
+          <p:nvPr>
+            <p:ph idx="1"/>
+          </p:nvPr>
+        </p:nvSpPr>
+        <p:spPr/>
+        <p:txBody>
+          <a:bodyPr/>
+          <a:lstStyle/>
+          <a:p>
+            <a:r>
+              <a:rPr lang="en-US" dirty="0"/>
+              <a:t>Ne </a:t>
+            </a:r>
+            <a:r>
+              <a:rPr lang="en-US" dirty="0" err="1"/>
+              <a:t>meurt</a:t>
+            </a:r>
+            <a:r>
+              <a:rPr lang="en-US" dirty="0"/>
+              <a:t> pas à la fin</a:t>
+            </a:r>
+          </a:p>
+          <a:p>
+            <a:r>
+              <a:rPr lang="en-US" dirty="0" err="1"/>
+              <a:t>Protège</a:t>
+            </a:r>
+            <a:r>
+              <a:rPr lang="en-US" dirty="0"/>
+              <a:t> </a:t>
+            </a:r>
+            <a:r>
+              <a:rPr lang="en-US" dirty="0" err="1"/>
+              <a:t>l’accès</a:t>
+            </a:r>
+            <a:r>
+              <a:rPr lang="en-US" dirty="0"/>
+              <a:t> au </a:t>
+            </a:r>
+            <a:r>
+              <a:rPr lang="en-US" dirty="0" err="1"/>
+              <a:t>nid</a:t>
+            </a:r>
+            <a:r>
+              <a:rPr lang="en-US" dirty="0"/>
+              <a:t> de la </a:t>
+            </a:r>
+            <a:r>
+              <a:rPr lang="en-US" dirty="0" err="1"/>
+              <a:t>Tanière</a:t>
+            </a:r>
+            <a:endParaRPr lang="fr-FR" dirty="0"/>
+          </a:p>
+        </p:txBody>
+      </p:sp>
+    </p:spTree>
+    <p:extLst>
+      <p:ext uri="{BB962C8B-B14F-4D97-AF65-F5344CB8AC3E}">
+        <p14:creationId xmlns:p14="http://schemas.microsoft.com/office/powerpoint/2010/main" val="1957368406"/>
+      </p:ext>
+    </p:extLst>
+  </p:cSld>
+  <p:clrMapOvr>
+    <a:masterClrMapping/>
+  </p:clrMapOvr>
+</p:sld>
+</file>
+
+<file path=ppt/slides/slide13.xml><?xml version="1.0" encoding="utf-8"?>
+<p:sld xmlns:a="http://schemas.openxmlformats.org/drawingml/2006/main" xmlns:r="http://schemas.openxmlformats.org/officeDocument/2006/relationships" xmlns:p="http://schemas.openxmlformats.org/presentationml/2006/main">
+  <p:cSld>
+    <p:spTree>
+      <p:nvGrpSpPr>
+        <p:cNvPr id="1" name=""/>
+        <p:cNvGrpSpPr/>
+        <p:nvPr/>
+      </p:nvGrpSpPr>
+      <p:grpSpPr>
+        <a:xfrm>
+          <a:off x="0" y="0"/>
+          <a:ext cx="0" cy="0"/>
+          <a:chOff x="0" y="0"/>
+          <a:chExt cx="0" cy="0"/>
+        </a:xfrm>
+      </p:grpSpPr>
+      <p:sp>
+        <p:nvSpPr>
+          <p:cNvPr id="2" name="Titre 1">
+            <a:extLst>
+              <a:ext uri="{FF2B5EF4-FFF2-40B4-BE49-F238E27FC236}">
                 <a16:creationId xmlns:a16="http://schemas.microsoft.com/office/drawing/2014/main" id="{71454FDF-0950-76F5-C6E8-EFDF97CE1BA4}"/>
               </a:ext>
             </a:extLst>
@@ -1647,7 +2097,7 @@
 </p:sld>
 </file>
 
-<file path=ppt/slides/slide11.xml><?xml version="1.0" encoding="utf-8"?>
+<file path=ppt/slides/slide14.xml><?xml version="1.0" encoding="utf-8"?>
 <p:sld xmlns:a="http://schemas.openxmlformats.org/drawingml/2006/main" xmlns:r="http://schemas.openxmlformats.org/officeDocument/2006/relationships" xmlns:p="http://schemas.openxmlformats.org/presentationml/2006/main">
   <p:cSld>
     <p:spTree>
@@ -1781,7 +2231,7 @@
 </p:sld>
 </file>
 
-<file path=ppt/slides/slide12.xml><?xml version="1.0" encoding="utf-8"?>
+<file path=ppt/slides/slide15.xml><?xml version="1.0" encoding="utf-8"?>
 <p:sld xmlns:a="http://schemas.openxmlformats.org/drawingml/2006/main" xmlns:r="http://schemas.openxmlformats.org/officeDocument/2006/relationships" xmlns:p="http://schemas.openxmlformats.org/presentationml/2006/main">
   <p:cSld>
     <p:spTree>
@@ -1972,7 +2422,7 @@
 </p:sld>
 </file>
 
-<file path=ppt/slides/slide13.xml><?xml version="1.0" encoding="utf-8"?>
+<file path=ppt/slides/slide16.xml><?xml version="1.0" encoding="utf-8"?>
 <p:sld xmlns:a="http://schemas.openxmlformats.org/drawingml/2006/main" xmlns:r="http://schemas.openxmlformats.org/officeDocument/2006/relationships" xmlns:p="http://schemas.openxmlformats.org/presentationml/2006/main">
   <p:cSld>
     <p:spTree>
@@ -2092,7 +2542,7 @@
 </p:sld>
 </file>
 
-<file path=ppt/slides/slide14.xml><?xml version="1.0" encoding="utf-8"?>
+<file path=ppt/slides/slide17.xml><?xml version="1.0" encoding="utf-8"?>
 <p:sld xmlns:a="http://schemas.openxmlformats.org/drawingml/2006/main" xmlns:r="http://schemas.openxmlformats.org/officeDocument/2006/relationships" xmlns:p="http://schemas.openxmlformats.org/presentationml/2006/main">
   <p:cSld>
     <p:spTree>
@@ -2233,7 +2683,7 @@
 </p:sld>
 </file>
 
-<file path=ppt/slides/slide15.xml><?xml version="1.0" encoding="utf-8"?>
+<file path=ppt/slides/slide18.xml><?xml version="1.0" encoding="utf-8"?>
 <p:sld xmlns:a="http://schemas.openxmlformats.org/drawingml/2006/main" xmlns:r="http://schemas.openxmlformats.org/officeDocument/2006/relationships" xmlns:p="http://schemas.openxmlformats.org/presentationml/2006/main">
   <p:cSld>
     <p:spTree>
@@ -2291,7 +2741,7 @@
 </p:sld>
 </file>
 
-<file path=ppt/slides/slide16.xml><?xml version="1.0" encoding="utf-8"?>
+<file path=ppt/slides/slide19.xml><?xml version="1.0" encoding="utf-8"?>
 <p:sld xmlns:a="http://schemas.openxmlformats.org/drawingml/2006/main" xmlns:r="http://schemas.openxmlformats.org/officeDocument/2006/relationships" xmlns:p="http://schemas.openxmlformats.org/presentationml/2006/main">
   <p:cSld>
     <p:spTree>
@@ -2594,235 +3044,6 @@
 </p:sld>
 </file>
 
-<file path=ppt/slides/slide17.xml><?xml version="1.0" encoding="utf-8"?>
-<p:sld xmlns:a="http://schemas.openxmlformats.org/drawingml/2006/main" xmlns:r="http://schemas.openxmlformats.org/officeDocument/2006/relationships" xmlns:p="http://schemas.openxmlformats.org/presentationml/2006/main">
-  <p:cSld>
-    <p:spTree>
-      <p:nvGrpSpPr>
-        <p:cNvPr id="1" name=""/>
-        <p:cNvGrpSpPr/>
-        <p:nvPr/>
-      </p:nvGrpSpPr>
-      <p:grpSpPr>
-        <a:xfrm>
-          <a:off x="0" y="0"/>
-          <a:ext cx="0" cy="0"/>
-          <a:chOff x="0" y="0"/>
-          <a:chExt cx="0" cy="0"/>
-        </a:xfrm>
-      </p:grpSpPr>
-      <p:sp>
-        <p:nvSpPr>
-          <p:cNvPr id="2" name="Titre 1">
-            <a:extLst>
-              <a:ext uri="{FF2B5EF4-FFF2-40B4-BE49-F238E27FC236}">
-                <a16:creationId xmlns:a16="http://schemas.microsoft.com/office/drawing/2014/main" id="{1D12A1F4-396E-E231-B786-C3B2E894094E}"/>
-              </a:ext>
-            </a:extLst>
-          </p:cNvPr>
-          <p:cNvSpPr>
-            <a:spLocks noGrp="1"/>
-          </p:cNvSpPr>
-          <p:nvPr>
-            <p:ph type="title"/>
-          </p:nvPr>
-        </p:nvSpPr>
-        <p:spPr/>
-        <p:txBody>
-          <a:bodyPr>
-            <a:normAutofit fontScale="90000"/>
-          </a:bodyPr>
-          <a:lstStyle/>
-          <a:p>
-            <a:r>
-              <a:rPr lang="fr-FR" dirty="0"/>
-              <a:t>Arrivée chez créateur</a:t>
-            </a:r>
-          </a:p>
-        </p:txBody>
-      </p:sp>
-      <p:sp>
-        <p:nvSpPr>
-          <p:cNvPr id="3" name="Espace réservé du contenu 2">
-            <a:extLst>
-              <a:ext uri="{FF2B5EF4-FFF2-40B4-BE49-F238E27FC236}">
-                <a16:creationId xmlns:a16="http://schemas.microsoft.com/office/drawing/2014/main" id="{410A02AA-956B-FA21-0322-FFC2D2B05AAB}"/>
-              </a:ext>
-            </a:extLst>
-          </p:cNvPr>
-          <p:cNvSpPr>
-            <a:spLocks noGrp="1"/>
-          </p:cNvSpPr>
-          <p:nvPr>
-            <p:ph idx="1"/>
-          </p:nvPr>
-        </p:nvSpPr>
-        <p:spPr/>
-        <p:txBody>
-          <a:bodyPr/>
-          <a:lstStyle/>
-          <a:p>
-            <a:endParaRPr lang="fr-FR"/>
-          </a:p>
-        </p:txBody>
-      </p:sp>
-    </p:spTree>
-    <p:extLst>
-      <p:ext uri="{BB962C8B-B14F-4D97-AF65-F5344CB8AC3E}">
-        <p14:creationId xmlns:p14="http://schemas.microsoft.com/office/powerpoint/2010/main" val="2172707627"/>
-      </p:ext>
-    </p:extLst>
-  </p:cSld>
-  <p:clrMapOvr>
-    <a:masterClrMapping/>
-  </p:clrMapOvr>
-</p:sld>
-</file>
-
-<file path=ppt/slides/slide18.xml><?xml version="1.0" encoding="utf-8"?>
-<p:sld xmlns:a="http://schemas.openxmlformats.org/drawingml/2006/main" xmlns:r="http://schemas.openxmlformats.org/officeDocument/2006/relationships" xmlns:p="http://schemas.openxmlformats.org/presentationml/2006/main">
-  <p:cSld>
-    <p:spTree>
-      <p:nvGrpSpPr>
-        <p:cNvPr id="1" name=""/>
-        <p:cNvGrpSpPr/>
-        <p:nvPr/>
-      </p:nvGrpSpPr>
-      <p:grpSpPr>
-        <a:xfrm>
-          <a:off x="0" y="0"/>
-          <a:ext cx="0" cy="0"/>
-          <a:chOff x="0" y="0"/>
-          <a:chExt cx="0" cy="0"/>
-        </a:xfrm>
-      </p:grpSpPr>
-      <p:sp>
-        <p:nvSpPr>
-          <p:cNvPr id="2" name="Titre 1">
-            <a:extLst>
-              <a:ext uri="{FF2B5EF4-FFF2-40B4-BE49-F238E27FC236}">
-                <a16:creationId xmlns:a16="http://schemas.microsoft.com/office/drawing/2014/main" id="{0E76A798-D33C-CC2E-64E3-4D3309654E39}"/>
-              </a:ext>
-            </a:extLst>
-          </p:cNvPr>
-          <p:cNvSpPr>
-            <a:spLocks noGrp="1"/>
-          </p:cNvSpPr>
-          <p:nvPr>
-            <p:ph type="title"/>
-          </p:nvPr>
-        </p:nvSpPr>
-        <p:spPr/>
-        <p:txBody>
-          <a:bodyPr>
-            <a:normAutofit fontScale="90000"/>
-          </a:bodyPr>
-          <a:lstStyle/>
-          <a:p>
-            <a:r>
-              <a:rPr lang="en-US" dirty="0"/>
-              <a:t>Geyser</a:t>
-            </a:r>
-            <a:endParaRPr lang="fr-FR" dirty="0"/>
-          </a:p>
-        </p:txBody>
-      </p:sp>
-      <p:sp>
-        <p:nvSpPr>
-          <p:cNvPr id="3" name="Espace réservé du contenu 2">
-            <a:extLst>
-              <a:ext uri="{FF2B5EF4-FFF2-40B4-BE49-F238E27FC236}">
-                <a16:creationId xmlns:a16="http://schemas.microsoft.com/office/drawing/2014/main" id="{A059FFA2-6067-0BB0-EC9C-E2C30C9E4776}"/>
-              </a:ext>
-            </a:extLst>
-          </p:cNvPr>
-          <p:cNvSpPr>
-            <a:spLocks noGrp="1"/>
-          </p:cNvSpPr>
-          <p:nvPr>
-            <p:ph idx="1"/>
-          </p:nvPr>
-        </p:nvSpPr>
-        <p:spPr/>
-        <p:txBody>
-          <a:bodyPr/>
-          <a:lstStyle/>
-          <a:p>
-            <a:endParaRPr lang="fr-FR"/>
-          </a:p>
-        </p:txBody>
-      </p:sp>
-    </p:spTree>
-    <p:extLst>
-      <p:ext uri="{BB962C8B-B14F-4D97-AF65-F5344CB8AC3E}">
-        <p14:creationId xmlns:p14="http://schemas.microsoft.com/office/powerpoint/2010/main" val="3833371987"/>
-      </p:ext>
-    </p:extLst>
-  </p:cSld>
-  <p:clrMapOvr>
-    <a:masterClrMapping/>
-  </p:clrMapOvr>
-</p:sld>
-</file>
-
-<file path=ppt/slides/slide19.xml><?xml version="1.0" encoding="utf-8"?>
-<p:sld xmlns:a="http://schemas.openxmlformats.org/drawingml/2006/main" xmlns:r="http://schemas.openxmlformats.org/officeDocument/2006/relationships" xmlns:p="http://schemas.openxmlformats.org/presentationml/2006/main">
-  <p:cSld>
-    <p:spTree>
-      <p:nvGrpSpPr>
-        <p:cNvPr id="1" name=""/>
-        <p:cNvGrpSpPr/>
-        <p:nvPr/>
-      </p:nvGrpSpPr>
-      <p:grpSpPr>
-        <a:xfrm>
-          <a:off x="0" y="0"/>
-          <a:ext cx="0" cy="0"/>
-          <a:chOff x="0" y="0"/>
-          <a:chExt cx="0" cy="0"/>
-        </a:xfrm>
-      </p:grpSpPr>
-      <p:sp>
-        <p:nvSpPr>
-          <p:cNvPr id="2" name="Titre 1">
-            <a:extLst>
-              <a:ext uri="{FF2B5EF4-FFF2-40B4-BE49-F238E27FC236}">
-                <a16:creationId xmlns:a16="http://schemas.microsoft.com/office/drawing/2014/main" id="{F32690F4-E133-7688-A900-67B9FDD0C974}"/>
-              </a:ext>
-            </a:extLst>
-          </p:cNvPr>
-          <p:cNvSpPr>
-            <a:spLocks noGrp="1"/>
-          </p:cNvSpPr>
-          <p:nvPr>
-            <p:ph type="ctrTitle"/>
-          </p:nvPr>
-        </p:nvSpPr>
-        <p:spPr/>
-        <p:txBody>
-          <a:bodyPr/>
-          <a:lstStyle/>
-          <a:p>
-            <a:r>
-              <a:rPr lang="fr-FR" dirty="0"/>
-              <a:t>Niveaux</a:t>
-            </a:r>
-          </a:p>
-        </p:txBody>
-      </p:sp>
-    </p:spTree>
-    <p:extLst>
-      <p:ext uri="{BB962C8B-B14F-4D97-AF65-F5344CB8AC3E}">
-        <p14:creationId xmlns:p14="http://schemas.microsoft.com/office/powerpoint/2010/main" val="1661885592"/>
-      </p:ext>
-    </p:extLst>
-  </p:cSld>
-  <p:clrMapOvr>
-    <a:masterClrMapping/>
-  </p:clrMapOvr>
-</p:sld>
-</file>
-
 <file path=ppt/slides/slide2.xml><?xml version="1.0" encoding="utf-8"?>
 <p:sld xmlns:a="http://schemas.openxmlformats.org/drawingml/2006/main" xmlns:r="http://schemas.openxmlformats.org/officeDocument/2006/relationships" xmlns:p="http://schemas.openxmlformats.org/presentationml/2006/main">
   <p:cSld>
@@ -2909,6 +3130,235 @@
 </file>
 
 <file path=ppt/slides/slide20.xml><?xml version="1.0" encoding="utf-8"?>
+<p:sld xmlns:a="http://schemas.openxmlformats.org/drawingml/2006/main" xmlns:r="http://schemas.openxmlformats.org/officeDocument/2006/relationships" xmlns:p="http://schemas.openxmlformats.org/presentationml/2006/main">
+  <p:cSld>
+    <p:spTree>
+      <p:nvGrpSpPr>
+        <p:cNvPr id="1" name=""/>
+        <p:cNvGrpSpPr/>
+        <p:nvPr/>
+      </p:nvGrpSpPr>
+      <p:grpSpPr>
+        <a:xfrm>
+          <a:off x="0" y="0"/>
+          <a:ext cx="0" cy="0"/>
+          <a:chOff x="0" y="0"/>
+          <a:chExt cx="0" cy="0"/>
+        </a:xfrm>
+      </p:grpSpPr>
+      <p:sp>
+        <p:nvSpPr>
+          <p:cNvPr id="2" name="Titre 1">
+            <a:extLst>
+              <a:ext uri="{FF2B5EF4-FFF2-40B4-BE49-F238E27FC236}">
+                <a16:creationId xmlns:a16="http://schemas.microsoft.com/office/drawing/2014/main" id="{1D12A1F4-396E-E231-B786-C3B2E894094E}"/>
+              </a:ext>
+            </a:extLst>
+          </p:cNvPr>
+          <p:cNvSpPr>
+            <a:spLocks noGrp="1"/>
+          </p:cNvSpPr>
+          <p:nvPr>
+            <p:ph type="title"/>
+          </p:nvPr>
+        </p:nvSpPr>
+        <p:spPr/>
+        <p:txBody>
+          <a:bodyPr>
+            <a:normAutofit fontScale="90000"/>
+          </a:bodyPr>
+          <a:lstStyle/>
+          <a:p>
+            <a:r>
+              <a:rPr lang="fr-FR" dirty="0"/>
+              <a:t>Arrivée chez créateur</a:t>
+            </a:r>
+          </a:p>
+        </p:txBody>
+      </p:sp>
+      <p:sp>
+        <p:nvSpPr>
+          <p:cNvPr id="3" name="Espace réservé du contenu 2">
+            <a:extLst>
+              <a:ext uri="{FF2B5EF4-FFF2-40B4-BE49-F238E27FC236}">
+                <a16:creationId xmlns:a16="http://schemas.microsoft.com/office/drawing/2014/main" id="{410A02AA-956B-FA21-0322-FFC2D2B05AAB}"/>
+              </a:ext>
+            </a:extLst>
+          </p:cNvPr>
+          <p:cNvSpPr>
+            <a:spLocks noGrp="1"/>
+          </p:cNvSpPr>
+          <p:nvPr>
+            <p:ph idx="1"/>
+          </p:nvPr>
+        </p:nvSpPr>
+        <p:spPr/>
+        <p:txBody>
+          <a:bodyPr/>
+          <a:lstStyle/>
+          <a:p>
+            <a:endParaRPr lang="fr-FR"/>
+          </a:p>
+        </p:txBody>
+      </p:sp>
+    </p:spTree>
+    <p:extLst>
+      <p:ext uri="{BB962C8B-B14F-4D97-AF65-F5344CB8AC3E}">
+        <p14:creationId xmlns:p14="http://schemas.microsoft.com/office/powerpoint/2010/main" val="2172707627"/>
+      </p:ext>
+    </p:extLst>
+  </p:cSld>
+  <p:clrMapOvr>
+    <a:masterClrMapping/>
+  </p:clrMapOvr>
+</p:sld>
+</file>
+
+<file path=ppt/slides/slide21.xml><?xml version="1.0" encoding="utf-8"?>
+<p:sld xmlns:a="http://schemas.openxmlformats.org/drawingml/2006/main" xmlns:r="http://schemas.openxmlformats.org/officeDocument/2006/relationships" xmlns:p="http://schemas.openxmlformats.org/presentationml/2006/main">
+  <p:cSld>
+    <p:spTree>
+      <p:nvGrpSpPr>
+        <p:cNvPr id="1" name=""/>
+        <p:cNvGrpSpPr/>
+        <p:nvPr/>
+      </p:nvGrpSpPr>
+      <p:grpSpPr>
+        <a:xfrm>
+          <a:off x="0" y="0"/>
+          <a:ext cx="0" cy="0"/>
+          <a:chOff x="0" y="0"/>
+          <a:chExt cx="0" cy="0"/>
+        </a:xfrm>
+      </p:grpSpPr>
+      <p:sp>
+        <p:nvSpPr>
+          <p:cNvPr id="2" name="Titre 1">
+            <a:extLst>
+              <a:ext uri="{FF2B5EF4-FFF2-40B4-BE49-F238E27FC236}">
+                <a16:creationId xmlns:a16="http://schemas.microsoft.com/office/drawing/2014/main" id="{0E76A798-D33C-CC2E-64E3-4D3309654E39}"/>
+              </a:ext>
+            </a:extLst>
+          </p:cNvPr>
+          <p:cNvSpPr>
+            <a:spLocks noGrp="1"/>
+          </p:cNvSpPr>
+          <p:nvPr>
+            <p:ph type="title"/>
+          </p:nvPr>
+        </p:nvSpPr>
+        <p:spPr/>
+        <p:txBody>
+          <a:bodyPr>
+            <a:normAutofit fontScale="90000"/>
+          </a:bodyPr>
+          <a:lstStyle/>
+          <a:p>
+            <a:r>
+              <a:rPr lang="en-US" dirty="0"/>
+              <a:t>Geyser</a:t>
+            </a:r>
+            <a:endParaRPr lang="fr-FR" dirty="0"/>
+          </a:p>
+        </p:txBody>
+      </p:sp>
+      <p:sp>
+        <p:nvSpPr>
+          <p:cNvPr id="3" name="Espace réservé du contenu 2">
+            <a:extLst>
+              <a:ext uri="{FF2B5EF4-FFF2-40B4-BE49-F238E27FC236}">
+                <a16:creationId xmlns:a16="http://schemas.microsoft.com/office/drawing/2014/main" id="{A059FFA2-6067-0BB0-EC9C-E2C30C9E4776}"/>
+              </a:ext>
+            </a:extLst>
+          </p:cNvPr>
+          <p:cNvSpPr>
+            <a:spLocks noGrp="1"/>
+          </p:cNvSpPr>
+          <p:nvPr>
+            <p:ph idx="1"/>
+          </p:nvPr>
+        </p:nvSpPr>
+        <p:spPr/>
+        <p:txBody>
+          <a:bodyPr/>
+          <a:lstStyle/>
+          <a:p>
+            <a:endParaRPr lang="fr-FR"/>
+          </a:p>
+        </p:txBody>
+      </p:sp>
+    </p:spTree>
+    <p:extLst>
+      <p:ext uri="{BB962C8B-B14F-4D97-AF65-F5344CB8AC3E}">
+        <p14:creationId xmlns:p14="http://schemas.microsoft.com/office/powerpoint/2010/main" val="3833371987"/>
+      </p:ext>
+    </p:extLst>
+  </p:cSld>
+  <p:clrMapOvr>
+    <a:masterClrMapping/>
+  </p:clrMapOvr>
+</p:sld>
+</file>
+
+<file path=ppt/slides/slide22.xml><?xml version="1.0" encoding="utf-8"?>
+<p:sld xmlns:a="http://schemas.openxmlformats.org/drawingml/2006/main" xmlns:r="http://schemas.openxmlformats.org/officeDocument/2006/relationships" xmlns:p="http://schemas.openxmlformats.org/presentationml/2006/main">
+  <p:cSld>
+    <p:spTree>
+      <p:nvGrpSpPr>
+        <p:cNvPr id="1" name=""/>
+        <p:cNvGrpSpPr/>
+        <p:nvPr/>
+      </p:nvGrpSpPr>
+      <p:grpSpPr>
+        <a:xfrm>
+          <a:off x="0" y="0"/>
+          <a:ext cx="0" cy="0"/>
+          <a:chOff x="0" y="0"/>
+          <a:chExt cx="0" cy="0"/>
+        </a:xfrm>
+      </p:grpSpPr>
+      <p:sp>
+        <p:nvSpPr>
+          <p:cNvPr id="2" name="Titre 1">
+            <a:extLst>
+              <a:ext uri="{FF2B5EF4-FFF2-40B4-BE49-F238E27FC236}">
+                <a16:creationId xmlns:a16="http://schemas.microsoft.com/office/drawing/2014/main" id="{F32690F4-E133-7688-A900-67B9FDD0C974}"/>
+              </a:ext>
+            </a:extLst>
+          </p:cNvPr>
+          <p:cNvSpPr>
+            <a:spLocks noGrp="1"/>
+          </p:cNvSpPr>
+          <p:nvPr>
+            <p:ph type="ctrTitle"/>
+          </p:nvPr>
+        </p:nvSpPr>
+        <p:spPr/>
+        <p:txBody>
+          <a:bodyPr/>
+          <a:lstStyle/>
+          <a:p>
+            <a:r>
+              <a:rPr lang="fr-FR" dirty="0"/>
+              <a:t>Niveaux</a:t>
+            </a:r>
+          </a:p>
+        </p:txBody>
+      </p:sp>
+    </p:spTree>
+    <p:extLst>
+      <p:ext uri="{BB962C8B-B14F-4D97-AF65-F5344CB8AC3E}">
+        <p14:creationId xmlns:p14="http://schemas.microsoft.com/office/powerpoint/2010/main" val="1661885592"/>
+      </p:ext>
+    </p:extLst>
+  </p:cSld>
+  <p:clrMapOvr>
+    <a:masterClrMapping/>
+  </p:clrMapOvr>
+</p:sld>
+</file>
+
+<file path=ppt/slides/slide23.xml><?xml version="1.0" encoding="utf-8"?>
 <p:sld xmlns:a="http://schemas.openxmlformats.org/drawingml/2006/main" xmlns:r="http://schemas.openxmlformats.org/officeDocument/2006/relationships" xmlns:p="http://schemas.openxmlformats.org/presentationml/2006/main">
   <p:cSld>
     <p:spTree>
@@ -3081,7 +3531,7 @@
 </p:sld>
 </file>
 
-<file path=ppt/slides/slide21.xml><?xml version="1.0" encoding="utf-8"?>
+<file path=ppt/slides/slide24.xml><?xml version="1.0" encoding="utf-8"?>
 <p:sld xmlns:a="http://schemas.openxmlformats.org/drawingml/2006/main" xmlns:r="http://schemas.openxmlformats.org/officeDocument/2006/relationships" xmlns:p="http://schemas.openxmlformats.org/presentationml/2006/main">
   <p:cSld>
     <p:spTree>
@@ -4674,7 +5124,7 @@
 </p:sld>
 </file>
 
-<file path=ppt/slides/slide22.xml><?xml version="1.0" encoding="utf-8"?>
+<file path=ppt/slides/slide25.xml><?xml version="1.0" encoding="utf-8"?>
 <p:sld xmlns:a="http://schemas.openxmlformats.org/drawingml/2006/main" xmlns:r="http://schemas.openxmlformats.org/officeDocument/2006/relationships" xmlns:p="http://schemas.openxmlformats.org/presentationml/2006/main">
   <p:cSld>
     <p:spTree>
@@ -4735,7 +5185,7 @@
 </p:sld>
 </file>
 
-<file path=ppt/slides/slide23.xml><?xml version="1.0" encoding="utf-8"?>
+<file path=ppt/slides/slide26.xml><?xml version="1.0" encoding="utf-8"?>
 <p:sld xmlns:a="http://schemas.openxmlformats.org/drawingml/2006/main" xmlns:r="http://schemas.openxmlformats.org/officeDocument/2006/relationships" xmlns:p="http://schemas.openxmlformats.org/presentationml/2006/main">
   <p:cSld>
     <p:spTree>
@@ -6422,7 +6872,7 @@
 </p:sld>
 </file>
 
-<file path=ppt/slides/slide24.xml><?xml version="1.0" encoding="utf-8"?>
+<file path=ppt/slides/slide27.xml><?xml version="1.0" encoding="utf-8"?>
 <p:sld xmlns:a="http://schemas.openxmlformats.org/drawingml/2006/main" xmlns:r="http://schemas.openxmlformats.org/officeDocument/2006/relationships" xmlns:p="http://schemas.openxmlformats.org/presentationml/2006/main">
   <p:cSld>
     <p:spTree>
@@ -7507,7 +7957,7 @@
 </p:sld>
 </file>
 
-<file path=ppt/slides/slide25.xml><?xml version="1.0" encoding="utf-8"?>
+<file path=ppt/slides/slide28.xml><?xml version="1.0" encoding="utf-8"?>
 <p:sld xmlns:a="http://schemas.openxmlformats.org/drawingml/2006/main" xmlns:r="http://schemas.openxmlformats.org/officeDocument/2006/relationships" xmlns:p="http://schemas.openxmlformats.org/presentationml/2006/main">
   <p:cSld>
     <p:spTree>
@@ -9546,7 +9996,7 @@
 </p:sld>
 </file>
 
-<file path=ppt/slides/slide26.xml><?xml version="1.0" encoding="utf-8"?>
+<file path=ppt/slides/slide29.xml><?xml version="1.0" encoding="utf-8"?>
 <p:sld xmlns:a="http://schemas.openxmlformats.org/drawingml/2006/main" xmlns:r="http://schemas.openxmlformats.org/officeDocument/2006/relationships" xmlns:p="http://schemas.openxmlformats.org/presentationml/2006/main">
   <p:cSld>
     <p:spTree>
@@ -18812,7 +19262,65 @@
 </p:sld>
 </file>
 
-<file path=ppt/slides/slide27.xml><?xml version="1.0" encoding="utf-8"?>
+<file path=ppt/slides/slide3.xml><?xml version="1.0" encoding="utf-8"?>
+<p:sld xmlns:a="http://schemas.openxmlformats.org/drawingml/2006/main" xmlns:r="http://schemas.openxmlformats.org/officeDocument/2006/relationships" xmlns:p="http://schemas.openxmlformats.org/presentationml/2006/main">
+  <p:cSld>
+    <p:spTree>
+      <p:nvGrpSpPr>
+        <p:cNvPr id="1" name=""/>
+        <p:cNvGrpSpPr/>
+        <p:nvPr/>
+      </p:nvGrpSpPr>
+      <p:grpSpPr>
+        <a:xfrm>
+          <a:off x="0" y="0"/>
+          <a:ext cx="0" cy="0"/>
+          <a:chOff x="0" y="0"/>
+          <a:chExt cx="0" cy="0"/>
+        </a:xfrm>
+      </p:grpSpPr>
+      <p:sp>
+        <p:nvSpPr>
+          <p:cNvPr id="2" name="Titre 1">
+            <a:extLst>
+              <a:ext uri="{FF2B5EF4-FFF2-40B4-BE49-F238E27FC236}">
+                <a16:creationId xmlns:a16="http://schemas.microsoft.com/office/drawing/2014/main" id="{89810A6C-8F59-6915-851E-1C0A27165BCC}"/>
+              </a:ext>
+            </a:extLst>
+          </p:cNvPr>
+          <p:cNvSpPr>
+            <a:spLocks noGrp="1"/>
+          </p:cNvSpPr>
+          <p:nvPr>
+            <p:ph type="ctrTitle"/>
+          </p:nvPr>
+        </p:nvSpPr>
+        <p:spPr/>
+        <p:txBody>
+          <a:bodyPr/>
+          <a:lstStyle/>
+          <a:p>
+            <a:r>
+              <a:rPr lang="fr-FR" dirty="0"/>
+              <a:t>Pour les devs</a:t>
+            </a:r>
+          </a:p>
+        </p:txBody>
+      </p:sp>
+    </p:spTree>
+    <p:extLst>
+      <p:ext uri="{BB962C8B-B14F-4D97-AF65-F5344CB8AC3E}">
+        <p14:creationId xmlns:p14="http://schemas.microsoft.com/office/powerpoint/2010/main" val="402606170"/>
+      </p:ext>
+    </p:extLst>
+  </p:cSld>
+  <p:clrMapOvr>
+    <a:masterClrMapping/>
+  </p:clrMapOvr>
+</p:sld>
+</file>
+
+<file path=ppt/slides/slide30.xml><?xml version="1.0" encoding="utf-8"?>
 <p:sld xmlns:a="http://schemas.openxmlformats.org/drawingml/2006/main" xmlns:r="http://schemas.openxmlformats.org/officeDocument/2006/relationships" xmlns:p="http://schemas.openxmlformats.org/presentationml/2006/main">
   <p:cSld>
     <p:spTree>
@@ -20403,7 +20911,7 @@
 </p:sld>
 </file>
 
-<file path=ppt/slides/slide28.xml><?xml version="1.0" encoding="utf-8"?>
+<file path=ppt/slides/slide31.xml><?xml version="1.0" encoding="utf-8"?>
 <p:sld xmlns:a="http://schemas.openxmlformats.org/drawingml/2006/main" xmlns:r="http://schemas.openxmlformats.org/officeDocument/2006/relationships" xmlns:p="http://schemas.openxmlformats.org/presentationml/2006/main">
   <p:cSld>
     <p:spTree>
@@ -22579,7 +23087,430 @@
 </p:sld>
 </file>
 
-<file path=ppt/slides/slide3.xml><?xml version="1.0" encoding="utf-8"?>
+<file path=ppt/slides/slide4.xml><?xml version="1.0" encoding="utf-8"?>
+<p:sld xmlns:a="http://schemas.openxmlformats.org/drawingml/2006/main" xmlns:r="http://schemas.openxmlformats.org/officeDocument/2006/relationships" xmlns:p="http://schemas.openxmlformats.org/presentationml/2006/main">
+  <p:cSld>
+    <p:spTree>
+      <p:nvGrpSpPr>
+        <p:cNvPr id="1" name=""/>
+        <p:cNvGrpSpPr/>
+        <p:nvPr/>
+      </p:nvGrpSpPr>
+      <p:grpSpPr>
+        <a:xfrm>
+          <a:off x="0" y="0"/>
+          <a:ext cx="0" cy="0"/>
+          <a:chOff x="0" y="0"/>
+          <a:chExt cx="0" cy="0"/>
+        </a:xfrm>
+      </p:grpSpPr>
+      <p:sp>
+        <p:nvSpPr>
+          <p:cNvPr id="2" name="Titre 1">
+            <a:extLst>
+              <a:ext uri="{FF2B5EF4-FFF2-40B4-BE49-F238E27FC236}">
+                <a16:creationId xmlns:a16="http://schemas.microsoft.com/office/drawing/2014/main" id="{C5015569-53B2-4CFC-BBAC-BB78BE90EF7F}"/>
+              </a:ext>
+            </a:extLst>
+          </p:cNvPr>
+          <p:cNvSpPr>
+            <a:spLocks noGrp="1"/>
+          </p:cNvSpPr>
+          <p:nvPr>
+            <p:ph type="title"/>
+          </p:nvPr>
+        </p:nvSpPr>
+        <p:spPr/>
+        <p:txBody>
+          <a:bodyPr>
+            <a:normAutofit fontScale="90000"/>
+          </a:bodyPr>
+          <a:lstStyle/>
+          <a:p>
+            <a:r>
+              <a:rPr lang="fr-FR" dirty="0"/>
+              <a:t>Installation</a:t>
+            </a:r>
+          </a:p>
+        </p:txBody>
+      </p:sp>
+      <p:sp>
+        <p:nvSpPr>
+          <p:cNvPr id="3" name="Espace réservé du contenu 2">
+            <a:extLst>
+              <a:ext uri="{FF2B5EF4-FFF2-40B4-BE49-F238E27FC236}">
+                <a16:creationId xmlns:a16="http://schemas.microsoft.com/office/drawing/2014/main" id="{3B77B3F4-A98B-236D-9F35-E73B6970397E}"/>
+              </a:ext>
+            </a:extLst>
+          </p:cNvPr>
+          <p:cNvSpPr>
+            <a:spLocks noGrp="1"/>
+          </p:cNvSpPr>
+          <p:nvPr>
+            <p:ph idx="1"/>
+          </p:nvPr>
+        </p:nvSpPr>
+        <p:spPr/>
+        <p:txBody>
+          <a:bodyPr/>
+          <a:lstStyle/>
+          <a:p>
+            <a:r>
+              <a:rPr lang="fr-FR" dirty="0"/>
+              <a:t>Installer </a:t>
+            </a:r>
+            <a:r>
+              <a:rPr lang="fr-FR" dirty="0">
+                <a:hlinkClick r:id="rId2"/>
+              </a:rPr>
+              <a:t>VS code</a:t>
+            </a:r>
+            <a:endParaRPr lang="fr-FR" dirty="0"/>
+          </a:p>
+          <a:p>
+            <a:r>
+              <a:rPr lang="fr-FR" dirty="0"/>
+              <a:t>Installer </a:t>
+            </a:r>
+            <a:r>
+              <a:rPr lang="fr-FR" dirty="0" err="1">
+                <a:hlinkClick r:id="rId3"/>
+              </a:rPr>
+              <a:t>RayLib</a:t>
+            </a:r>
+            <a:endParaRPr lang="fr-FR" dirty="0"/>
+          </a:p>
+          <a:p>
+            <a:r>
+              <a:rPr lang="fr-FR" dirty="0"/>
+              <a:t>Installer </a:t>
+            </a:r>
+            <a:r>
+              <a:rPr lang="fr-FR" dirty="0" err="1">
+                <a:hlinkClick r:id="rId4"/>
+              </a:rPr>
+              <a:t>CMake</a:t>
+            </a:r>
+            <a:r>
+              <a:rPr lang="fr-FR" dirty="0"/>
+              <a:t> (.</a:t>
+            </a:r>
+            <a:r>
+              <a:rPr lang="fr-FR" dirty="0" err="1"/>
+              <a:t>msi</a:t>
+            </a:r>
+            <a:r>
+              <a:rPr lang="fr-FR" dirty="0"/>
+              <a:t>)</a:t>
+            </a:r>
+          </a:p>
+          <a:p>
+            <a:r>
+              <a:rPr lang="fr-FR" dirty="0"/>
+              <a:t>Installer </a:t>
+            </a:r>
+            <a:r>
+              <a:rPr lang="fr-FR" dirty="0">
+                <a:hlinkClick r:id="rId5"/>
+              </a:rPr>
+              <a:t>Msys2</a:t>
+            </a:r>
+            <a:endParaRPr lang="fr-FR" dirty="0"/>
+          </a:p>
+          <a:p>
+            <a:r>
+              <a:rPr lang="fr-FR" dirty="0"/>
+              <a:t>Dans le terminal Msys2, taper :</a:t>
+            </a:r>
+          </a:p>
+          <a:p>
+            <a:pPr lvl="1"/>
+            <a:r>
+              <a:rPr lang="fr-FR" dirty="0" err="1"/>
+              <a:t>pacman</a:t>
+            </a:r>
+            <a:r>
+              <a:rPr lang="fr-FR" dirty="0"/>
+              <a:t> -</a:t>
+            </a:r>
+            <a:r>
+              <a:rPr lang="fr-FR" dirty="0" err="1"/>
+              <a:t>Syu</a:t>
+            </a:r>
+            <a:endParaRPr lang="fr-FR" dirty="0"/>
+          </a:p>
+          <a:p>
+            <a:pPr lvl="1"/>
+            <a:r>
+              <a:rPr lang="fr-FR" dirty="0" err="1"/>
+              <a:t>pacman</a:t>
+            </a:r>
+            <a:r>
+              <a:rPr lang="fr-FR" dirty="0"/>
+              <a:t> -S mingw-w64-x86_64-gcc</a:t>
+            </a:r>
+          </a:p>
+          <a:p>
+            <a:pPr lvl="1"/>
+            <a:r>
+              <a:rPr lang="fr-FR" dirty="0" err="1"/>
+              <a:t>pacman</a:t>
+            </a:r>
+            <a:r>
+              <a:rPr lang="fr-FR" dirty="0"/>
+              <a:t> -S mingw-w64-x86_64-make</a:t>
+            </a:r>
+          </a:p>
+          <a:p>
+            <a:pPr lvl="1"/>
+            <a:r>
+              <a:rPr lang="fr-FR" dirty="0" err="1"/>
+              <a:t>pacman</a:t>
+            </a:r>
+            <a:r>
+              <a:rPr lang="fr-FR" dirty="0"/>
+              <a:t> -S mingw-w64-x86_64-raylib</a:t>
+            </a:r>
+          </a:p>
+          <a:p>
+            <a:r>
+              <a:rPr lang="fr-FR" dirty="0"/>
+              <a:t>Ajouter C:\msys64\mingw64\bin à la variable Path</a:t>
+            </a:r>
+          </a:p>
+          <a:p>
+            <a:r>
+              <a:rPr lang="fr-FR" dirty="0"/>
+              <a:t>Installer </a:t>
+            </a:r>
+            <a:r>
+              <a:rPr lang="fr-FR" dirty="0">
+                <a:hlinkClick r:id="rId6"/>
+              </a:rPr>
+              <a:t>Git</a:t>
+            </a:r>
+            <a:r>
+              <a:rPr lang="fr-FR" dirty="0"/>
+              <a:t> et cloner depuis :</a:t>
+            </a:r>
+          </a:p>
+          <a:p>
+            <a:pPr lvl="1"/>
+            <a:r>
+              <a:rPr lang="fr-FR" dirty="0"/>
+              <a:t>https://github.com/Oxburn/MyGame.git</a:t>
+            </a:r>
+          </a:p>
+        </p:txBody>
+      </p:sp>
+    </p:spTree>
+    <p:extLst>
+      <p:ext uri="{BB962C8B-B14F-4D97-AF65-F5344CB8AC3E}">
+        <p14:creationId xmlns:p14="http://schemas.microsoft.com/office/powerpoint/2010/main" val="2462898037"/>
+      </p:ext>
+    </p:extLst>
+  </p:cSld>
+  <p:clrMapOvr>
+    <a:masterClrMapping/>
+  </p:clrMapOvr>
+</p:sld>
+</file>
+
+<file path=ppt/slides/slide5.xml><?xml version="1.0" encoding="utf-8"?>
+<p:sld xmlns:a="http://schemas.openxmlformats.org/drawingml/2006/main" xmlns:r="http://schemas.openxmlformats.org/officeDocument/2006/relationships" xmlns:p="http://schemas.openxmlformats.org/presentationml/2006/main">
+  <p:cSld>
+    <p:spTree>
+      <p:nvGrpSpPr>
+        <p:cNvPr id="1" name=""/>
+        <p:cNvGrpSpPr/>
+        <p:nvPr/>
+      </p:nvGrpSpPr>
+      <p:grpSpPr>
+        <a:xfrm>
+          <a:off x="0" y="0"/>
+          <a:ext cx="0" cy="0"/>
+          <a:chOff x="0" y="0"/>
+          <a:chExt cx="0" cy="0"/>
+        </a:xfrm>
+      </p:grpSpPr>
+      <p:sp>
+        <p:nvSpPr>
+          <p:cNvPr id="2" name="Titre 1">
+            <a:extLst>
+              <a:ext uri="{FF2B5EF4-FFF2-40B4-BE49-F238E27FC236}">
+                <a16:creationId xmlns:a16="http://schemas.microsoft.com/office/drawing/2014/main" id="{662A9E5D-D86F-B90D-9B6D-B0382CC60D59}"/>
+              </a:ext>
+            </a:extLst>
+          </p:cNvPr>
+          <p:cNvSpPr>
+            <a:spLocks noGrp="1"/>
+          </p:cNvSpPr>
+          <p:nvPr>
+            <p:ph type="title"/>
+          </p:nvPr>
+        </p:nvSpPr>
+        <p:spPr/>
+        <p:txBody>
+          <a:bodyPr>
+            <a:normAutofit fontScale="90000"/>
+          </a:bodyPr>
+          <a:lstStyle/>
+          <a:p>
+            <a:r>
+              <a:rPr lang="fr-FR" dirty="0"/>
+              <a:t>Compilation / exécution</a:t>
+            </a:r>
+          </a:p>
+        </p:txBody>
+      </p:sp>
+      <p:sp>
+        <p:nvSpPr>
+          <p:cNvPr id="3" name="Espace réservé du contenu 2">
+            <a:extLst>
+              <a:ext uri="{FF2B5EF4-FFF2-40B4-BE49-F238E27FC236}">
+                <a16:creationId xmlns:a16="http://schemas.microsoft.com/office/drawing/2014/main" id="{9305772E-B2B6-A499-1AE2-91CD6928F53C}"/>
+              </a:ext>
+            </a:extLst>
+          </p:cNvPr>
+          <p:cNvSpPr>
+            <a:spLocks noGrp="1"/>
+          </p:cNvSpPr>
+          <p:nvPr>
+            <p:ph idx="1"/>
+          </p:nvPr>
+        </p:nvSpPr>
+        <p:spPr/>
+        <p:txBody>
+          <a:bodyPr/>
+          <a:lstStyle/>
+          <a:p>
+            <a:r>
+              <a:rPr lang="fr-FR" dirty="0" err="1"/>
+              <a:t>Précompilation</a:t>
+            </a:r>
+            <a:r>
+              <a:rPr lang="fr-FR" dirty="0"/>
+              <a:t> (modification de CMakeLists.txt ou d’architecture ) :</a:t>
+            </a:r>
+          </a:p>
+          <a:p>
+            <a:pPr lvl="1">
+              <a:buFont typeface="Wingdings" panose="05000000000000000000" pitchFamily="2" charset="2"/>
+              <a:buChar char="ü"/>
+            </a:pPr>
+            <a:r>
+              <a:rPr lang="fr-FR" sz="2000" dirty="0" err="1"/>
+              <a:t>cmake</a:t>
+            </a:r>
+            <a:r>
+              <a:rPr lang="fr-FR" sz="2000" dirty="0"/>
+              <a:t> -B </a:t>
+            </a:r>
+            <a:r>
+              <a:rPr lang="fr-FR" sz="2000" dirty="0" err="1"/>
+              <a:t>build</a:t>
+            </a:r>
+            <a:r>
+              <a:rPr lang="fr-FR" sz="2000" dirty="0"/>
+              <a:t> -G "</a:t>
+            </a:r>
+            <a:r>
+              <a:rPr lang="fr-FR" sz="2000" dirty="0" err="1"/>
+              <a:t>MinGW</a:t>
+            </a:r>
+            <a:r>
+              <a:rPr lang="fr-FR" sz="2000" dirty="0"/>
+              <a:t> </a:t>
+            </a:r>
+            <a:r>
+              <a:rPr lang="fr-FR" sz="2000" dirty="0" err="1"/>
+              <a:t>Makefiles</a:t>
+            </a:r>
+            <a:r>
+              <a:rPr lang="fr-FR" sz="2000" dirty="0"/>
+              <a:t>" -DCMAKE_PREFIX_PATH="C:/msys64/mingw64"</a:t>
+            </a:r>
+            <a:endParaRPr lang="fr-FR" dirty="0"/>
+          </a:p>
+          <a:p>
+            <a:r>
+              <a:rPr lang="fr-FR" dirty="0"/>
+              <a:t>Compilation :</a:t>
+            </a:r>
+          </a:p>
+          <a:p>
+            <a:pPr lvl="1">
+              <a:buFont typeface="Wingdings" panose="05000000000000000000" pitchFamily="2" charset="2"/>
+              <a:buChar char="ü"/>
+            </a:pPr>
+            <a:r>
+              <a:rPr lang="fr-FR" sz="2000" dirty="0" err="1"/>
+              <a:t>cmake</a:t>
+            </a:r>
+            <a:r>
+              <a:rPr lang="fr-FR" sz="2000" dirty="0"/>
+              <a:t> --</a:t>
+            </a:r>
+            <a:r>
+              <a:rPr lang="fr-FR" sz="2000" dirty="0" err="1"/>
+              <a:t>build</a:t>
+            </a:r>
+            <a:r>
+              <a:rPr lang="fr-FR" sz="2000" dirty="0"/>
+              <a:t> </a:t>
+            </a:r>
+            <a:r>
+              <a:rPr lang="fr-FR" sz="2000" dirty="0" err="1"/>
+              <a:t>build</a:t>
+            </a:r>
+            <a:r>
+              <a:rPr lang="fr-FR" sz="2000" dirty="0"/>
+              <a:t> </a:t>
+            </a:r>
+          </a:p>
+          <a:p>
+            <a:r>
+              <a:rPr lang="fr-FR" dirty="0"/>
+              <a:t>Exécution :</a:t>
+            </a:r>
+          </a:p>
+          <a:p>
+            <a:pPr lvl="1">
+              <a:buFont typeface="Wingdings" panose="05000000000000000000" pitchFamily="2" charset="2"/>
+              <a:buChar char="ü"/>
+            </a:pPr>
+            <a:r>
+              <a:rPr lang="fr-FR" sz="2000" dirty="0"/>
+              <a:t>.\</a:t>
+            </a:r>
+            <a:r>
+              <a:rPr lang="fr-FR" sz="2000" dirty="0" err="1"/>
+              <a:t>build</a:t>
+            </a:r>
+            <a:r>
+              <a:rPr lang="fr-FR" sz="2000" dirty="0"/>
+              <a:t>\raylib_game.exe</a:t>
+            </a:r>
+          </a:p>
+          <a:p>
+            <a:endParaRPr lang="fr-FR" dirty="0"/>
+          </a:p>
+        </p:txBody>
+      </p:sp>
+    </p:spTree>
+    <p:extLst>
+      <p:ext uri="{BB962C8B-B14F-4D97-AF65-F5344CB8AC3E}">
+        <p14:creationId xmlns:p14="http://schemas.microsoft.com/office/powerpoint/2010/main" val="250950489"/>
+      </p:ext>
+    </p:extLst>
+  </p:cSld>
+  <p:clrMapOvr>
+    <a:masterClrMapping/>
+  </p:clrMapOvr>
+</p:sld>
+</file>
+
+<file path=ppt/slides/slide6.xml><?xml version="1.0" encoding="utf-8"?>
 <p:sld xmlns:a="http://schemas.openxmlformats.org/drawingml/2006/main" xmlns:r="http://schemas.openxmlformats.org/officeDocument/2006/relationships" xmlns:p="http://schemas.openxmlformats.org/presentationml/2006/main">
   <p:cSld>
     <p:spTree>
@@ -22637,7 +23568,7 @@
 </p:sld>
 </file>
 
-<file path=ppt/slides/slide4.xml><?xml version="1.0" encoding="utf-8"?>
+<file path=ppt/slides/slide7.xml><?xml version="1.0" encoding="utf-8"?>
 <p:sld xmlns:a="http://schemas.openxmlformats.org/drawingml/2006/main" xmlns:r="http://schemas.openxmlformats.org/officeDocument/2006/relationships" xmlns:p="http://schemas.openxmlformats.org/presentationml/2006/main">
   <p:cSld>
     <p:spTree>
@@ -22845,7 +23776,7 @@
 </p:sld>
 </file>
 
-<file path=ppt/slides/slide5.xml><?xml version="1.0" encoding="utf-8"?>
+<file path=ppt/slides/slide8.xml><?xml version="1.0" encoding="utf-8"?>
 <p:sld xmlns:a="http://schemas.openxmlformats.org/drawingml/2006/main" xmlns:r="http://schemas.openxmlformats.org/officeDocument/2006/relationships" xmlns:p="http://schemas.openxmlformats.org/presentationml/2006/main">
   <p:cSld>
     <p:spTree>
@@ -22904,7 +23835,7 @@
 </p:sld>
 </file>
 
-<file path=ppt/slides/slide6.xml><?xml version="1.0" encoding="utf-8"?>
+<file path=ppt/slides/slide9.xml><?xml version="1.0" encoding="utf-8"?>
 <p:sld xmlns:a="http://schemas.openxmlformats.org/drawingml/2006/main" xmlns:r="http://schemas.openxmlformats.org/officeDocument/2006/relationships" xmlns:p="http://schemas.openxmlformats.org/presentationml/2006/main">
   <p:cSld>
     <p:spTree>
@@ -23001,453 +23932,6 @@
     <p:extLst>
       <p:ext uri="{BB962C8B-B14F-4D97-AF65-F5344CB8AC3E}">
         <p14:creationId xmlns:p14="http://schemas.microsoft.com/office/powerpoint/2010/main" val="1601729747"/>
-      </p:ext>
-    </p:extLst>
-  </p:cSld>
-  <p:clrMapOvr>
-    <a:masterClrMapping/>
-  </p:clrMapOvr>
-</p:sld>
-</file>
-
-<file path=ppt/slides/slide7.xml><?xml version="1.0" encoding="utf-8"?>
-<p:sld xmlns:a="http://schemas.openxmlformats.org/drawingml/2006/main" xmlns:r="http://schemas.openxmlformats.org/officeDocument/2006/relationships" xmlns:p="http://schemas.openxmlformats.org/presentationml/2006/main">
-  <p:cSld>
-    <p:spTree>
-      <p:nvGrpSpPr>
-        <p:cNvPr id="1" name=""/>
-        <p:cNvGrpSpPr/>
-        <p:nvPr/>
-      </p:nvGrpSpPr>
-      <p:grpSpPr>
-        <a:xfrm>
-          <a:off x="0" y="0"/>
-          <a:ext cx="0" cy="0"/>
-          <a:chOff x="0" y="0"/>
-          <a:chExt cx="0" cy="0"/>
-        </a:xfrm>
-      </p:grpSpPr>
-      <p:sp>
-        <p:nvSpPr>
-          <p:cNvPr id="2" name="Titre 1">
-            <a:extLst>
-              <a:ext uri="{FF2B5EF4-FFF2-40B4-BE49-F238E27FC236}">
-                <a16:creationId xmlns:a16="http://schemas.microsoft.com/office/drawing/2014/main" id="{3567B0AB-7871-FDFA-8708-0868F150EB13}"/>
-              </a:ext>
-            </a:extLst>
-          </p:cNvPr>
-          <p:cNvSpPr>
-            <a:spLocks noGrp="1"/>
-          </p:cNvSpPr>
-          <p:nvPr>
-            <p:ph type="title"/>
-          </p:nvPr>
-        </p:nvSpPr>
-        <p:spPr/>
-        <p:txBody>
-          <a:bodyPr>
-            <a:normAutofit fontScale="90000"/>
-          </a:bodyPr>
-          <a:lstStyle/>
-          <a:p>
-            <a:r>
-              <a:rPr lang="fr-FR"/>
-              <a:t>Menu principal</a:t>
-            </a:r>
-            <a:endParaRPr lang="fr-FR" dirty="0"/>
-          </a:p>
-        </p:txBody>
-      </p:sp>
-      <p:sp>
-        <p:nvSpPr>
-          <p:cNvPr id="3" name="Espace réservé du contenu 2">
-            <a:extLst>
-              <a:ext uri="{FF2B5EF4-FFF2-40B4-BE49-F238E27FC236}">
-                <a16:creationId xmlns:a16="http://schemas.microsoft.com/office/drawing/2014/main" id="{E1613B24-DDF6-9FAB-85C8-4C1AF7AD1E5E}"/>
-              </a:ext>
-            </a:extLst>
-          </p:cNvPr>
-          <p:cNvSpPr>
-            <a:spLocks noGrp="1"/>
-          </p:cNvSpPr>
-          <p:nvPr>
-            <p:ph idx="1"/>
-          </p:nvPr>
-        </p:nvSpPr>
-        <p:spPr/>
-        <p:txBody>
-          <a:bodyPr>
-            <a:normAutofit fontScale="92500" lnSpcReduction="20000"/>
-          </a:bodyPr>
-          <a:lstStyle/>
-          <a:p>
-            <a:r>
-              <a:rPr lang="fr-FR" dirty="0"/>
-              <a:t>Start</a:t>
-            </a:r>
-          </a:p>
-          <a:p>
-            <a:pPr lvl="1"/>
-            <a:r>
-              <a:rPr lang="fr-FR" dirty="0"/>
-              <a:t>Niveau1_Ecran1</a:t>
-            </a:r>
-          </a:p>
-          <a:p>
-            <a:r>
-              <a:rPr lang="fr-FR" dirty="0"/>
-              <a:t>Options</a:t>
-            </a:r>
-          </a:p>
-          <a:p>
-            <a:pPr lvl="1"/>
-            <a:r>
-              <a:rPr lang="fr-FR" dirty="0"/>
-              <a:t>Langue</a:t>
-            </a:r>
-          </a:p>
-          <a:p>
-            <a:pPr lvl="2"/>
-            <a:r>
-              <a:rPr lang="fr-FR" dirty="0"/>
-              <a:t>Français</a:t>
-            </a:r>
-          </a:p>
-          <a:p>
-            <a:pPr lvl="2"/>
-            <a:r>
-              <a:rPr lang="fr-FR" dirty="0"/>
-              <a:t>English</a:t>
-            </a:r>
-          </a:p>
-          <a:p>
-            <a:pPr lvl="1"/>
-            <a:r>
-              <a:rPr lang="fr-FR" dirty="0"/>
-              <a:t>Difficulté </a:t>
-            </a:r>
-            <a:r>
-              <a:rPr lang="fr-FR" dirty="0">
-                <a:sym typeface="Wingdings" panose="05000000000000000000" pitchFamily="2" charset="2"/>
-              </a:rPr>
-              <a:t> </a:t>
-            </a:r>
-            <a:r>
-              <a:rPr lang="fr-FR" dirty="0"/>
-              <a:t>Facile, Normale, Difficile</a:t>
-            </a:r>
-          </a:p>
-          <a:p>
-            <a:pPr lvl="2"/>
-            <a:r>
-              <a:rPr lang="fr-FR" dirty="0"/>
-              <a:t>Vitesse d’évolution de l’arbre des compétences</a:t>
-            </a:r>
-          </a:p>
-          <a:p>
-            <a:pPr lvl="2"/>
-            <a:r>
-              <a:rPr lang="fr-FR" dirty="0"/>
-              <a:t>PV ennemis</a:t>
-            </a:r>
-          </a:p>
-          <a:p>
-            <a:pPr lvl="2"/>
-            <a:r>
-              <a:rPr lang="fr-FR" dirty="0"/>
-              <a:t>Guide (facile)</a:t>
-            </a:r>
-          </a:p>
-          <a:p>
-            <a:pPr lvl="1"/>
-            <a:r>
-              <a:rPr lang="fr-FR" dirty="0"/>
-              <a:t>Design</a:t>
-            </a:r>
-          </a:p>
-          <a:p>
-            <a:pPr lvl="2"/>
-            <a:r>
-              <a:rPr lang="fr-FR" dirty="0"/>
-              <a:t>Original </a:t>
-            </a:r>
-            <a:r>
-              <a:rPr lang="fr-FR" dirty="0">
-                <a:sym typeface="Wingdings" panose="05000000000000000000" pitchFamily="2" charset="2"/>
-              </a:rPr>
-              <a:t> Avec les assets (visuels, musicales, …)</a:t>
-            </a:r>
-          </a:p>
-          <a:p>
-            <a:pPr lvl="2"/>
-            <a:r>
-              <a:rPr lang="fr-FR" dirty="0" err="1">
-                <a:sym typeface="Wingdings" panose="05000000000000000000" pitchFamily="2" charset="2"/>
-              </a:rPr>
-              <a:t>Filiaire</a:t>
-            </a:r>
-            <a:r>
-              <a:rPr lang="fr-FR" dirty="0">
-                <a:sym typeface="Wingdings" panose="05000000000000000000" pitchFamily="2" charset="2"/>
-              </a:rPr>
-              <a:t>  Sans assets</a:t>
-            </a:r>
-          </a:p>
-          <a:p>
-            <a:pPr lvl="1"/>
-            <a:r>
-              <a:rPr lang="fr-FR" dirty="0">
-                <a:sym typeface="Wingdings" panose="05000000000000000000" pitchFamily="2" charset="2"/>
-              </a:rPr>
-              <a:t>Luminosité  0 à 100%</a:t>
-            </a:r>
-          </a:p>
-          <a:p>
-            <a:pPr lvl="1"/>
-            <a:r>
-              <a:rPr lang="fr-FR" dirty="0">
-                <a:sym typeface="Wingdings" panose="05000000000000000000" pitchFamily="2" charset="2"/>
-              </a:rPr>
-              <a:t>Son  0 à 100%</a:t>
-            </a:r>
-          </a:p>
-          <a:p>
-            <a:pPr lvl="1"/>
-            <a:r>
-              <a:rPr lang="fr-FR" dirty="0">
-                <a:sym typeface="Wingdings" panose="05000000000000000000" pitchFamily="2" charset="2"/>
-              </a:rPr>
-              <a:t>Musique  0 à 100%</a:t>
-            </a:r>
-          </a:p>
-          <a:p>
-            <a:pPr lvl="1"/>
-            <a:r>
-              <a:rPr lang="fr-FR" dirty="0"/>
-              <a:t>Retour </a:t>
-            </a:r>
-            <a:r>
-              <a:rPr lang="fr-FR" dirty="0">
-                <a:sym typeface="Wingdings" panose="05000000000000000000" pitchFamily="2" charset="2"/>
-              </a:rPr>
-              <a:t> Retour au menu principal</a:t>
-            </a:r>
-            <a:endParaRPr lang="fr-FR" dirty="0"/>
-          </a:p>
-          <a:p>
-            <a:r>
-              <a:rPr lang="fr-FR" dirty="0"/>
-              <a:t>Quitter</a:t>
-            </a:r>
-          </a:p>
-          <a:p>
-            <a:pPr lvl="1"/>
-            <a:r>
-              <a:rPr lang="fr-FR" dirty="0"/>
-              <a:t>Fermer</a:t>
-            </a:r>
-          </a:p>
-        </p:txBody>
-      </p:sp>
-    </p:spTree>
-    <p:extLst>
-      <p:ext uri="{BB962C8B-B14F-4D97-AF65-F5344CB8AC3E}">
-        <p14:creationId xmlns:p14="http://schemas.microsoft.com/office/powerpoint/2010/main" val="2149368396"/>
-      </p:ext>
-    </p:extLst>
-  </p:cSld>
-  <p:clrMapOvr>
-    <a:masterClrMapping/>
-  </p:clrMapOvr>
-</p:sld>
-</file>
-
-<file path=ppt/slides/slide8.xml><?xml version="1.0" encoding="utf-8"?>
-<p:sld xmlns:a="http://schemas.openxmlformats.org/drawingml/2006/main" xmlns:r="http://schemas.openxmlformats.org/officeDocument/2006/relationships" xmlns:p="http://schemas.openxmlformats.org/presentationml/2006/main">
-  <p:cSld>
-    <p:spTree>
-      <p:nvGrpSpPr>
-        <p:cNvPr id="1" name=""/>
-        <p:cNvGrpSpPr/>
-        <p:nvPr/>
-      </p:nvGrpSpPr>
-      <p:grpSpPr>
-        <a:xfrm>
-          <a:off x="0" y="0"/>
-          <a:ext cx="0" cy="0"/>
-          <a:chOff x="0" y="0"/>
-          <a:chExt cx="0" cy="0"/>
-        </a:xfrm>
-      </p:grpSpPr>
-      <p:sp>
-        <p:nvSpPr>
-          <p:cNvPr id="2" name="Titre 1">
-            <a:extLst>
-              <a:ext uri="{FF2B5EF4-FFF2-40B4-BE49-F238E27FC236}">
-                <a16:creationId xmlns:a16="http://schemas.microsoft.com/office/drawing/2014/main" id="{5A3CF958-72CB-BB26-D32A-1705ACC380E9}"/>
-              </a:ext>
-            </a:extLst>
-          </p:cNvPr>
-          <p:cNvSpPr>
-            <a:spLocks noGrp="1"/>
-          </p:cNvSpPr>
-          <p:nvPr>
-            <p:ph type="ctrTitle"/>
-          </p:nvPr>
-        </p:nvSpPr>
-        <p:spPr/>
-        <p:txBody>
-          <a:bodyPr/>
-          <a:lstStyle/>
-          <a:p>
-            <a:r>
-              <a:rPr lang="en-US" dirty="0" err="1"/>
-              <a:t>Ennemis</a:t>
-            </a:r>
-            <a:endParaRPr lang="fr-FR" dirty="0"/>
-          </a:p>
-        </p:txBody>
-      </p:sp>
-    </p:spTree>
-    <p:extLst>
-      <p:ext uri="{BB962C8B-B14F-4D97-AF65-F5344CB8AC3E}">
-        <p14:creationId xmlns:p14="http://schemas.microsoft.com/office/powerpoint/2010/main" val="3990514707"/>
-      </p:ext>
-    </p:extLst>
-  </p:cSld>
-  <p:clrMapOvr>
-    <a:masterClrMapping/>
-  </p:clrMapOvr>
-</p:sld>
-</file>
-
-<file path=ppt/slides/slide9.xml><?xml version="1.0" encoding="utf-8"?>
-<p:sld xmlns:a="http://schemas.openxmlformats.org/drawingml/2006/main" xmlns:r="http://schemas.openxmlformats.org/officeDocument/2006/relationships" xmlns:p="http://schemas.openxmlformats.org/presentationml/2006/main">
-  <p:cSld>
-    <p:spTree>
-      <p:nvGrpSpPr>
-        <p:cNvPr id="1" name=""/>
-        <p:cNvGrpSpPr/>
-        <p:nvPr/>
-      </p:nvGrpSpPr>
-      <p:grpSpPr>
-        <a:xfrm>
-          <a:off x="0" y="0"/>
-          <a:ext cx="0" cy="0"/>
-          <a:chOff x="0" y="0"/>
-          <a:chExt cx="0" cy="0"/>
-        </a:xfrm>
-      </p:grpSpPr>
-      <p:sp>
-        <p:nvSpPr>
-          <p:cNvPr id="2" name="Titre 1">
-            <a:extLst>
-              <a:ext uri="{FF2B5EF4-FFF2-40B4-BE49-F238E27FC236}">
-                <a16:creationId xmlns:a16="http://schemas.microsoft.com/office/drawing/2014/main" id="{0EBE8BDD-86CC-7C4F-1382-5C549F17536E}"/>
-              </a:ext>
-            </a:extLst>
-          </p:cNvPr>
-          <p:cNvSpPr>
-            <a:spLocks noGrp="1"/>
-          </p:cNvSpPr>
-          <p:nvPr>
-            <p:ph type="title"/>
-          </p:nvPr>
-        </p:nvSpPr>
-        <p:spPr/>
-        <p:txBody>
-          <a:bodyPr>
-            <a:normAutofit fontScale="90000"/>
-          </a:bodyPr>
-          <a:lstStyle/>
-          <a:p>
-            <a:r>
-              <a:rPr lang="en-US" dirty="0"/>
-              <a:t>Boss 1 – </a:t>
-            </a:r>
-            <a:r>
-              <a:rPr lang="en-US" dirty="0" err="1"/>
-              <a:t>Hérisson</a:t>
-            </a:r>
-            <a:r>
-              <a:rPr lang="en-US" dirty="0"/>
-              <a:t> farouche</a:t>
-            </a:r>
-            <a:endParaRPr lang="fr-FR" dirty="0"/>
-          </a:p>
-        </p:txBody>
-      </p:sp>
-      <p:sp>
-        <p:nvSpPr>
-          <p:cNvPr id="3" name="Espace réservé du contenu 2">
-            <a:extLst>
-              <a:ext uri="{FF2B5EF4-FFF2-40B4-BE49-F238E27FC236}">
-                <a16:creationId xmlns:a16="http://schemas.microsoft.com/office/drawing/2014/main" id="{F2B75744-AF5A-143D-505B-D83D9D2B720E}"/>
-              </a:ext>
-            </a:extLst>
-          </p:cNvPr>
-          <p:cNvSpPr>
-            <a:spLocks noGrp="1"/>
-          </p:cNvSpPr>
-          <p:nvPr>
-            <p:ph idx="1"/>
-          </p:nvPr>
-        </p:nvSpPr>
-        <p:spPr/>
-        <p:txBody>
-          <a:bodyPr/>
-          <a:lstStyle/>
-          <a:p>
-            <a:r>
-              <a:rPr lang="en-US" dirty="0"/>
-              <a:t>Ne </a:t>
-            </a:r>
-            <a:r>
-              <a:rPr lang="en-US" dirty="0" err="1"/>
-              <a:t>meurt</a:t>
-            </a:r>
-            <a:r>
-              <a:rPr lang="en-US" dirty="0"/>
-              <a:t> pas à la fin</a:t>
-            </a:r>
-          </a:p>
-          <a:p>
-            <a:r>
-              <a:rPr lang="en-US" dirty="0" err="1"/>
-              <a:t>Protège</a:t>
-            </a:r>
-            <a:r>
-              <a:rPr lang="en-US" dirty="0"/>
-              <a:t> </a:t>
-            </a:r>
-            <a:r>
-              <a:rPr lang="en-US" dirty="0" err="1"/>
-              <a:t>l’accès</a:t>
-            </a:r>
-            <a:r>
-              <a:rPr lang="en-US" dirty="0"/>
-              <a:t> au </a:t>
-            </a:r>
-            <a:r>
-              <a:rPr lang="en-US" dirty="0" err="1"/>
-              <a:t>nid</a:t>
-            </a:r>
-            <a:r>
-              <a:rPr lang="en-US" dirty="0"/>
-              <a:t> de la </a:t>
-            </a:r>
-            <a:r>
-              <a:rPr lang="en-US" dirty="0" err="1"/>
-              <a:t>Tanière</a:t>
-            </a:r>
-            <a:endParaRPr lang="fr-FR" dirty="0"/>
-          </a:p>
-        </p:txBody>
-      </p:sp>
-    </p:spTree>
-    <p:extLst>
-      <p:ext uri="{BB962C8B-B14F-4D97-AF65-F5344CB8AC3E}">
-        <p14:creationId xmlns:p14="http://schemas.microsoft.com/office/powerpoint/2010/main" val="1957368406"/>
       </p:ext>
     </p:extLst>
   </p:cSld>

--- a/MyGame.pptx
+++ b/MyGame.pptx
@@ -1107,7 +1107,7 @@
             <a:fld id="{9C413E47-AFE8-42B6-986B-A249D03DEF02}" type="datetimeFigureOut">
               <a:rPr lang="fr-FR" smtClean="0"/>
               <a:pPr/>
-              <a:t>01/11/2025</a:t>
+              <a:t>07/11/2025</a:t>
             </a:fld>
             <a:endParaRPr lang="fr-FR"/>
           </a:p>
@@ -23152,7 +23152,9 @@
         </p:nvSpPr>
         <p:spPr/>
         <p:txBody>
-          <a:bodyPr/>
+          <a:bodyPr>
+            <a:normAutofit lnSpcReduction="10000"/>
+          </a:bodyPr>
           <a:lstStyle/>
           <a:p>
             <a:r>
@@ -23220,7 +23222,7 @@
           <a:p>
             <a:r>
               <a:rPr lang="fr-FR" dirty="0"/>
-              <a:t>Dans le terminal Msys2, taper :</a:t>
+              <a:t>Dans le terminal Msys2 (UCTR64), taper :</a:t>
             </a:r>
           </a:p>
           <a:p>
@@ -23231,13 +23233,27 @@
             </a:r>
             <a:r>
               <a:rPr lang="fr-FR" dirty="0"/>
-              <a:t> -</a:t>
+              <a:t> –</a:t>
             </a:r>
             <a:r>
               <a:rPr lang="fr-FR" dirty="0" err="1"/>
               <a:t>Syu</a:t>
             </a:r>
             <a:endParaRPr lang="fr-FR" dirty="0"/>
+          </a:p>
+          <a:p>
+            <a:r>
+              <a:rPr lang="fr-FR" dirty="0"/>
+              <a:t>Dans le terminal Msys2 </a:t>
+            </a:r>
+            <a:r>
+              <a:rPr lang="fr-FR"/>
+              <a:t>(MinGW64), </a:t>
+            </a:r>
+            <a:r>
+              <a:rPr lang="fr-FR" dirty="0"/>
+              <a:t>taper :</a:t>
+            </a:r>
           </a:p>
           <a:p>
             <a:pPr lvl="1"/>

--- a/MyGame.pptx
+++ b/MyGame.pptx
@@ -27,15 +27,16 @@
     <p:sldId id="273" r:id="rId21"/>
     <p:sldId id="281" r:id="rId22"/>
     <p:sldId id="266" r:id="rId23"/>
-    <p:sldId id="269" r:id="rId24"/>
-    <p:sldId id="268" r:id="rId25"/>
-    <p:sldId id="283" r:id="rId26"/>
-    <p:sldId id="285" r:id="rId27"/>
-    <p:sldId id="267" r:id="rId28"/>
-    <p:sldId id="287" r:id="rId29"/>
-    <p:sldId id="288" r:id="rId30"/>
-    <p:sldId id="290" r:id="rId31"/>
-    <p:sldId id="289" r:id="rId32"/>
+    <p:sldId id="294" r:id="rId24"/>
+    <p:sldId id="269" r:id="rId25"/>
+    <p:sldId id="268" r:id="rId26"/>
+    <p:sldId id="283" r:id="rId27"/>
+    <p:sldId id="285" r:id="rId28"/>
+    <p:sldId id="267" r:id="rId29"/>
+    <p:sldId id="287" r:id="rId30"/>
+    <p:sldId id="288" r:id="rId31"/>
+    <p:sldId id="290" r:id="rId32"/>
+    <p:sldId id="289" r:id="rId33"/>
   </p:sldIdLst>
   <p:sldSz cx="12192000" cy="6858000"/>
   <p:notesSz cx="6858000" cy="9144000"/>
@@ -1107,7 +1108,7 @@
             <a:fld id="{9C413E47-AFE8-42B6-986B-A249D03DEF02}" type="datetimeFigureOut">
               <a:rPr lang="fr-FR" smtClean="0"/>
               <a:pPr/>
-              <a:t>07/11/2025</a:t>
+              <a:t>13/11/2025</a:t>
             </a:fld>
             <a:endParaRPr lang="fr-FR"/>
           </a:p>
@@ -3375,6 +3376,4903 @@
           <a:chExt cx="0" cy="0"/>
         </a:xfrm>
       </p:grpSpPr>
+      <p:graphicFrame>
+        <p:nvGraphicFramePr>
+          <p:cNvPr id="4" name="Tableau 3">
+            <a:extLst>
+              <a:ext uri="{FF2B5EF4-FFF2-40B4-BE49-F238E27FC236}">
+                <a16:creationId xmlns:a16="http://schemas.microsoft.com/office/drawing/2014/main" id="{80F11061-DCA8-17C3-0B66-68B737A9B3AC}"/>
+              </a:ext>
+            </a:extLst>
+          </p:cNvPr>
+          <p:cNvGraphicFramePr>
+            <a:graphicFrameLocks noGrp="1"/>
+          </p:cNvGraphicFramePr>
+          <p:nvPr>
+            <p:extLst>
+              <p:ext uri="{D42A27DB-BD31-4B8C-83A1-F6EECF244321}">
+                <p14:modId xmlns:p14="http://schemas.microsoft.com/office/powerpoint/2010/main" val="2150393008"/>
+              </p:ext>
+            </p:extLst>
+          </p:nvPr>
+        </p:nvGraphicFramePr>
+        <p:xfrm>
+          <a:off x="881149" y="158221"/>
+          <a:ext cx="5412543" cy="6541557"/>
+        </p:xfrm>
+        <a:graphic>
+          <a:graphicData uri="http://schemas.openxmlformats.org/drawingml/2006/table">
+            <a:tbl>
+              <a:tblPr/>
+              <a:tblGrid>
+                <a:gridCol w="2280246">
+                  <a:extLst>
+                    <a:ext uri="{9D8B030D-6E8A-4147-A177-3AD203B41FA5}">
+                      <a16:colId xmlns:a16="http://schemas.microsoft.com/office/drawing/2014/main" val="911969355"/>
+                    </a:ext>
+                  </a:extLst>
+                </a:gridCol>
+                <a:gridCol w="1230986">
+                  <a:extLst>
+                    <a:ext uri="{9D8B030D-6E8A-4147-A177-3AD203B41FA5}">
+                      <a16:colId xmlns:a16="http://schemas.microsoft.com/office/drawing/2014/main" val="2167025075"/>
+                    </a:ext>
+                  </a:extLst>
+                </a:gridCol>
+                <a:gridCol w="919293">
+                  <a:extLst>
+                    <a:ext uri="{9D8B030D-6E8A-4147-A177-3AD203B41FA5}">
+                      <a16:colId xmlns:a16="http://schemas.microsoft.com/office/drawing/2014/main" val="2732809593"/>
+                    </a:ext>
+                  </a:extLst>
+                </a:gridCol>
+                <a:gridCol w="982018">
+                  <a:extLst>
+                    <a:ext uri="{9D8B030D-6E8A-4147-A177-3AD203B41FA5}">
+                      <a16:colId xmlns:a16="http://schemas.microsoft.com/office/drawing/2014/main" val="158983246"/>
+                    </a:ext>
+                  </a:extLst>
+                </a:gridCol>
+              </a:tblGrid>
+              <a:tr h="273597">
+                <a:tc>
+                  <a:txBody>
+                    <a:bodyPr/>
+                    <a:lstStyle/>
+                    <a:p>
+                      <a:pPr>
+                        <a:buNone/>
+                      </a:pPr>
+                      <a:r>
+                        <a:rPr lang="fr-FR" sz="1200" b="1">
+                          <a:effectLst/>
+                        </a:rPr>
+                        <a:t>Alliage métallique</a:t>
+                      </a:r>
+                      <a:endParaRPr lang="fr-FR" sz="1200">
+                        <a:effectLst/>
+                      </a:endParaRPr>
+                    </a:p>
+                  </a:txBody>
+                  <a:tcPr marL="12686" marR="12686" marT="6343" marB="6343" anchor="ctr">
+                    <a:lnL>
+                      <a:noFill/>
+                    </a:lnL>
+                    <a:lnR>
+                      <a:noFill/>
+                    </a:lnR>
+                    <a:lnT>
+                      <a:noFill/>
+                    </a:lnT>
+                    <a:lnB>
+                      <a:noFill/>
+                    </a:lnB>
+                    <a:solidFill>
+                      <a:srgbClr val="FFFFFF"/>
+                    </a:solidFill>
+                  </a:tcPr>
+                </a:tc>
+                <a:tc>
+                  <a:txBody>
+                    <a:bodyPr/>
+                    <a:lstStyle/>
+                    <a:p>
+                      <a:pPr>
+                        <a:buNone/>
+                      </a:pPr>
+                      <a:r>
+                        <a:rPr lang="fr-FR" sz="1200" b="1">
+                          <a:effectLst/>
+                        </a:rPr>
+                        <a:t>Rockwell (HRC)</a:t>
+                      </a:r>
+                      <a:endParaRPr lang="fr-FR" sz="1200">
+                        <a:effectLst/>
+                      </a:endParaRPr>
+                    </a:p>
+                  </a:txBody>
+                  <a:tcPr marL="12686" marR="12686" marT="6343" marB="6343" anchor="ctr">
+                    <a:lnL>
+                      <a:noFill/>
+                    </a:lnL>
+                    <a:lnR>
+                      <a:noFill/>
+                    </a:lnR>
+                    <a:lnT>
+                      <a:noFill/>
+                    </a:lnT>
+                    <a:lnB>
+                      <a:noFill/>
+                    </a:lnB>
+                    <a:solidFill>
+                      <a:srgbClr val="FFFFFF"/>
+                    </a:solidFill>
+                  </a:tcPr>
+                </a:tc>
+                <a:tc>
+                  <a:txBody>
+                    <a:bodyPr/>
+                    <a:lstStyle/>
+                    <a:p>
+                      <a:pPr>
+                        <a:buNone/>
+                      </a:pPr>
+                      <a:r>
+                        <a:rPr lang="fr-FR" sz="1200" b="1">
+                          <a:effectLst/>
+                        </a:rPr>
+                        <a:t>Brinell (HB)</a:t>
+                      </a:r>
+                      <a:endParaRPr lang="fr-FR" sz="1200">
+                        <a:effectLst/>
+                      </a:endParaRPr>
+                    </a:p>
+                  </a:txBody>
+                  <a:tcPr marL="12686" marR="12686" marT="6343" marB="6343" anchor="ctr">
+                    <a:lnL>
+                      <a:noFill/>
+                    </a:lnL>
+                    <a:lnR>
+                      <a:noFill/>
+                    </a:lnR>
+                    <a:lnT>
+                      <a:noFill/>
+                    </a:lnT>
+                    <a:lnB>
+                      <a:noFill/>
+                    </a:lnB>
+                    <a:solidFill>
+                      <a:srgbClr val="FFFFFF"/>
+                    </a:solidFill>
+                  </a:tcPr>
+                </a:tc>
+                <a:tc>
+                  <a:txBody>
+                    <a:bodyPr/>
+                    <a:lstStyle/>
+                    <a:p>
+                      <a:pPr>
+                        <a:buNone/>
+                      </a:pPr>
+                      <a:r>
+                        <a:rPr lang="fr-FR" sz="1200" b="1">
+                          <a:effectLst/>
+                        </a:rPr>
+                        <a:t>Vickers (HV)</a:t>
+                      </a:r>
+                      <a:endParaRPr lang="fr-FR" sz="1200">
+                        <a:effectLst/>
+                      </a:endParaRPr>
+                    </a:p>
+                  </a:txBody>
+                  <a:tcPr marL="12686" marR="12686" marT="6343" marB="6343" anchor="ctr">
+                    <a:lnL>
+                      <a:noFill/>
+                    </a:lnL>
+                    <a:lnR>
+                      <a:noFill/>
+                    </a:lnR>
+                    <a:lnT>
+                      <a:noFill/>
+                    </a:lnT>
+                    <a:lnB>
+                      <a:noFill/>
+                    </a:lnB>
+                    <a:solidFill>
+                      <a:srgbClr val="FFFFFF"/>
+                    </a:solidFill>
+                  </a:tcPr>
+                </a:tc>
+                <a:extLst>
+                  <a:ext uri="{0D108BD9-81ED-4DB2-BD59-A6C34878D82A}">
+                    <a16:rowId xmlns:a16="http://schemas.microsoft.com/office/drawing/2014/main" val="3770898433"/>
+                  </a:ext>
+                </a:extLst>
+              </a:tr>
+              <a:tr h="222298">
+                <a:tc>
+                  <a:txBody>
+                    <a:bodyPr/>
+                    <a:lstStyle/>
+                    <a:p>
+                      <a:pPr>
+                        <a:buNone/>
+                      </a:pPr>
+                      <a:r>
+                        <a:rPr lang="fr-FR" sz="1200" b="0">
+                          <a:effectLst/>
+                        </a:rPr>
+                        <a:t>Aluminium 1100 recuit</a:t>
+                      </a:r>
+                      <a:endParaRPr lang="fr-FR" sz="1200">
+                        <a:effectLst/>
+                      </a:endParaRPr>
+                    </a:p>
+                  </a:txBody>
+                  <a:tcPr marL="12686" marR="12686" marT="6343" marB="6343" anchor="ctr">
+                    <a:lnL>
+                      <a:noFill/>
+                    </a:lnL>
+                    <a:lnR>
+                      <a:noFill/>
+                    </a:lnR>
+                    <a:lnT>
+                      <a:noFill/>
+                    </a:lnT>
+                    <a:lnB>
+                      <a:noFill/>
+                    </a:lnB>
+                    <a:solidFill>
+                      <a:srgbClr val="FFFFFF"/>
+                    </a:solidFill>
+                  </a:tcPr>
+                </a:tc>
+                <a:tc>
+                  <a:txBody>
+                    <a:bodyPr/>
+                    <a:lstStyle/>
+                    <a:p>
+                      <a:pPr>
+                        <a:buNone/>
+                      </a:pPr>
+                      <a:r>
+                        <a:rPr lang="fr-FR" sz="1200" b="0">
+                          <a:effectLst/>
+                        </a:rPr>
+                        <a:t>15 (HRB 23)</a:t>
+                      </a:r>
+                      <a:endParaRPr lang="fr-FR" sz="1200">
+                        <a:effectLst/>
+                      </a:endParaRPr>
+                    </a:p>
+                  </a:txBody>
+                  <a:tcPr marL="12686" marR="12686" marT="6343" marB="6343" anchor="ctr">
+                    <a:lnL>
+                      <a:noFill/>
+                    </a:lnL>
+                    <a:lnR>
+                      <a:noFill/>
+                    </a:lnR>
+                    <a:lnT>
+                      <a:noFill/>
+                    </a:lnT>
+                    <a:lnB>
+                      <a:noFill/>
+                    </a:lnB>
+                    <a:solidFill>
+                      <a:srgbClr val="FFFFFF"/>
+                    </a:solidFill>
+                  </a:tcPr>
+                </a:tc>
+                <a:tc>
+                  <a:txBody>
+                    <a:bodyPr/>
+                    <a:lstStyle/>
+                    <a:p>
+                      <a:pPr>
+                        <a:buNone/>
+                      </a:pPr>
+                      <a:r>
+                        <a:rPr lang="fr-FR" sz="1200" b="0">
+                          <a:effectLst/>
+                        </a:rPr>
+                        <a:t>28</a:t>
+                      </a:r>
+                      <a:endParaRPr lang="fr-FR" sz="1200">
+                        <a:effectLst/>
+                      </a:endParaRPr>
+                    </a:p>
+                  </a:txBody>
+                  <a:tcPr marL="12686" marR="12686" marT="6343" marB="6343" anchor="ctr">
+                    <a:lnL>
+                      <a:noFill/>
+                    </a:lnL>
+                    <a:lnR>
+                      <a:noFill/>
+                    </a:lnR>
+                    <a:lnT>
+                      <a:noFill/>
+                    </a:lnT>
+                    <a:lnB>
+                      <a:noFill/>
+                    </a:lnB>
+                    <a:solidFill>
+                      <a:srgbClr val="FFFFFF"/>
+                    </a:solidFill>
+                  </a:tcPr>
+                </a:tc>
+                <a:tc>
+                  <a:txBody>
+                    <a:bodyPr/>
+                    <a:lstStyle/>
+                    <a:p>
+                      <a:pPr>
+                        <a:buNone/>
+                      </a:pPr>
+                      <a:r>
+                        <a:rPr lang="fr-FR" sz="1200" b="0">
+                          <a:effectLst/>
+                        </a:rPr>
+                        <a:t>30</a:t>
+                      </a:r>
+                      <a:endParaRPr lang="fr-FR" sz="1200">
+                        <a:effectLst/>
+                      </a:endParaRPr>
+                    </a:p>
+                  </a:txBody>
+                  <a:tcPr marL="12686" marR="12686" marT="6343" marB="6343" anchor="ctr">
+                    <a:lnL>
+                      <a:noFill/>
+                    </a:lnL>
+                    <a:lnR>
+                      <a:noFill/>
+                    </a:lnR>
+                    <a:lnT>
+                      <a:noFill/>
+                    </a:lnT>
+                    <a:lnB>
+                      <a:noFill/>
+                    </a:lnB>
+                    <a:solidFill>
+                      <a:srgbClr val="FFFFFF"/>
+                    </a:solidFill>
+                  </a:tcPr>
+                </a:tc>
+                <a:extLst>
+                  <a:ext uri="{0D108BD9-81ED-4DB2-BD59-A6C34878D82A}">
+                    <a16:rowId xmlns:a16="http://schemas.microsoft.com/office/drawing/2014/main" val="2989962317"/>
+                  </a:ext>
+                </a:extLst>
+              </a:tr>
+              <a:tr h="222298">
+                <a:tc>
+                  <a:txBody>
+                    <a:bodyPr/>
+                    <a:lstStyle/>
+                    <a:p>
+                      <a:pPr>
+                        <a:buNone/>
+                      </a:pPr>
+                      <a:r>
+                        <a:rPr lang="fr-FR" sz="1200" b="0">
+                          <a:effectLst/>
+                        </a:rPr>
+                        <a:t>Aluminium 6061-T6</a:t>
+                      </a:r>
+                      <a:endParaRPr lang="fr-FR" sz="1200">
+                        <a:effectLst/>
+                      </a:endParaRPr>
+                    </a:p>
+                  </a:txBody>
+                  <a:tcPr marL="12686" marR="12686" marT="6343" marB="6343" anchor="ctr">
+                    <a:lnL>
+                      <a:noFill/>
+                    </a:lnL>
+                    <a:lnR>
+                      <a:noFill/>
+                    </a:lnR>
+                    <a:lnT>
+                      <a:noFill/>
+                    </a:lnT>
+                    <a:lnB>
+                      <a:noFill/>
+                    </a:lnB>
+                    <a:solidFill>
+                      <a:srgbClr val="FFFFFF"/>
+                    </a:solidFill>
+                  </a:tcPr>
+                </a:tc>
+                <a:tc>
+                  <a:txBody>
+                    <a:bodyPr/>
+                    <a:lstStyle/>
+                    <a:p>
+                      <a:pPr>
+                        <a:buNone/>
+                      </a:pPr>
+                      <a:r>
+                        <a:rPr lang="fr-FR" sz="1200" b="0">
+                          <a:effectLst/>
+                        </a:rPr>
+                        <a:t>40 (HRB 60)</a:t>
+                      </a:r>
+                      <a:endParaRPr lang="fr-FR" sz="1200">
+                        <a:effectLst/>
+                      </a:endParaRPr>
+                    </a:p>
+                  </a:txBody>
+                  <a:tcPr marL="12686" marR="12686" marT="6343" marB="6343" anchor="ctr">
+                    <a:lnL>
+                      <a:noFill/>
+                    </a:lnL>
+                    <a:lnR>
+                      <a:noFill/>
+                    </a:lnR>
+                    <a:lnT>
+                      <a:noFill/>
+                    </a:lnT>
+                    <a:lnB>
+                      <a:noFill/>
+                    </a:lnB>
+                    <a:solidFill>
+                      <a:srgbClr val="FFFFFF"/>
+                    </a:solidFill>
+                  </a:tcPr>
+                </a:tc>
+                <a:tc>
+                  <a:txBody>
+                    <a:bodyPr/>
+                    <a:lstStyle/>
+                    <a:p>
+                      <a:pPr>
+                        <a:buNone/>
+                      </a:pPr>
+                      <a:r>
+                        <a:rPr lang="fr-FR" sz="1200" b="0">
+                          <a:effectLst/>
+                        </a:rPr>
+                        <a:t>95</a:t>
+                      </a:r>
+                      <a:endParaRPr lang="fr-FR" sz="1200">
+                        <a:effectLst/>
+                      </a:endParaRPr>
+                    </a:p>
+                  </a:txBody>
+                  <a:tcPr marL="12686" marR="12686" marT="6343" marB="6343" anchor="ctr">
+                    <a:lnL>
+                      <a:noFill/>
+                    </a:lnL>
+                    <a:lnR>
+                      <a:noFill/>
+                    </a:lnR>
+                    <a:lnT>
+                      <a:noFill/>
+                    </a:lnT>
+                    <a:lnB>
+                      <a:noFill/>
+                    </a:lnB>
+                    <a:solidFill>
+                      <a:srgbClr val="FFFFFF"/>
+                    </a:solidFill>
+                  </a:tcPr>
+                </a:tc>
+                <a:tc>
+                  <a:txBody>
+                    <a:bodyPr/>
+                    <a:lstStyle/>
+                    <a:p>
+                      <a:pPr>
+                        <a:buNone/>
+                      </a:pPr>
+                      <a:r>
+                        <a:rPr lang="fr-FR" sz="1200" b="0">
+                          <a:effectLst/>
+                        </a:rPr>
+                        <a:t>100</a:t>
+                      </a:r>
+                      <a:endParaRPr lang="fr-FR" sz="1200">
+                        <a:effectLst/>
+                      </a:endParaRPr>
+                    </a:p>
+                  </a:txBody>
+                  <a:tcPr marL="12686" marR="12686" marT="6343" marB="6343" anchor="ctr">
+                    <a:lnL>
+                      <a:noFill/>
+                    </a:lnL>
+                    <a:lnR>
+                      <a:noFill/>
+                    </a:lnR>
+                    <a:lnT>
+                      <a:noFill/>
+                    </a:lnT>
+                    <a:lnB>
+                      <a:noFill/>
+                    </a:lnB>
+                    <a:solidFill>
+                      <a:srgbClr val="FFFFFF"/>
+                    </a:solidFill>
+                  </a:tcPr>
+                </a:tc>
+                <a:extLst>
+                  <a:ext uri="{0D108BD9-81ED-4DB2-BD59-A6C34878D82A}">
+                    <a16:rowId xmlns:a16="http://schemas.microsoft.com/office/drawing/2014/main" val="497341868"/>
+                  </a:ext>
+                </a:extLst>
+              </a:tr>
+              <a:tr h="222298">
+                <a:tc>
+                  <a:txBody>
+                    <a:bodyPr/>
+                    <a:lstStyle/>
+                    <a:p>
+                      <a:pPr>
+                        <a:buNone/>
+                      </a:pPr>
+                      <a:r>
+                        <a:rPr lang="fr-FR" sz="1200" b="0">
+                          <a:effectLst/>
+                        </a:rPr>
+                        <a:t>Laiton C260 recuit</a:t>
+                      </a:r>
+                      <a:endParaRPr lang="fr-FR" sz="1200">
+                        <a:effectLst/>
+                      </a:endParaRPr>
+                    </a:p>
+                  </a:txBody>
+                  <a:tcPr marL="12686" marR="12686" marT="6343" marB="6343" anchor="ctr">
+                    <a:lnL>
+                      <a:noFill/>
+                    </a:lnL>
+                    <a:lnR>
+                      <a:noFill/>
+                    </a:lnR>
+                    <a:lnT>
+                      <a:noFill/>
+                    </a:lnT>
+                    <a:lnB>
+                      <a:noFill/>
+                    </a:lnB>
+                    <a:solidFill>
+                      <a:srgbClr val="FFFFFF"/>
+                    </a:solidFill>
+                  </a:tcPr>
+                </a:tc>
+                <a:tc>
+                  <a:txBody>
+                    <a:bodyPr/>
+                    <a:lstStyle/>
+                    <a:p>
+                      <a:pPr>
+                        <a:buNone/>
+                      </a:pPr>
+                      <a:r>
+                        <a:rPr lang="fr-FR" sz="1200" b="0">
+                          <a:effectLst/>
+                        </a:rPr>
+                        <a:t>30 (HRB 50)</a:t>
+                      </a:r>
+                      <a:endParaRPr lang="fr-FR" sz="1200">
+                        <a:effectLst/>
+                      </a:endParaRPr>
+                    </a:p>
+                  </a:txBody>
+                  <a:tcPr marL="12686" marR="12686" marT="6343" marB="6343" anchor="ctr">
+                    <a:lnL>
+                      <a:noFill/>
+                    </a:lnL>
+                    <a:lnR>
+                      <a:noFill/>
+                    </a:lnR>
+                    <a:lnT>
+                      <a:noFill/>
+                    </a:lnT>
+                    <a:lnB>
+                      <a:noFill/>
+                    </a:lnB>
+                    <a:solidFill>
+                      <a:srgbClr val="FFFFFF"/>
+                    </a:solidFill>
+                  </a:tcPr>
+                </a:tc>
+                <a:tc>
+                  <a:txBody>
+                    <a:bodyPr/>
+                    <a:lstStyle/>
+                    <a:p>
+                      <a:pPr>
+                        <a:buNone/>
+                      </a:pPr>
+                      <a:r>
+                        <a:rPr lang="fr-FR" sz="1200" b="0">
+                          <a:effectLst/>
+                        </a:rPr>
+                        <a:t>80</a:t>
+                      </a:r>
+                      <a:endParaRPr lang="fr-FR" sz="1200">
+                        <a:effectLst/>
+                      </a:endParaRPr>
+                    </a:p>
+                  </a:txBody>
+                  <a:tcPr marL="12686" marR="12686" marT="6343" marB="6343" anchor="ctr">
+                    <a:lnL>
+                      <a:noFill/>
+                    </a:lnL>
+                    <a:lnR>
+                      <a:noFill/>
+                    </a:lnR>
+                    <a:lnT>
+                      <a:noFill/>
+                    </a:lnT>
+                    <a:lnB>
+                      <a:noFill/>
+                    </a:lnB>
+                    <a:solidFill>
+                      <a:srgbClr val="FFFFFF"/>
+                    </a:solidFill>
+                  </a:tcPr>
+                </a:tc>
+                <a:tc>
+                  <a:txBody>
+                    <a:bodyPr/>
+                    <a:lstStyle/>
+                    <a:p>
+                      <a:pPr>
+                        <a:buNone/>
+                      </a:pPr>
+                      <a:r>
+                        <a:rPr lang="fr-FR" sz="1200" b="0">
+                          <a:effectLst/>
+                        </a:rPr>
+                        <a:t>85</a:t>
+                      </a:r>
+                      <a:endParaRPr lang="fr-FR" sz="1200">
+                        <a:effectLst/>
+                      </a:endParaRPr>
+                    </a:p>
+                  </a:txBody>
+                  <a:tcPr marL="12686" marR="12686" marT="6343" marB="6343" anchor="ctr">
+                    <a:lnL>
+                      <a:noFill/>
+                    </a:lnL>
+                    <a:lnR>
+                      <a:noFill/>
+                    </a:lnR>
+                    <a:lnT>
+                      <a:noFill/>
+                    </a:lnT>
+                    <a:lnB>
+                      <a:noFill/>
+                    </a:lnB>
+                    <a:solidFill>
+                      <a:srgbClr val="FFFFFF"/>
+                    </a:solidFill>
+                  </a:tcPr>
+                </a:tc>
+                <a:extLst>
+                  <a:ext uri="{0D108BD9-81ED-4DB2-BD59-A6C34878D82A}">
+                    <a16:rowId xmlns:a16="http://schemas.microsoft.com/office/drawing/2014/main" val="2283722399"/>
+                  </a:ext>
+                </a:extLst>
+              </a:tr>
+              <a:tr h="222298">
+                <a:tc>
+                  <a:txBody>
+                    <a:bodyPr/>
+                    <a:lstStyle/>
+                    <a:p>
+                      <a:pPr>
+                        <a:buNone/>
+                      </a:pPr>
+                      <a:r>
+                        <a:rPr lang="fr-FR" sz="1200" b="0">
+                          <a:effectLst/>
+                        </a:rPr>
+                        <a:t>C360 Laiton </a:t>
+                      </a:r>
+                      <a:endParaRPr lang="fr-FR" sz="1200">
+                        <a:effectLst/>
+                      </a:endParaRPr>
+                    </a:p>
+                  </a:txBody>
+                  <a:tcPr marL="12686" marR="12686" marT="6343" marB="6343" anchor="ctr">
+                    <a:lnL>
+                      <a:noFill/>
+                    </a:lnL>
+                    <a:lnR>
+                      <a:noFill/>
+                    </a:lnR>
+                    <a:lnT>
+                      <a:noFill/>
+                    </a:lnT>
+                    <a:lnB>
+                      <a:noFill/>
+                    </a:lnB>
+                    <a:solidFill>
+                      <a:srgbClr val="FFFFFF"/>
+                    </a:solidFill>
+                  </a:tcPr>
+                </a:tc>
+                <a:tc>
+                  <a:txBody>
+                    <a:bodyPr/>
+                    <a:lstStyle/>
+                    <a:p>
+                      <a:pPr>
+                        <a:buNone/>
+                      </a:pPr>
+                      <a:r>
+                        <a:rPr lang="fr-FR" sz="1200" b="0">
+                          <a:effectLst/>
+                        </a:rPr>
+                        <a:t>40 (HRB 75)</a:t>
+                      </a:r>
+                      <a:endParaRPr lang="fr-FR" sz="1200">
+                        <a:effectLst/>
+                      </a:endParaRPr>
+                    </a:p>
+                  </a:txBody>
+                  <a:tcPr marL="12686" marR="12686" marT="6343" marB="6343" anchor="ctr">
+                    <a:lnL>
+                      <a:noFill/>
+                    </a:lnL>
+                    <a:lnR>
+                      <a:noFill/>
+                    </a:lnR>
+                    <a:lnT>
+                      <a:noFill/>
+                    </a:lnT>
+                    <a:lnB>
+                      <a:noFill/>
+                    </a:lnB>
+                    <a:solidFill>
+                      <a:srgbClr val="FFFFFF"/>
+                    </a:solidFill>
+                  </a:tcPr>
+                </a:tc>
+                <a:tc>
+                  <a:txBody>
+                    <a:bodyPr/>
+                    <a:lstStyle/>
+                    <a:p>
+                      <a:pPr>
+                        <a:buNone/>
+                      </a:pPr>
+                      <a:r>
+                        <a:rPr lang="fr-FR" sz="1200" b="0">
+                          <a:effectLst/>
+                        </a:rPr>
+                        <a:t>120</a:t>
+                      </a:r>
+                      <a:endParaRPr lang="fr-FR" sz="1200">
+                        <a:effectLst/>
+                      </a:endParaRPr>
+                    </a:p>
+                  </a:txBody>
+                  <a:tcPr marL="12686" marR="12686" marT="6343" marB="6343" anchor="ctr">
+                    <a:lnL>
+                      <a:noFill/>
+                    </a:lnL>
+                    <a:lnR>
+                      <a:noFill/>
+                    </a:lnR>
+                    <a:lnT>
+                      <a:noFill/>
+                    </a:lnT>
+                    <a:lnB>
+                      <a:noFill/>
+                    </a:lnB>
+                    <a:solidFill>
+                      <a:srgbClr val="FFFFFF"/>
+                    </a:solidFill>
+                  </a:tcPr>
+                </a:tc>
+                <a:tc>
+                  <a:txBody>
+                    <a:bodyPr/>
+                    <a:lstStyle/>
+                    <a:p>
+                      <a:pPr>
+                        <a:buNone/>
+                      </a:pPr>
+                      <a:r>
+                        <a:rPr lang="fr-FR" sz="1200" b="0">
+                          <a:effectLst/>
+                        </a:rPr>
+                        <a:t>125</a:t>
+                      </a:r>
+                      <a:endParaRPr lang="fr-FR" sz="1200">
+                        <a:effectLst/>
+                      </a:endParaRPr>
+                    </a:p>
+                  </a:txBody>
+                  <a:tcPr marL="12686" marR="12686" marT="6343" marB="6343" anchor="ctr">
+                    <a:lnL>
+                      <a:noFill/>
+                    </a:lnL>
+                    <a:lnR>
+                      <a:noFill/>
+                    </a:lnR>
+                    <a:lnT>
+                      <a:noFill/>
+                    </a:lnT>
+                    <a:lnB>
+                      <a:noFill/>
+                    </a:lnB>
+                    <a:solidFill>
+                      <a:srgbClr val="FFFFFF"/>
+                    </a:solidFill>
+                  </a:tcPr>
+                </a:tc>
+                <a:extLst>
+                  <a:ext uri="{0D108BD9-81ED-4DB2-BD59-A6C34878D82A}">
+                    <a16:rowId xmlns:a16="http://schemas.microsoft.com/office/drawing/2014/main" val="603141116"/>
+                  </a:ext>
+                </a:extLst>
+              </a:tr>
+              <a:tr h="222298">
+                <a:tc>
+                  <a:txBody>
+                    <a:bodyPr/>
+                    <a:lstStyle/>
+                    <a:p>
+                      <a:pPr>
+                        <a:buNone/>
+                      </a:pPr>
+                      <a:r>
+                        <a:rPr lang="fr-FR" sz="1200" b="0">
+                          <a:effectLst/>
+                        </a:rPr>
+                        <a:t>Cuivre C110 recuit</a:t>
+                      </a:r>
+                      <a:endParaRPr lang="fr-FR" sz="1200">
+                        <a:effectLst/>
+                      </a:endParaRPr>
+                    </a:p>
+                  </a:txBody>
+                  <a:tcPr marL="12686" marR="12686" marT="6343" marB="6343" anchor="ctr">
+                    <a:lnL>
+                      <a:noFill/>
+                    </a:lnL>
+                    <a:lnR>
+                      <a:noFill/>
+                    </a:lnR>
+                    <a:lnT>
+                      <a:noFill/>
+                    </a:lnT>
+                    <a:lnB>
+                      <a:noFill/>
+                    </a:lnB>
+                    <a:solidFill>
+                      <a:srgbClr val="FFFFFF"/>
+                    </a:solidFill>
+                  </a:tcPr>
+                </a:tc>
+                <a:tc>
+                  <a:txBody>
+                    <a:bodyPr/>
+                    <a:lstStyle/>
+                    <a:p>
+                      <a:pPr>
+                        <a:buNone/>
+                      </a:pPr>
+                      <a:r>
+                        <a:rPr lang="fr-FR" sz="1200" b="0">
+                          <a:effectLst/>
+                        </a:rPr>
+                        <a:t>10 (HRB 15)</a:t>
+                      </a:r>
+                      <a:endParaRPr lang="fr-FR" sz="1200">
+                        <a:effectLst/>
+                      </a:endParaRPr>
+                    </a:p>
+                  </a:txBody>
+                  <a:tcPr marL="12686" marR="12686" marT="6343" marB="6343" anchor="ctr">
+                    <a:lnL>
+                      <a:noFill/>
+                    </a:lnL>
+                    <a:lnR>
+                      <a:noFill/>
+                    </a:lnR>
+                    <a:lnT>
+                      <a:noFill/>
+                    </a:lnT>
+                    <a:lnB>
+                      <a:noFill/>
+                    </a:lnB>
+                    <a:solidFill>
+                      <a:srgbClr val="FFFFFF"/>
+                    </a:solidFill>
+                  </a:tcPr>
+                </a:tc>
+                <a:tc>
+                  <a:txBody>
+                    <a:bodyPr/>
+                    <a:lstStyle/>
+                    <a:p>
+                      <a:pPr>
+                        <a:buNone/>
+                      </a:pPr>
+                      <a:r>
+                        <a:rPr lang="fr-FR" sz="1200" b="0">
+                          <a:effectLst/>
+                        </a:rPr>
+                        <a:t>35</a:t>
+                      </a:r>
+                      <a:endParaRPr lang="fr-FR" sz="1200">
+                        <a:effectLst/>
+                      </a:endParaRPr>
+                    </a:p>
+                  </a:txBody>
+                  <a:tcPr marL="12686" marR="12686" marT="6343" marB="6343" anchor="ctr">
+                    <a:lnL>
+                      <a:noFill/>
+                    </a:lnL>
+                    <a:lnR>
+                      <a:noFill/>
+                    </a:lnR>
+                    <a:lnT>
+                      <a:noFill/>
+                    </a:lnT>
+                    <a:lnB>
+                      <a:noFill/>
+                    </a:lnB>
+                    <a:solidFill>
+                      <a:srgbClr val="FFFFFF"/>
+                    </a:solidFill>
+                  </a:tcPr>
+                </a:tc>
+                <a:tc>
+                  <a:txBody>
+                    <a:bodyPr/>
+                    <a:lstStyle/>
+                    <a:p>
+                      <a:pPr>
+                        <a:buNone/>
+                      </a:pPr>
+                      <a:r>
+                        <a:rPr lang="fr-FR" sz="1200" b="0">
+                          <a:effectLst/>
+                        </a:rPr>
+                        <a:t>40</a:t>
+                      </a:r>
+                      <a:endParaRPr lang="fr-FR" sz="1200">
+                        <a:effectLst/>
+                      </a:endParaRPr>
+                    </a:p>
+                  </a:txBody>
+                  <a:tcPr marL="12686" marR="12686" marT="6343" marB="6343" anchor="ctr">
+                    <a:lnL>
+                      <a:noFill/>
+                    </a:lnL>
+                    <a:lnR>
+                      <a:noFill/>
+                    </a:lnR>
+                    <a:lnT>
+                      <a:noFill/>
+                    </a:lnT>
+                    <a:lnB>
+                      <a:noFill/>
+                    </a:lnB>
+                    <a:solidFill>
+                      <a:srgbClr val="FFFFFF"/>
+                    </a:solidFill>
+                  </a:tcPr>
+                </a:tc>
+                <a:extLst>
+                  <a:ext uri="{0D108BD9-81ED-4DB2-BD59-A6C34878D82A}">
+                    <a16:rowId xmlns:a16="http://schemas.microsoft.com/office/drawing/2014/main" val="383781646"/>
+                  </a:ext>
+                </a:extLst>
+              </a:tr>
+              <a:tr h="222298">
+                <a:tc>
+                  <a:txBody>
+                    <a:bodyPr/>
+                    <a:lstStyle/>
+                    <a:p>
+                      <a:pPr>
+                        <a:buNone/>
+                      </a:pPr>
+                      <a:r>
+                        <a:rPr lang="fr-FR" sz="1200" b="0">
+                          <a:effectLst/>
+                        </a:rPr>
+                        <a:t>Cuivre C172 trempé</a:t>
+                      </a:r>
+                      <a:endParaRPr lang="fr-FR" sz="1200">
+                        <a:effectLst/>
+                      </a:endParaRPr>
+                    </a:p>
+                  </a:txBody>
+                  <a:tcPr marL="12686" marR="12686" marT="6343" marB="6343" anchor="ctr">
+                    <a:lnL>
+                      <a:noFill/>
+                    </a:lnL>
+                    <a:lnR>
+                      <a:noFill/>
+                    </a:lnR>
+                    <a:lnT>
+                      <a:noFill/>
+                    </a:lnT>
+                    <a:lnB>
+                      <a:noFill/>
+                    </a:lnB>
+                    <a:solidFill>
+                      <a:srgbClr val="FFFFFF"/>
+                    </a:solidFill>
+                  </a:tcPr>
+                </a:tc>
+                <a:tc>
+                  <a:txBody>
+                    <a:bodyPr/>
+                    <a:lstStyle/>
+                    <a:p>
+                      <a:pPr>
+                        <a:buNone/>
+                      </a:pPr>
+                      <a:r>
+                        <a:rPr lang="fr-FR" sz="1200" b="0">
+                          <a:effectLst/>
+                        </a:rPr>
+                        <a:t>35 (HRB 90)</a:t>
+                      </a:r>
+                      <a:endParaRPr lang="fr-FR" sz="1200">
+                        <a:effectLst/>
+                      </a:endParaRPr>
+                    </a:p>
+                  </a:txBody>
+                  <a:tcPr marL="12686" marR="12686" marT="6343" marB="6343" anchor="ctr">
+                    <a:lnL>
+                      <a:noFill/>
+                    </a:lnL>
+                    <a:lnR>
+                      <a:noFill/>
+                    </a:lnR>
+                    <a:lnT>
+                      <a:noFill/>
+                    </a:lnT>
+                    <a:lnB>
+                      <a:noFill/>
+                    </a:lnB>
+                    <a:solidFill>
+                      <a:srgbClr val="FFFFFF"/>
+                    </a:solidFill>
+                  </a:tcPr>
+                </a:tc>
+                <a:tc>
+                  <a:txBody>
+                    <a:bodyPr/>
+                    <a:lstStyle/>
+                    <a:p>
+                      <a:pPr>
+                        <a:buNone/>
+                      </a:pPr>
+                      <a:r>
+                        <a:rPr lang="fr-FR" sz="1200" b="0">
+                          <a:effectLst/>
+                        </a:rPr>
+                        <a:t>200</a:t>
+                      </a:r>
+                      <a:endParaRPr lang="fr-FR" sz="1200">
+                        <a:effectLst/>
+                      </a:endParaRPr>
+                    </a:p>
+                  </a:txBody>
+                  <a:tcPr marL="12686" marR="12686" marT="6343" marB="6343" anchor="ctr">
+                    <a:lnL>
+                      <a:noFill/>
+                    </a:lnL>
+                    <a:lnR>
+                      <a:noFill/>
+                    </a:lnR>
+                    <a:lnT>
+                      <a:noFill/>
+                    </a:lnT>
+                    <a:lnB>
+                      <a:noFill/>
+                    </a:lnB>
+                    <a:solidFill>
+                      <a:srgbClr val="FFFFFF"/>
+                    </a:solidFill>
+                  </a:tcPr>
+                </a:tc>
+                <a:tc>
+                  <a:txBody>
+                    <a:bodyPr/>
+                    <a:lstStyle/>
+                    <a:p>
+                      <a:pPr>
+                        <a:buNone/>
+                      </a:pPr>
+                      <a:r>
+                        <a:rPr lang="fr-FR" sz="1200" b="0">
+                          <a:effectLst/>
+                        </a:rPr>
+                        <a:t>210</a:t>
+                      </a:r>
+                      <a:endParaRPr lang="fr-FR" sz="1200">
+                        <a:effectLst/>
+                      </a:endParaRPr>
+                    </a:p>
+                  </a:txBody>
+                  <a:tcPr marL="12686" marR="12686" marT="6343" marB="6343" anchor="ctr">
+                    <a:lnL>
+                      <a:noFill/>
+                    </a:lnL>
+                    <a:lnR>
+                      <a:noFill/>
+                    </a:lnR>
+                    <a:lnT>
+                      <a:noFill/>
+                    </a:lnT>
+                    <a:lnB>
+                      <a:noFill/>
+                    </a:lnB>
+                    <a:solidFill>
+                      <a:srgbClr val="FFFFFF"/>
+                    </a:solidFill>
+                  </a:tcPr>
+                </a:tc>
+                <a:extLst>
+                  <a:ext uri="{0D108BD9-81ED-4DB2-BD59-A6C34878D82A}">
+                    <a16:rowId xmlns:a16="http://schemas.microsoft.com/office/drawing/2014/main" val="3883937110"/>
+                  </a:ext>
+                </a:extLst>
+              </a:tr>
+              <a:tr h="170998">
+                <a:tc>
+                  <a:txBody>
+                    <a:bodyPr/>
+                    <a:lstStyle/>
+                    <a:p>
+                      <a:pPr>
+                        <a:buNone/>
+                      </a:pPr>
+                      <a:r>
+                        <a:rPr lang="fr-FR" sz="1200" b="0">
+                          <a:effectLst/>
+                        </a:rPr>
+                        <a:t>Acier doux A36 recuit</a:t>
+                      </a:r>
+                      <a:endParaRPr lang="fr-FR" sz="1200">
+                        <a:effectLst/>
+                      </a:endParaRPr>
+                    </a:p>
+                  </a:txBody>
+                  <a:tcPr marL="12686" marR="12686" marT="6343" marB="6343" anchor="ctr">
+                    <a:lnL>
+                      <a:noFill/>
+                    </a:lnL>
+                    <a:lnR>
+                      <a:noFill/>
+                    </a:lnR>
+                    <a:lnT>
+                      <a:noFill/>
+                    </a:lnT>
+                    <a:lnB>
+                      <a:noFill/>
+                    </a:lnB>
+                    <a:solidFill>
+                      <a:srgbClr val="FFFFFF"/>
+                    </a:solidFill>
+                  </a:tcPr>
+                </a:tc>
+                <a:tc>
+                  <a:txBody>
+                    <a:bodyPr/>
+                    <a:lstStyle/>
+                    <a:p>
+                      <a:pPr>
+                        <a:buNone/>
+                      </a:pPr>
+                      <a:r>
+                        <a:rPr lang="fr-FR" sz="1200" b="0">
+                          <a:effectLst/>
+                        </a:rPr>
+                        <a:t>20</a:t>
+                      </a:r>
+                      <a:endParaRPr lang="fr-FR" sz="1200">
+                        <a:effectLst/>
+                      </a:endParaRPr>
+                    </a:p>
+                  </a:txBody>
+                  <a:tcPr marL="12686" marR="12686" marT="6343" marB="6343" anchor="ctr">
+                    <a:lnL>
+                      <a:noFill/>
+                    </a:lnL>
+                    <a:lnR>
+                      <a:noFill/>
+                    </a:lnR>
+                    <a:lnT>
+                      <a:noFill/>
+                    </a:lnT>
+                    <a:lnB>
+                      <a:noFill/>
+                    </a:lnB>
+                    <a:solidFill>
+                      <a:srgbClr val="FFFFFF"/>
+                    </a:solidFill>
+                  </a:tcPr>
+                </a:tc>
+                <a:tc>
+                  <a:txBody>
+                    <a:bodyPr/>
+                    <a:lstStyle/>
+                    <a:p>
+                      <a:pPr>
+                        <a:buNone/>
+                      </a:pPr>
+                      <a:r>
+                        <a:rPr lang="fr-FR" sz="1200" b="0">
+                          <a:effectLst/>
+                        </a:rPr>
+                        <a:t>120</a:t>
+                      </a:r>
+                      <a:endParaRPr lang="fr-FR" sz="1200">
+                        <a:effectLst/>
+                      </a:endParaRPr>
+                    </a:p>
+                  </a:txBody>
+                  <a:tcPr marL="12686" marR="12686" marT="6343" marB="6343" anchor="ctr">
+                    <a:lnL>
+                      <a:noFill/>
+                    </a:lnL>
+                    <a:lnR>
+                      <a:noFill/>
+                    </a:lnR>
+                    <a:lnT>
+                      <a:noFill/>
+                    </a:lnT>
+                    <a:lnB>
+                      <a:noFill/>
+                    </a:lnB>
+                    <a:solidFill>
+                      <a:srgbClr val="FFFFFF"/>
+                    </a:solidFill>
+                  </a:tcPr>
+                </a:tc>
+                <a:tc>
+                  <a:txBody>
+                    <a:bodyPr/>
+                    <a:lstStyle/>
+                    <a:p>
+                      <a:pPr>
+                        <a:buNone/>
+                      </a:pPr>
+                      <a:r>
+                        <a:rPr lang="fr-FR" sz="1200" b="0">
+                          <a:effectLst/>
+                        </a:rPr>
+                        <a:t>130</a:t>
+                      </a:r>
+                      <a:endParaRPr lang="fr-FR" sz="1200">
+                        <a:effectLst/>
+                      </a:endParaRPr>
+                    </a:p>
+                  </a:txBody>
+                  <a:tcPr marL="12686" marR="12686" marT="6343" marB="6343" anchor="ctr">
+                    <a:lnL>
+                      <a:noFill/>
+                    </a:lnL>
+                    <a:lnR>
+                      <a:noFill/>
+                    </a:lnR>
+                    <a:lnT>
+                      <a:noFill/>
+                    </a:lnT>
+                    <a:lnB>
+                      <a:noFill/>
+                    </a:lnB>
+                    <a:solidFill>
+                      <a:srgbClr val="FFFFFF"/>
+                    </a:solidFill>
+                  </a:tcPr>
+                </a:tc>
+                <a:extLst>
+                  <a:ext uri="{0D108BD9-81ED-4DB2-BD59-A6C34878D82A}">
+                    <a16:rowId xmlns:a16="http://schemas.microsoft.com/office/drawing/2014/main" val="1614323100"/>
+                  </a:ext>
+                </a:extLst>
+              </a:tr>
+              <a:tr h="222298">
+                <a:tc>
+                  <a:txBody>
+                    <a:bodyPr/>
+                    <a:lstStyle/>
+                    <a:p>
+                      <a:pPr>
+                        <a:buNone/>
+                      </a:pPr>
+                      <a:r>
+                        <a:rPr lang="fr-FR" sz="1200" b="0">
+                          <a:effectLst/>
+                        </a:rPr>
+                        <a:t>Acier au carbone 1045 recuit</a:t>
+                      </a:r>
+                      <a:endParaRPr lang="fr-FR" sz="1200">
+                        <a:effectLst/>
+                      </a:endParaRPr>
+                    </a:p>
+                  </a:txBody>
+                  <a:tcPr marL="12686" marR="12686" marT="6343" marB="6343" anchor="ctr">
+                    <a:lnL>
+                      <a:noFill/>
+                    </a:lnL>
+                    <a:lnR>
+                      <a:noFill/>
+                    </a:lnR>
+                    <a:lnT>
+                      <a:noFill/>
+                    </a:lnT>
+                    <a:lnB>
+                      <a:noFill/>
+                    </a:lnB>
+                    <a:solidFill>
+                      <a:srgbClr val="FFFFFF"/>
+                    </a:solidFill>
+                  </a:tcPr>
+                </a:tc>
+                <a:tc>
+                  <a:txBody>
+                    <a:bodyPr/>
+                    <a:lstStyle/>
+                    <a:p>
+                      <a:pPr>
+                        <a:buNone/>
+                      </a:pPr>
+                      <a:r>
+                        <a:rPr lang="fr-FR" sz="1200" b="0">
+                          <a:effectLst/>
+                        </a:rPr>
+                        <a:t>25</a:t>
+                      </a:r>
+                      <a:endParaRPr lang="fr-FR" sz="1200">
+                        <a:effectLst/>
+                      </a:endParaRPr>
+                    </a:p>
+                  </a:txBody>
+                  <a:tcPr marL="12686" marR="12686" marT="6343" marB="6343" anchor="ctr">
+                    <a:lnL>
+                      <a:noFill/>
+                    </a:lnL>
+                    <a:lnR>
+                      <a:noFill/>
+                    </a:lnR>
+                    <a:lnT>
+                      <a:noFill/>
+                    </a:lnT>
+                    <a:lnB>
+                      <a:noFill/>
+                    </a:lnB>
+                    <a:solidFill>
+                      <a:srgbClr val="FFFFFF"/>
+                    </a:solidFill>
+                  </a:tcPr>
+                </a:tc>
+                <a:tc>
+                  <a:txBody>
+                    <a:bodyPr/>
+                    <a:lstStyle/>
+                    <a:p>
+                      <a:pPr>
+                        <a:buNone/>
+                      </a:pPr>
+                      <a:r>
+                        <a:rPr lang="fr-FR" sz="1200" b="0">
+                          <a:effectLst/>
+                        </a:rPr>
+                        <a:t>180</a:t>
+                      </a:r>
+                      <a:endParaRPr lang="fr-FR" sz="1200">
+                        <a:effectLst/>
+                      </a:endParaRPr>
+                    </a:p>
+                  </a:txBody>
+                  <a:tcPr marL="12686" marR="12686" marT="6343" marB="6343" anchor="ctr">
+                    <a:lnL>
+                      <a:noFill/>
+                    </a:lnL>
+                    <a:lnR>
+                      <a:noFill/>
+                    </a:lnR>
+                    <a:lnT>
+                      <a:noFill/>
+                    </a:lnT>
+                    <a:lnB>
+                      <a:noFill/>
+                    </a:lnB>
+                    <a:solidFill>
+                      <a:srgbClr val="FFFFFF"/>
+                    </a:solidFill>
+                  </a:tcPr>
+                </a:tc>
+                <a:tc>
+                  <a:txBody>
+                    <a:bodyPr/>
+                    <a:lstStyle/>
+                    <a:p>
+                      <a:pPr>
+                        <a:buNone/>
+                      </a:pPr>
+                      <a:r>
+                        <a:rPr lang="fr-FR" sz="1200" b="0">
+                          <a:effectLst/>
+                        </a:rPr>
+                        <a:t>190</a:t>
+                      </a:r>
+                      <a:endParaRPr lang="fr-FR" sz="1200">
+                        <a:effectLst/>
+                      </a:endParaRPr>
+                    </a:p>
+                  </a:txBody>
+                  <a:tcPr marL="12686" marR="12686" marT="6343" marB="6343" anchor="ctr">
+                    <a:lnL>
+                      <a:noFill/>
+                    </a:lnL>
+                    <a:lnR>
+                      <a:noFill/>
+                    </a:lnR>
+                    <a:lnT>
+                      <a:noFill/>
+                    </a:lnT>
+                    <a:lnB>
+                      <a:noFill/>
+                    </a:lnB>
+                    <a:solidFill>
+                      <a:srgbClr val="FFFFFF"/>
+                    </a:solidFill>
+                  </a:tcPr>
+                </a:tc>
+                <a:extLst>
+                  <a:ext uri="{0D108BD9-81ED-4DB2-BD59-A6C34878D82A}">
+                    <a16:rowId xmlns:a16="http://schemas.microsoft.com/office/drawing/2014/main" val="3458190277"/>
+                  </a:ext>
+                </a:extLst>
+              </a:tr>
+              <a:tr h="170998">
+                <a:tc>
+                  <a:txBody>
+                    <a:bodyPr/>
+                    <a:lstStyle/>
+                    <a:p>
+                      <a:pPr>
+                        <a:buNone/>
+                      </a:pPr>
+                      <a:r>
+                        <a:rPr lang="fr-FR" sz="1200" b="0">
+                          <a:effectLst/>
+                        </a:rPr>
+                        <a:t>Acier au carbone 1045</a:t>
+                      </a:r>
+                      <a:endParaRPr lang="fr-FR" sz="1200">
+                        <a:effectLst/>
+                      </a:endParaRPr>
+                    </a:p>
+                  </a:txBody>
+                  <a:tcPr marL="12686" marR="12686" marT="6343" marB="6343" anchor="ctr">
+                    <a:lnL>
+                      <a:noFill/>
+                    </a:lnL>
+                    <a:lnR>
+                      <a:noFill/>
+                    </a:lnR>
+                    <a:lnT>
+                      <a:noFill/>
+                    </a:lnT>
+                    <a:lnB>
+                      <a:noFill/>
+                    </a:lnB>
+                    <a:solidFill>
+                      <a:srgbClr val="FFFFFF"/>
+                    </a:solidFill>
+                  </a:tcPr>
+                </a:tc>
+                <a:tc>
+                  <a:txBody>
+                    <a:bodyPr/>
+                    <a:lstStyle/>
+                    <a:p>
+                      <a:pPr>
+                        <a:buNone/>
+                      </a:pPr>
+                      <a:r>
+                        <a:rPr lang="fr-FR" sz="1200" b="0">
+                          <a:effectLst/>
+                        </a:rPr>
+                        <a:t>55-60</a:t>
+                      </a:r>
+                      <a:endParaRPr lang="fr-FR" sz="1200">
+                        <a:effectLst/>
+                      </a:endParaRPr>
+                    </a:p>
+                  </a:txBody>
+                  <a:tcPr marL="12686" marR="12686" marT="6343" marB="6343" anchor="ctr">
+                    <a:lnL>
+                      <a:noFill/>
+                    </a:lnL>
+                    <a:lnR>
+                      <a:noFill/>
+                    </a:lnR>
+                    <a:lnT>
+                      <a:noFill/>
+                    </a:lnT>
+                    <a:lnB>
+                      <a:noFill/>
+                    </a:lnB>
+                    <a:solidFill>
+                      <a:srgbClr val="FFFFFF"/>
+                    </a:solidFill>
+                  </a:tcPr>
+                </a:tc>
+                <a:tc>
+                  <a:txBody>
+                    <a:bodyPr/>
+                    <a:lstStyle/>
+                    <a:p>
+                      <a:pPr>
+                        <a:buNone/>
+                      </a:pPr>
+                      <a:r>
+                        <a:rPr lang="fr-FR" sz="1200" b="0">
+                          <a:effectLst/>
+                        </a:rPr>
+                        <a:t>550</a:t>
+                      </a:r>
+                      <a:endParaRPr lang="fr-FR" sz="1200">
+                        <a:effectLst/>
+                      </a:endParaRPr>
+                    </a:p>
+                  </a:txBody>
+                  <a:tcPr marL="12686" marR="12686" marT="6343" marB="6343" anchor="ctr">
+                    <a:lnL>
+                      <a:noFill/>
+                    </a:lnL>
+                    <a:lnR>
+                      <a:noFill/>
+                    </a:lnR>
+                    <a:lnT>
+                      <a:noFill/>
+                    </a:lnT>
+                    <a:lnB>
+                      <a:noFill/>
+                    </a:lnB>
+                    <a:solidFill>
+                      <a:srgbClr val="FFFFFF"/>
+                    </a:solidFill>
+                  </a:tcPr>
+                </a:tc>
+                <a:tc>
+                  <a:txBody>
+                    <a:bodyPr/>
+                    <a:lstStyle/>
+                    <a:p>
+                      <a:pPr>
+                        <a:buNone/>
+                      </a:pPr>
+                      <a:r>
+                        <a:rPr lang="fr-FR" sz="1200" b="0">
+                          <a:effectLst/>
+                        </a:rPr>
+                        <a:t>580</a:t>
+                      </a:r>
+                      <a:endParaRPr lang="fr-FR" sz="1200">
+                        <a:effectLst/>
+                      </a:endParaRPr>
+                    </a:p>
+                  </a:txBody>
+                  <a:tcPr marL="12686" marR="12686" marT="6343" marB="6343" anchor="ctr">
+                    <a:lnL>
+                      <a:noFill/>
+                    </a:lnL>
+                    <a:lnR>
+                      <a:noFill/>
+                    </a:lnR>
+                    <a:lnT>
+                      <a:noFill/>
+                    </a:lnT>
+                    <a:lnB>
+                      <a:noFill/>
+                    </a:lnB>
+                    <a:solidFill>
+                      <a:srgbClr val="FFFFFF"/>
+                    </a:solidFill>
+                  </a:tcPr>
+                </a:tc>
+                <a:extLst>
+                  <a:ext uri="{0D108BD9-81ED-4DB2-BD59-A6C34878D82A}">
+                    <a16:rowId xmlns:a16="http://schemas.microsoft.com/office/drawing/2014/main" val="2627663115"/>
+                  </a:ext>
+                </a:extLst>
+              </a:tr>
+              <a:tr h="222298">
+                <a:tc>
+                  <a:txBody>
+                    <a:bodyPr/>
+                    <a:lstStyle/>
+                    <a:p>
+                      <a:pPr>
+                        <a:buNone/>
+                      </a:pPr>
+                      <a:r>
+                        <a:rPr lang="fr-FR" sz="1200" b="0">
+                          <a:effectLst/>
+                        </a:rPr>
+                        <a:t>Acier inoxydable 304 recuit</a:t>
+                      </a:r>
+                      <a:endParaRPr lang="fr-FR" sz="1200">
+                        <a:effectLst/>
+                      </a:endParaRPr>
+                    </a:p>
+                  </a:txBody>
+                  <a:tcPr marL="12686" marR="12686" marT="6343" marB="6343" anchor="ctr">
+                    <a:lnL>
+                      <a:noFill/>
+                    </a:lnL>
+                    <a:lnR>
+                      <a:noFill/>
+                    </a:lnR>
+                    <a:lnT>
+                      <a:noFill/>
+                    </a:lnT>
+                    <a:lnB>
+                      <a:noFill/>
+                    </a:lnB>
+                    <a:solidFill>
+                      <a:srgbClr val="FFFFFF"/>
+                    </a:solidFill>
+                  </a:tcPr>
+                </a:tc>
+                <a:tc>
+                  <a:txBody>
+                    <a:bodyPr/>
+                    <a:lstStyle/>
+                    <a:p>
+                      <a:pPr>
+                        <a:buNone/>
+                      </a:pPr>
+                      <a:r>
+                        <a:rPr lang="fr-FR" sz="1200" b="0">
+                          <a:effectLst/>
+                        </a:rPr>
+                        <a:t>20</a:t>
+                      </a:r>
+                      <a:endParaRPr lang="fr-FR" sz="1200">
+                        <a:effectLst/>
+                      </a:endParaRPr>
+                    </a:p>
+                  </a:txBody>
+                  <a:tcPr marL="12686" marR="12686" marT="6343" marB="6343" anchor="ctr">
+                    <a:lnL>
+                      <a:noFill/>
+                    </a:lnL>
+                    <a:lnR>
+                      <a:noFill/>
+                    </a:lnR>
+                    <a:lnT>
+                      <a:noFill/>
+                    </a:lnT>
+                    <a:lnB>
+                      <a:noFill/>
+                    </a:lnB>
+                    <a:solidFill>
+                      <a:srgbClr val="FFFFFF"/>
+                    </a:solidFill>
+                  </a:tcPr>
+                </a:tc>
+                <a:tc>
+                  <a:txBody>
+                    <a:bodyPr/>
+                    <a:lstStyle/>
+                    <a:p>
+                      <a:pPr>
+                        <a:buNone/>
+                      </a:pPr>
+                      <a:r>
+                        <a:rPr lang="fr-FR" sz="1200" b="0">
+                          <a:effectLst/>
+                        </a:rPr>
+                        <a:t>170</a:t>
+                      </a:r>
+                      <a:endParaRPr lang="fr-FR" sz="1200">
+                        <a:effectLst/>
+                      </a:endParaRPr>
+                    </a:p>
+                  </a:txBody>
+                  <a:tcPr marL="12686" marR="12686" marT="6343" marB="6343" anchor="ctr">
+                    <a:lnL>
+                      <a:noFill/>
+                    </a:lnL>
+                    <a:lnR>
+                      <a:noFill/>
+                    </a:lnR>
+                    <a:lnT>
+                      <a:noFill/>
+                    </a:lnT>
+                    <a:lnB>
+                      <a:noFill/>
+                    </a:lnB>
+                    <a:solidFill>
+                      <a:srgbClr val="FFFFFF"/>
+                    </a:solidFill>
+                  </a:tcPr>
+                </a:tc>
+                <a:tc>
+                  <a:txBody>
+                    <a:bodyPr/>
+                    <a:lstStyle/>
+                    <a:p>
+                      <a:pPr>
+                        <a:buNone/>
+                      </a:pPr>
+                      <a:r>
+                        <a:rPr lang="fr-FR" sz="1200" b="0">
+                          <a:effectLst/>
+                        </a:rPr>
+                        <a:t>180</a:t>
+                      </a:r>
+                      <a:endParaRPr lang="fr-FR" sz="1200">
+                        <a:effectLst/>
+                      </a:endParaRPr>
+                    </a:p>
+                  </a:txBody>
+                  <a:tcPr marL="12686" marR="12686" marT="6343" marB="6343" anchor="ctr">
+                    <a:lnL>
+                      <a:noFill/>
+                    </a:lnL>
+                    <a:lnR>
+                      <a:noFill/>
+                    </a:lnR>
+                    <a:lnT>
+                      <a:noFill/>
+                    </a:lnT>
+                    <a:lnB>
+                      <a:noFill/>
+                    </a:lnB>
+                    <a:solidFill>
+                      <a:srgbClr val="FFFFFF"/>
+                    </a:solidFill>
+                  </a:tcPr>
+                </a:tc>
+                <a:extLst>
+                  <a:ext uri="{0D108BD9-81ED-4DB2-BD59-A6C34878D82A}">
+                    <a16:rowId xmlns:a16="http://schemas.microsoft.com/office/drawing/2014/main" val="1954525227"/>
+                  </a:ext>
+                </a:extLst>
+              </a:tr>
+              <a:tr h="222298">
+                <a:tc>
+                  <a:txBody>
+                    <a:bodyPr/>
+                    <a:lstStyle/>
+                    <a:p>
+                      <a:pPr>
+                        <a:buNone/>
+                      </a:pPr>
+                      <a:r>
+                        <a:rPr lang="fr-FR" sz="1200" b="0">
+                          <a:effectLst/>
+                        </a:rPr>
+                        <a:t>Acier inoxydable 316 recuit</a:t>
+                      </a:r>
+                      <a:endParaRPr lang="fr-FR" sz="1200">
+                        <a:effectLst/>
+                      </a:endParaRPr>
+                    </a:p>
+                  </a:txBody>
+                  <a:tcPr marL="12686" marR="12686" marT="6343" marB="6343" anchor="ctr">
+                    <a:lnL>
+                      <a:noFill/>
+                    </a:lnL>
+                    <a:lnR>
+                      <a:noFill/>
+                    </a:lnR>
+                    <a:lnT>
+                      <a:noFill/>
+                    </a:lnT>
+                    <a:lnB>
+                      <a:noFill/>
+                    </a:lnB>
+                    <a:solidFill>
+                      <a:srgbClr val="FFFFFF"/>
+                    </a:solidFill>
+                  </a:tcPr>
+                </a:tc>
+                <a:tc>
+                  <a:txBody>
+                    <a:bodyPr/>
+                    <a:lstStyle/>
+                    <a:p>
+                      <a:pPr>
+                        <a:buNone/>
+                      </a:pPr>
+                      <a:r>
+                        <a:rPr lang="fr-FR" sz="1200" b="0">
+                          <a:effectLst/>
+                        </a:rPr>
+                        <a:t>22</a:t>
+                      </a:r>
+                      <a:endParaRPr lang="fr-FR" sz="1200">
+                        <a:effectLst/>
+                      </a:endParaRPr>
+                    </a:p>
+                  </a:txBody>
+                  <a:tcPr marL="12686" marR="12686" marT="6343" marB="6343" anchor="ctr">
+                    <a:lnL>
+                      <a:noFill/>
+                    </a:lnL>
+                    <a:lnR>
+                      <a:noFill/>
+                    </a:lnR>
+                    <a:lnT>
+                      <a:noFill/>
+                    </a:lnT>
+                    <a:lnB>
+                      <a:noFill/>
+                    </a:lnB>
+                    <a:solidFill>
+                      <a:srgbClr val="FFFFFF"/>
+                    </a:solidFill>
+                  </a:tcPr>
+                </a:tc>
+                <a:tc>
+                  <a:txBody>
+                    <a:bodyPr/>
+                    <a:lstStyle/>
+                    <a:p>
+                      <a:pPr>
+                        <a:buNone/>
+                      </a:pPr>
+                      <a:r>
+                        <a:rPr lang="fr-FR" sz="1200" b="0">
+                          <a:effectLst/>
+                        </a:rPr>
+                        <a:t>175</a:t>
+                      </a:r>
+                      <a:endParaRPr lang="fr-FR" sz="1200">
+                        <a:effectLst/>
+                      </a:endParaRPr>
+                    </a:p>
+                  </a:txBody>
+                  <a:tcPr marL="12686" marR="12686" marT="6343" marB="6343" anchor="ctr">
+                    <a:lnL>
+                      <a:noFill/>
+                    </a:lnL>
+                    <a:lnR>
+                      <a:noFill/>
+                    </a:lnR>
+                    <a:lnT>
+                      <a:noFill/>
+                    </a:lnT>
+                    <a:lnB>
+                      <a:noFill/>
+                    </a:lnB>
+                    <a:solidFill>
+                      <a:srgbClr val="FFFFFF"/>
+                    </a:solidFill>
+                  </a:tcPr>
+                </a:tc>
+                <a:tc>
+                  <a:txBody>
+                    <a:bodyPr/>
+                    <a:lstStyle/>
+                    <a:p>
+                      <a:pPr>
+                        <a:buNone/>
+                      </a:pPr>
+                      <a:r>
+                        <a:rPr lang="fr-FR" sz="1200" b="0">
+                          <a:effectLst/>
+                        </a:rPr>
+                        <a:t>185</a:t>
+                      </a:r>
+                      <a:endParaRPr lang="fr-FR" sz="1200">
+                        <a:effectLst/>
+                      </a:endParaRPr>
+                    </a:p>
+                  </a:txBody>
+                  <a:tcPr marL="12686" marR="12686" marT="6343" marB="6343" anchor="ctr">
+                    <a:lnL>
+                      <a:noFill/>
+                    </a:lnL>
+                    <a:lnR>
+                      <a:noFill/>
+                    </a:lnR>
+                    <a:lnT>
+                      <a:noFill/>
+                    </a:lnT>
+                    <a:lnB>
+                      <a:noFill/>
+                    </a:lnB>
+                    <a:solidFill>
+                      <a:srgbClr val="FFFFFF"/>
+                    </a:solidFill>
+                  </a:tcPr>
+                </a:tc>
+                <a:extLst>
+                  <a:ext uri="{0D108BD9-81ED-4DB2-BD59-A6C34878D82A}">
+                    <a16:rowId xmlns:a16="http://schemas.microsoft.com/office/drawing/2014/main" val="2354370888"/>
+                  </a:ext>
+                </a:extLst>
+              </a:tr>
+              <a:tr h="222298">
+                <a:tc>
+                  <a:txBody>
+                    <a:bodyPr/>
+                    <a:lstStyle/>
+                    <a:p>
+                      <a:pPr>
+                        <a:buNone/>
+                      </a:pPr>
+                      <a:r>
+                        <a:rPr lang="fr-FR" sz="1200" b="0">
+                          <a:effectLst/>
+                        </a:rPr>
+                        <a:t>Acier inoxydable 440C trempé</a:t>
+                      </a:r>
+                      <a:endParaRPr lang="fr-FR" sz="1200">
+                        <a:effectLst/>
+                      </a:endParaRPr>
+                    </a:p>
+                  </a:txBody>
+                  <a:tcPr marL="12686" marR="12686" marT="6343" marB="6343" anchor="ctr">
+                    <a:lnL>
+                      <a:noFill/>
+                    </a:lnL>
+                    <a:lnR>
+                      <a:noFill/>
+                    </a:lnR>
+                    <a:lnT>
+                      <a:noFill/>
+                    </a:lnT>
+                    <a:lnB>
+                      <a:noFill/>
+                    </a:lnB>
+                    <a:solidFill>
+                      <a:srgbClr val="FFFFFF"/>
+                    </a:solidFill>
+                  </a:tcPr>
+                </a:tc>
+                <a:tc>
+                  <a:txBody>
+                    <a:bodyPr/>
+                    <a:lstStyle/>
+                    <a:p>
+                      <a:pPr>
+                        <a:buNone/>
+                      </a:pPr>
+                      <a:r>
+                        <a:rPr lang="fr-FR" sz="1200" b="0">
+                          <a:effectLst/>
+                        </a:rPr>
+                        <a:t>58-62</a:t>
+                      </a:r>
+                      <a:endParaRPr lang="fr-FR" sz="1200">
+                        <a:effectLst/>
+                      </a:endParaRPr>
+                    </a:p>
+                  </a:txBody>
+                  <a:tcPr marL="12686" marR="12686" marT="6343" marB="6343" anchor="ctr">
+                    <a:lnL>
+                      <a:noFill/>
+                    </a:lnL>
+                    <a:lnR>
+                      <a:noFill/>
+                    </a:lnR>
+                    <a:lnT>
+                      <a:noFill/>
+                    </a:lnT>
+                    <a:lnB>
+                      <a:noFill/>
+                    </a:lnB>
+                    <a:solidFill>
+                      <a:srgbClr val="FFFFFF"/>
+                    </a:solidFill>
+                  </a:tcPr>
+                </a:tc>
+                <a:tc>
+                  <a:txBody>
+                    <a:bodyPr/>
+                    <a:lstStyle/>
+                    <a:p>
+                      <a:pPr>
+                        <a:buNone/>
+                      </a:pPr>
+                      <a:r>
+                        <a:rPr lang="fr-FR" sz="1200" b="0">
+                          <a:effectLst/>
+                        </a:rPr>
+                        <a:t>600</a:t>
+                      </a:r>
+                      <a:endParaRPr lang="fr-FR" sz="1200">
+                        <a:effectLst/>
+                      </a:endParaRPr>
+                    </a:p>
+                  </a:txBody>
+                  <a:tcPr marL="12686" marR="12686" marT="6343" marB="6343" anchor="ctr">
+                    <a:lnL>
+                      <a:noFill/>
+                    </a:lnL>
+                    <a:lnR>
+                      <a:noFill/>
+                    </a:lnR>
+                    <a:lnT>
+                      <a:noFill/>
+                    </a:lnT>
+                    <a:lnB>
+                      <a:noFill/>
+                    </a:lnB>
+                    <a:solidFill>
+                      <a:srgbClr val="FFFFFF"/>
+                    </a:solidFill>
+                  </a:tcPr>
+                </a:tc>
+                <a:tc>
+                  <a:txBody>
+                    <a:bodyPr/>
+                    <a:lstStyle/>
+                    <a:p>
+                      <a:pPr>
+                        <a:buNone/>
+                      </a:pPr>
+                      <a:r>
+                        <a:rPr lang="fr-FR" sz="1200" b="0">
+                          <a:effectLst/>
+                        </a:rPr>
+                        <a:t>650</a:t>
+                      </a:r>
+                      <a:endParaRPr lang="fr-FR" sz="1200">
+                        <a:effectLst/>
+                      </a:endParaRPr>
+                    </a:p>
+                  </a:txBody>
+                  <a:tcPr marL="12686" marR="12686" marT="6343" marB="6343" anchor="ctr">
+                    <a:lnL>
+                      <a:noFill/>
+                    </a:lnL>
+                    <a:lnR>
+                      <a:noFill/>
+                    </a:lnR>
+                    <a:lnT>
+                      <a:noFill/>
+                    </a:lnT>
+                    <a:lnB>
+                      <a:noFill/>
+                    </a:lnB>
+                    <a:solidFill>
+                      <a:srgbClr val="FFFFFF"/>
+                    </a:solidFill>
+                  </a:tcPr>
+                </a:tc>
+                <a:extLst>
+                  <a:ext uri="{0D108BD9-81ED-4DB2-BD59-A6C34878D82A}">
+                    <a16:rowId xmlns:a16="http://schemas.microsoft.com/office/drawing/2014/main" val="1816131960"/>
+                  </a:ext>
+                </a:extLst>
+              </a:tr>
+              <a:tr h="170998">
+                <a:tc>
+                  <a:txBody>
+                    <a:bodyPr/>
+                    <a:lstStyle/>
+                    <a:p>
+                      <a:pPr>
+                        <a:buNone/>
+                      </a:pPr>
+                      <a:r>
+                        <a:rPr lang="fr-FR" sz="1200" b="0">
+                          <a:effectLst/>
+                        </a:rPr>
+                        <a:t>Acier à outils A2 trempé</a:t>
+                      </a:r>
+                      <a:endParaRPr lang="fr-FR" sz="1200">
+                        <a:effectLst/>
+                      </a:endParaRPr>
+                    </a:p>
+                  </a:txBody>
+                  <a:tcPr marL="12686" marR="12686" marT="6343" marB="6343" anchor="ctr">
+                    <a:lnL>
+                      <a:noFill/>
+                    </a:lnL>
+                    <a:lnR>
+                      <a:noFill/>
+                    </a:lnR>
+                    <a:lnT>
+                      <a:noFill/>
+                    </a:lnT>
+                    <a:lnB>
+                      <a:noFill/>
+                    </a:lnB>
+                    <a:solidFill>
+                      <a:srgbClr val="FFFFFF"/>
+                    </a:solidFill>
+                  </a:tcPr>
+                </a:tc>
+                <a:tc>
+                  <a:txBody>
+                    <a:bodyPr/>
+                    <a:lstStyle/>
+                    <a:p>
+                      <a:pPr>
+                        <a:buNone/>
+                      </a:pPr>
+                      <a:r>
+                        <a:rPr lang="fr-FR" sz="1200" b="0">
+                          <a:effectLst/>
+                        </a:rPr>
+                        <a:t>60-62</a:t>
+                      </a:r>
+                      <a:endParaRPr lang="fr-FR" sz="1200">
+                        <a:effectLst/>
+                      </a:endParaRPr>
+                    </a:p>
+                  </a:txBody>
+                  <a:tcPr marL="12686" marR="12686" marT="6343" marB="6343" anchor="ctr">
+                    <a:lnL>
+                      <a:noFill/>
+                    </a:lnL>
+                    <a:lnR>
+                      <a:noFill/>
+                    </a:lnR>
+                    <a:lnT>
+                      <a:noFill/>
+                    </a:lnT>
+                    <a:lnB>
+                      <a:noFill/>
+                    </a:lnB>
+                    <a:solidFill>
+                      <a:srgbClr val="FFFFFF"/>
+                    </a:solidFill>
+                  </a:tcPr>
+                </a:tc>
+                <a:tc>
+                  <a:txBody>
+                    <a:bodyPr/>
+                    <a:lstStyle/>
+                    <a:p>
+                      <a:pPr>
+                        <a:buNone/>
+                      </a:pPr>
+                      <a:r>
+                        <a:rPr lang="fr-FR" sz="1200" b="0">
+                          <a:effectLst/>
+                        </a:rPr>
+                        <a:t>650</a:t>
+                      </a:r>
+                      <a:endParaRPr lang="fr-FR" sz="1200">
+                        <a:effectLst/>
+                      </a:endParaRPr>
+                    </a:p>
+                  </a:txBody>
+                  <a:tcPr marL="12686" marR="12686" marT="6343" marB="6343" anchor="ctr">
+                    <a:lnL>
+                      <a:noFill/>
+                    </a:lnL>
+                    <a:lnR>
+                      <a:noFill/>
+                    </a:lnR>
+                    <a:lnT>
+                      <a:noFill/>
+                    </a:lnT>
+                    <a:lnB>
+                      <a:noFill/>
+                    </a:lnB>
+                    <a:solidFill>
+                      <a:srgbClr val="FFFFFF"/>
+                    </a:solidFill>
+                  </a:tcPr>
+                </a:tc>
+                <a:tc>
+                  <a:txBody>
+                    <a:bodyPr/>
+                    <a:lstStyle/>
+                    <a:p>
+                      <a:pPr>
+                        <a:buNone/>
+                      </a:pPr>
+                      <a:r>
+                        <a:rPr lang="fr-FR" sz="1200" b="0">
+                          <a:effectLst/>
+                        </a:rPr>
+                        <a:t>700</a:t>
+                      </a:r>
+                      <a:endParaRPr lang="fr-FR" sz="1200">
+                        <a:effectLst/>
+                      </a:endParaRPr>
+                    </a:p>
+                  </a:txBody>
+                  <a:tcPr marL="12686" marR="12686" marT="6343" marB="6343" anchor="ctr">
+                    <a:lnL>
+                      <a:noFill/>
+                    </a:lnL>
+                    <a:lnR>
+                      <a:noFill/>
+                    </a:lnR>
+                    <a:lnT>
+                      <a:noFill/>
+                    </a:lnT>
+                    <a:lnB>
+                      <a:noFill/>
+                    </a:lnB>
+                    <a:solidFill>
+                      <a:srgbClr val="FFFFFF"/>
+                    </a:solidFill>
+                  </a:tcPr>
+                </a:tc>
+                <a:extLst>
+                  <a:ext uri="{0D108BD9-81ED-4DB2-BD59-A6C34878D82A}">
+                    <a16:rowId xmlns:a16="http://schemas.microsoft.com/office/drawing/2014/main" val="1775216513"/>
+                  </a:ext>
+                </a:extLst>
+              </a:tr>
+              <a:tr h="170998">
+                <a:tc>
+                  <a:txBody>
+                    <a:bodyPr/>
+                    <a:lstStyle/>
+                    <a:p>
+                      <a:pPr>
+                        <a:buNone/>
+                      </a:pPr>
+                      <a:r>
+                        <a:rPr lang="fr-FR" sz="1200" b="0">
+                          <a:effectLst/>
+                        </a:rPr>
+                        <a:t>Acier à outils D2 trempé</a:t>
+                      </a:r>
+                      <a:endParaRPr lang="fr-FR" sz="1200">
+                        <a:effectLst/>
+                      </a:endParaRPr>
+                    </a:p>
+                  </a:txBody>
+                  <a:tcPr marL="12686" marR="12686" marT="6343" marB="6343" anchor="ctr">
+                    <a:lnL>
+                      <a:noFill/>
+                    </a:lnL>
+                    <a:lnR>
+                      <a:noFill/>
+                    </a:lnR>
+                    <a:lnT>
+                      <a:noFill/>
+                    </a:lnT>
+                    <a:lnB>
+                      <a:noFill/>
+                    </a:lnB>
+                    <a:solidFill>
+                      <a:srgbClr val="FFFFFF"/>
+                    </a:solidFill>
+                  </a:tcPr>
+                </a:tc>
+                <a:tc>
+                  <a:txBody>
+                    <a:bodyPr/>
+                    <a:lstStyle/>
+                    <a:p>
+                      <a:pPr>
+                        <a:buNone/>
+                      </a:pPr>
+                      <a:r>
+                        <a:rPr lang="fr-FR" sz="1200" b="0">
+                          <a:effectLst/>
+                        </a:rPr>
+                        <a:t>61-63</a:t>
+                      </a:r>
+                      <a:endParaRPr lang="fr-FR" sz="1200">
+                        <a:effectLst/>
+                      </a:endParaRPr>
+                    </a:p>
+                  </a:txBody>
+                  <a:tcPr marL="12686" marR="12686" marT="6343" marB="6343" anchor="ctr">
+                    <a:lnL>
+                      <a:noFill/>
+                    </a:lnL>
+                    <a:lnR>
+                      <a:noFill/>
+                    </a:lnR>
+                    <a:lnT>
+                      <a:noFill/>
+                    </a:lnT>
+                    <a:lnB>
+                      <a:noFill/>
+                    </a:lnB>
+                    <a:solidFill>
+                      <a:srgbClr val="FFFFFF"/>
+                    </a:solidFill>
+                  </a:tcPr>
+                </a:tc>
+                <a:tc>
+                  <a:txBody>
+                    <a:bodyPr/>
+                    <a:lstStyle/>
+                    <a:p>
+                      <a:pPr>
+                        <a:buNone/>
+                      </a:pPr>
+                      <a:r>
+                        <a:rPr lang="fr-FR" sz="1200" b="0">
+                          <a:effectLst/>
+                        </a:rPr>
+                        <a:t>680</a:t>
+                      </a:r>
+                      <a:endParaRPr lang="fr-FR" sz="1200">
+                        <a:effectLst/>
+                      </a:endParaRPr>
+                    </a:p>
+                  </a:txBody>
+                  <a:tcPr marL="12686" marR="12686" marT="6343" marB="6343" anchor="ctr">
+                    <a:lnL>
+                      <a:noFill/>
+                    </a:lnL>
+                    <a:lnR>
+                      <a:noFill/>
+                    </a:lnR>
+                    <a:lnT>
+                      <a:noFill/>
+                    </a:lnT>
+                    <a:lnB>
+                      <a:noFill/>
+                    </a:lnB>
+                    <a:solidFill>
+                      <a:srgbClr val="FFFFFF"/>
+                    </a:solidFill>
+                  </a:tcPr>
+                </a:tc>
+                <a:tc>
+                  <a:txBody>
+                    <a:bodyPr/>
+                    <a:lstStyle/>
+                    <a:p>
+                      <a:pPr>
+                        <a:buNone/>
+                      </a:pPr>
+                      <a:r>
+                        <a:rPr lang="fr-FR" sz="1200" b="0">
+                          <a:effectLst/>
+                        </a:rPr>
+                        <a:t>730</a:t>
+                      </a:r>
+                      <a:endParaRPr lang="fr-FR" sz="1200">
+                        <a:effectLst/>
+                      </a:endParaRPr>
+                    </a:p>
+                  </a:txBody>
+                  <a:tcPr marL="12686" marR="12686" marT="6343" marB="6343" anchor="ctr">
+                    <a:lnL>
+                      <a:noFill/>
+                    </a:lnL>
+                    <a:lnR>
+                      <a:noFill/>
+                    </a:lnR>
+                    <a:lnT>
+                      <a:noFill/>
+                    </a:lnT>
+                    <a:lnB>
+                      <a:noFill/>
+                    </a:lnB>
+                    <a:solidFill>
+                      <a:srgbClr val="FFFFFF"/>
+                    </a:solidFill>
+                  </a:tcPr>
+                </a:tc>
+                <a:extLst>
+                  <a:ext uri="{0D108BD9-81ED-4DB2-BD59-A6C34878D82A}">
+                    <a16:rowId xmlns:a16="http://schemas.microsoft.com/office/drawing/2014/main" val="2523083725"/>
+                  </a:ext>
+                </a:extLst>
+              </a:tr>
+              <a:tr h="170998">
+                <a:tc>
+                  <a:txBody>
+                    <a:bodyPr/>
+                    <a:lstStyle/>
+                    <a:p>
+                      <a:pPr>
+                        <a:buNone/>
+                      </a:pPr>
+                      <a:r>
+                        <a:rPr lang="fr-FR" sz="1200" b="0">
+                          <a:effectLst/>
+                        </a:rPr>
+                        <a:t>Titane recuit de grade 2</a:t>
+                      </a:r>
+                      <a:endParaRPr lang="fr-FR" sz="1200">
+                        <a:effectLst/>
+                      </a:endParaRPr>
+                    </a:p>
+                  </a:txBody>
+                  <a:tcPr marL="12686" marR="12686" marT="6343" marB="6343" anchor="ctr">
+                    <a:lnL>
+                      <a:noFill/>
+                    </a:lnL>
+                    <a:lnR>
+                      <a:noFill/>
+                    </a:lnR>
+                    <a:lnT>
+                      <a:noFill/>
+                    </a:lnT>
+                    <a:lnB>
+                      <a:noFill/>
+                    </a:lnB>
+                    <a:solidFill>
+                      <a:srgbClr val="FFFFFF"/>
+                    </a:solidFill>
+                  </a:tcPr>
+                </a:tc>
+                <a:tc>
+                  <a:txBody>
+                    <a:bodyPr/>
+                    <a:lstStyle/>
+                    <a:p>
+                      <a:pPr>
+                        <a:buNone/>
+                      </a:pPr>
+                      <a:r>
+                        <a:rPr lang="fr-FR" sz="1200" b="0">
+                          <a:effectLst/>
+                        </a:rPr>
+                        <a:t>25</a:t>
+                      </a:r>
+                      <a:endParaRPr lang="fr-FR" sz="1200">
+                        <a:effectLst/>
+                      </a:endParaRPr>
+                    </a:p>
+                  </a:txBody>
+                  <a:tcPr marL="12686" marR="12686" marT="6343" marB="6343" anchor="ctr">
+                    <a:lnL>
+                      <a:noFill/>
+                    </a:lnL>
+                    <a:lnR>
+                      <a:noFill/>
+                    </a:lnR>
+                    <a:lnT>
+                      <a:noFill/>
+                    </a:lnT>
+                    <a:lnB>
+                      <a:noFill/>
+                    </a:lnB>
+                    <a:solidFill>
+                      <a:srgbClr val="FFFFFF"/>
+                    </a:solidFill>
+                  </a:tcPr>
+                </a:tc>
+                <a:tc>
+                  <a:txBody>
+                    <a:bodyPr/>
+                    <a:lstStyle/>
+                    <a:p>
+                      <a:pPr>
+                        <a:buNone/>
+                      </a:pPr>
+                      <a:r>
+                        <a:rPr lang="fr-FR" sz="1200" b="0">
+                          <a:effectLst/>
+                        </a:rPr>
+                        <a:t>200</a:t>
+                      </a:r>
+                      <a:endParaRPr lang="fr-FR" sz="1200">
+                        <a:effectLst/>
+                      </a:endParaRPr>
+                    </a:p>
+                  </a:txBody>
+                  <a:tcPr marL="12686" marR="12686" marT="6343" marB="6343" anchor="ctr">
+                    <a:lnL>
+                      <a:noFill/>
+                    </a:lnL>
+                    <a:lnR>
+                      <a:noFill/>
+                    </a:lnR>
+                    <a:lnT>
+                      <a:noFill/>
+                    </a:lnT>
+                    <a:lnB>
+                      <a:noFill/>
+                    </a:lnB>
+                    <a:solidFill>
+                      <a:srgbClr val="FFFFFF"/>
+                    </a:solidFill>
+                  </a:tcPr>
+                </a:tc>
+                <a:tc>
+                  <a:txBody>
+                    <a:bodyPr/>
+                    <a:lstStyle/>
+                    <a:p>
+                      <a:pPr>
+                        <a:buNone/>
+                      </a:pPr>
+                      <a:r>
+                        <a:rPr lang="fr-FR" sz="1200" b="0">
+                          <a:effectLst/>
+                        </a:rPr>
+                        <a:t>210</a:t>
+                      </a:r>
+                      <a:endParaRPr lang="fr-FR" sz="1200">
+                        <a:effectLst/>
+                      </a:endParaRPr>
+                    </a:p>
+                  </a:txBody>
+                  <a:tcPr marL="12686" marR="12686" marT="6343" marB="6343" anchor="ctr">
+                    <a:lnL>
+                      <a:noFill/>
+                    </a:lnL>
+                    <a:lnR>
+                      <a:noFill/>
+                    </a:lnR>
+                    <a:lnT>
+                      <a:noFill/>
+                    </a:lnT>
+                    <a:lnB>
+                      <a:noFill/>
+                    </a:lnB>
+                    <a:solidFill>
+                      <a:srgbClr val="FFFFFF"/>
+                    </a:solidFill>
+                  </a:tcPr>
+                </a:tc>
+                <a:extLst>
+                  <a:ext uri="{0D108BD9-81ED-4DB2-BD59-A6C34878D82A}">
+                    <a16:rowId xmlns:a16="http://schemas.microsoft.com/office/drawing/2014/main" val="1781600342"/>
+                  </a:ext>
+                </a:extLst>
+              </a:tr>
+              <a:tr h="170998">
+                <a:tc>
+                  <a:txBody>
+                    <a:bodyPr/>
+                    <a:lstStyle/>
+                    <a:p>
+                      <a:pPr>
+                        <a:buNone/>
+                      </a:pPr>
+                      <a:r>
+                        <a:rPr lang="fr-FR" sz="1200" b="0">
+                          <a:effectLst/>
+                        </a:rPr>
+                        <a:t>Titane recuit de grade 5</a:t>
+                      </a:r>
+                      <a:endParaRPr lang="fr-FR" sz="1200">
+                        <a:effectLst/>
+                      </a:endParaRPr>
+                    </a:p>
+                  </a:txBody>
+                  <a:tcPr marL="12686" marR="12686" marT="6343" marB="6343" anchor="ctr">
+                    <a:lnL>
+                      <a:noFill/>
+                    </a:lnL>
+                    <a:lnR>
+                      <a:noFill/>
+                    </a:lnR>
+                    <a:lnT>
+                      <a:noFill/>
+                    </a:lnT>
+                    <a:lnB>
+                      <a:noFill/>
+                    </a:lnB>
+                    <a:solidFill>
+                      <a:srgbClr val="FFFFFF"/>
+                    </a:solidFill>
+                  </a:tcPr>
+                </a:tc>
+                <a:tc>
+                  <a:txBody>
+                    <a:bodyPr/>
+                    <a:lstStyle/>
+                    <a:p>
+                      <a:pPr>
+                        <a:buNone/>
+                      </a:pPr>
+                      <a:r>
+                        <a:rPr lang="fr-FR" sz="1200" b="0">
+                          <a:effectLst/>
+                        </a:rPr>
+                        <a:t>36</a:t>
+                      </a:r>
+                      <a:endParaRPr lang="fr-FR" sz="1200">
+                        <a:effectLst/>
+                      </a:endParaRPr>
+                    </a:p>
+                  </a:txBody>
+                  <a:tcPr marL="12686" marR="12686" marT="6343" marB="6343" anchor="ctr">
+                    <a:lnL>
+                      <a:noFill/>
+                    </a:lnL>
+                    <a:lnR>
+                      <a:noFill/>
+                    </a:lnR>
+                    <a:lnT>
+                      <a:noFill/>
+                    </a:lnT>
+                    <a:lnB>
+                      <a:noFill/>
+                    </a:lnB>
+                    <a:solidFill>
+                      <a:srgbClr val="FFFFFF"/>
+                    </a:solidFill>
+                  </a:tcPr>
+                </a:tc>
+                <a:tc>
+                  <a:txBody>
+                    <a:bodyPr/>
+                    <a:lstStyle/>
+                    <a:p>
+                      <a:pPr>
+                        <a:buNone/>
+                      </a:pPr>
+                      <a:r>
+                        <a:rPr lang="fr-FR" sz="1200" b="0">
+                          <a:effectLst/>
+                        </a:rPr>
+                        <a:t>310</a:t>
+                      </a:r>
+                      <a:endParaRPr lang="fr-FR" sz="1200">
+                        <a:effectLst/>
+                      </a:endParaRPr>
+                    </a:p>
+                  </a:txBody>
+                  <a:tcPr marL="12686" marR="12686" marT="6343" marB="6343" anchor="ctr">
+                    <a:lnL>
+                      <a:noFill/>
+                    </a:lnL>
+                    <a:lnR>
+                      <a:noFill/>
+                    </a:lnR>
+                    <a:lnT>
+                      <a:noFill/>
+                    </a:lnT>
+                    <a:lnB>
+                      <a:noFill/>
+                    </a:lnB>
+                    <a:solidFill>
+                      <a:srgbClr val="FFFFFF"/>
+                    </a:solidFill>
+                  </a:tcPr>
+                </a:tc>
+                <a:tc>
+                  <a:txBody>
+                    <a:bodyPr/>
+                    <a:lstStyle/>
+                    <a:p>
+                      <a:pPr>
+                        <a:buNone/>
+                      </a:pPr>
+                      <a:r>
+                        <a:rPr lang="fr-FR" sz="1200" b="0">
+                          <a:effectLst/>
+                        </a:rPr>
+                        <a:t>330</a:t>
+                      </a:r>
+                      <a:endParaRPr lang="fr-FR" sz="1200">
+                        <a:effectLst/>
+                      </a:endParaRPr>
+                    </a:p>
+                  </a:txBody>
+                  <a:tcPr marL="12686" marR="12686" marT="6343" marB="6343" anchor="ctr">
+                    <a:lnL>
+                      <a:noFill/>
+                    </a:lnL>
+                    <a:lnR>
+                      <a:noFill/>
+                    </a:lnR>
+                    <a:lnT>
+                      <a:noFill/>
+                    </a:lnT>
+                    <a:lnB>
+                      <a:noFill/>
+                    </a:lnB>
+                    <a:solidFill>
+                      <a:srgbClr val="FFFFFF"/>
+                    </a:solidFill>
+                  </a:tcPr>
+                </a:tc>
+                <a:extLst>
+                  <a:ext uri="{0D108BD9-81ED-4DB2-BD59-A6C34878D82A}">
+                    <a16:rowId xmlns:a16="http://schemas.microsoft.com/office/drawing/2014/main" val="1638029533"/>
+                  </a:ext>
+                </a:extLst>
+              </a:tr>
+              <a:tr h="119699">
+                <a:tc>
+                  <a:txBody>
+                    <a:bodyPr/>
+                    <a:lstStyle/>
+                    <a:p>
+                      <a:pPr>
+                        <a:buNone/>
+                      </a:pPr>
+                      <a:r>
+                        <a:rPr lang="fr-FR" sz="1200" b="0">
+                          <a:effectLst/>
+                        </a:rPr>
+                        <a:t>Gris fonte</a:t>
+                      </a:r>
+                      <a:endParaRPr lang="fr-FR" sz="1200">
+                        <a:effectLst/>
+                      </a:endParaRPr>
+                    </a:p>
+                  </a:txBody>
+                  <a:tcPr marL="12686" marR="12686" marT="6343" marB="6343" anchor="ctr">
+                    <a:lnL>
+                      <a:noFill/>
+                    </a:lnL>
+                    <a:lnR>
+                      <a:noFill/>
+                    </a:lnR>
+                    <a:lnT>
+                      <a:noFill/>
+                    </a:lnT>
+                    <a:lnB>
+                      <a:noFill/>
+                    </a:lnB>
+                    <a:solidFill>
+                      <a:srgbClr val="FFFFFF"/>
+                    </a:solidFill>
+                  </a:tcPr>
+                </a:tc>
+                <a:tc>
+                  <a:txBody>
+                    <a:bodyPr/>
+                    <a:lstStyle/>
+                    <a:p>
+                      <a:pPr>
+                        <a:buNone/>
+                      </a:pPr>
+                      <a:r>
+                        <a:rPr lang="fr-FR" sz="1200" b="0">
+                          <a:effectLst/>
+                        </a:rPr>
+                        <a:t>20</a:t>
+                      </a:r>
+                      <a:endParaRPr lang="fr-FR" sz="1200">
+                        <a:effectLst/>
+                      </a:endParaRPr>
+                    </a:p>
+                  </a:txBody>
+                  <a:tcPr marL="12686" marR="12686" marT="6343" marB="6343" anchor="ctr">
+                    <a:lnL>
+                      <a:noFill/>
+                    </a:lnL>
+                    <a:lnR>
+                      <a:noFill/>
+                    </a:lnR>
+                    <a:lnT>
+                      <a:noFill/>
+                    </a:lnT>
+                    <a:lnB>
+                      <a:noFill/>
+                    </a:lnB>
+                    <a:solidFill>
+                      <a:srgbClr val="FFFFFF"/>
+                    </a:solidFill>
+                  </a:tcPr>
+                </a:tc>
+                <a:tc>
+                  <a:txBody>
+                    <a:bodyPr/>
+                    <a:lstStyle/>
+                    <a:p>
+                      <a:pPr>
+                        <a:buNone/>
+                      </a:pPr>
+                      <a:r>
+                        <a:rPr lang="fr-FR" sz="1200" b="0">
+                          <a:effectLst/>
+                        </a:rPr>
+                        <a:t>200</a:t>
+                      </a:r>
+                      <a:endParaRPr lang="fr-FR" sz="1200">
+                        <a:effectLst/>
+                      </a:endParaRPr>
+                    </a:p>
+                  </a:txBody>
+                  <a:tcPr marL="12686" marR="12686" marT="6343" marB="6343" anchor="ctr">
+                    <a:lnL>
+                      <a:noFill/>
+                    </a:lnL>
+                    <a:lnR>
+                      <a:noFill/>
+                    </a:lnR>
+                    <a:lnT>
+                      <a:noFill/>
+                    </a:lnT>
+                    <a:lnB>
+                      <a:noFill/>
+                    </a:lnB>
+                    <a:solidFill>
+                      <a:srgbClr val="FFFFFF"/>
+                    </a:solidFill>
+                  </a:tcPr>
+                </a:tc>
+                <a:tc>
+                  <a:txBody>
+                    <a:bodyPr/>
+                    <a:lstStyle/>
+                    <a:p>
+                      <a:pPr>
+                        <a:buNone/>
+                      </a:pPr>
+                      <a:r>
+                        <a:rPr lang="fr-FR" sz="1200" b="0">
+                          <a:effectLst/>
+                        </a:rPr>
+                        <a:t>210</a:t>
+                      </a:r>
+                      <a:endParaRPr lang="fr-FR" sz="1200">
+                        <a:effectLst/>
+                      </a:endParaRPr>
+                    </a:p>
+                  </a:txBody>
+                  <a:tcPr marL="12686" marR="12686" marT="6343" marB="6343" anchor="ctr">
+                    <a:lnL>
+                      <a:noFill/>
+                    </a:lnL>
+                    <a:lnR>
+                      <a:noFill/>
+                    </a:lnR>
+                    <a:lnT>
+                      <a:noFill/>
+                    </a:lnT>
+                    <a:lnB>
+                      <a:noFill/>
+                    </a:lnB>
+                    <a:solidFill>
+                      <a:srgbClr val="FFFFFF"/>
+                    </a:solidFill>
+                  </a:tcPr>
+                </a:tc>
+                <a:extLst>
+                  <a:ext uri="{0D108BD9-81ED-4DB2-BD59-A6C34878D82A}">
+                    <a16:rowId xmlns:a16="http://schemas.microsoft.com/office/drawing/2014/main" val="1104804136"/>
+                  </a:ext>
+                </a:extLst>
+              </a:tr>
+              <a:tr h="119699">
+                <a:tc>
+                  <a:txBody>
+                    <a:bodyPr/>
+                    <a:lstStyle/>
+                    <a:p>
+                      <a:pPr>
+                        <a:buNone/>
+                      </a:pPr>
+                      <a:r>
+                        <a:rPr lang="fr-FR" sz="1200" b="0">
+                          <a:effectLst/>
+                        </a:rPr>
+                        <a:t>Fonte ductile</a:t>
+                      </a:r>
+                      <a:endParaRPr lang="fr-FR" sz="1200">
+                        <a:effectLst/>
+                      </a:endParaRPr>
+                    </a:p>
+                  </a:txBody>
+                  <a:tcPr marL="12686" marR="12686" marT="6343" marB="6343" anchor="ctr">
+                    <a:lnL>
+                      <a:noFill/>
+                    </a:lnL>
+                    <a:lnR>
+                      <a:noFill/>
+                    </a:lnR>
+                    <a:lnT>
+                      <a:noFill/>
+                    </a:lnT>
+                    <a:lnB>
+                      <a:noFill/>
+                    </a:lnB>
+                    <a:solidFill>
+                      <a:srgbClr val="FFFFFF"/>
+                    </a:solidFill>
+                  </a:tcPr>
+                </a:tc>
+                <a:tc>
+                  <a:txBody>
+                    <a:bodyPr/>
+                    <a:lstStyle/>
+                    <a:p>
+                      <a:pPr>
+                        <a:buNone/>
+                      </a:pPr>
+                      <a:r>
+                        <a:rPr lang="fr-FR" sz="1200" b="0">
+                          <a:effectLst/>
+                        </a:rPr>
+                        <a:t>25</a:t>
+                      </a:r>
+                      <a:endParaRPr lang="fr-FR" sz="1200">
+                        <a:effectLst/>
+                      </a:endParaRPr>
+                    </a:p>
+                  </a:txBody>
+                  <a:tcPr marL="12686" marR="12686" marT="6343" marB="6343" anchor="ctr">
+                    <a:lnL>
+                      <a:noFill/>
+                    </a:lnL>
+                    <a:lnR>
+                      <a:noFill/>
+                    </a:lnR>
+                    <a:lnT>
+                      <a:noFill/>
+                    </a:lnT>
+                    <a:lnB>
+                      <a:noFill/>
+                    </a:lnB>
+                    <a:solidFill>
+                      <a:srgbClr val="FFFFFF"/>
+                    </a:solidFill>
+                  </a:tcPr>
+                </a:tc>
+                <a:tc>
+                  <a:txBody>
+                    <a:bodyPr/>
+                    <a:lstStyle/>
+                    <a:p>
+                      <a:pPr>
+                        <a:buNone/>
+                      </a:pPr>
+                      <a:r>
+                        <a:rPr lang="fr-FR" sz="1200" b="0">
+                          <a:effectLst/>
+                        </a:rPr>
+                        <a:t>220</a:t>
+                      </a:r>
+                      <a:endParaRPr lang="fr-FR" sz="1200">
+                        <a:effectLst/>
+                      </a:endParaRPr>
+                    </a:p>
+                  </a:txBody>
+                  <a:tcPr marL="12686" marR="12686" marT="6343" marB="6343" anchor="ctr">
+                    <a:lnL>
+                      <a:noFill/>
+                    </a:lnL>
+                    <a:lnR>
+                      <a:noFill/>
+                    </a:lnR>
+                    <a:lnT>
+                      <a:noFill/>
+                    </a:lnT>
+                    <a:lnB>
+                      <a:noFill/>
+                    </a:lnB>
+                    <a:solidFill>
+                      <a:srgbClr val="FFFFFF"/>
+                    </a:solidFill>
+                  </a:tcPr>
+                </a:tc>
+                <a:tc>
+                  <a:txBody>
+                    <a:bodyPr/>
+                    <a:lstStyle/>
+                    <a:p>
+                      <a:pPr>
+                        <a:buNone/>
+                      </a:pPr>
+                      <a:r>
+                        <a:rPr lang="fr-FR" sz="1200" b="0">
+                          <a:effectLst/>
+                        </a:rPr>
+                        <a:t>230</a:t>
+                      </a:r>
+                      <a:endParaRPr lang="fr-FR" sz="1200">
+                        <a:effectLst/>
+                      </a:endParaRPr>
+                    </a:p>
+                  </a:txBody>
+                  <a:tcPr marL="12686" marR="12686" marT="6343" marB="6343" anchor="ctr">
+                    <a:lnL>
+                      <a:noFill/>
+                    </a:lnL>
+                    <a:lnR>
+                      <a:noFill/>
+                    </a:lnR>
+                    <a:lnT>
+                      <a:noFill/>
+                    </a:lnT>
+                    <a:lnB>
+                      <a:noFill/>
+                    </a:lnB>
+                    <a:solidFill>
+                      <a:srgbClr val="FFFFFF"/>
+                    </a:solidFill>
+                  </a:tcPr>
+                </a:tc>
+                <a:extLst>
+                  <a:ext uri="{0D108BD9-81ED-4DB2-BD59-A6C34878D82A}">
+                    <a16:rowId xmlns:a16="http://schemas.microsoft.com/office/drawing/2014/main" val="3265287396"/>
+                  </a:ext>
+                </a:extLst>
+              </a:tr>
+              <a:tr h="222298">
+                <a:tc>
+                  <a:txBody>
+                    <a:bodyPr/>
+                    <a:lstStyle/>
+                    <a:p>
+                      <a:pPr>
+                        <a:buNone/>
+                      </a:pPr>
+                      <a:r>
+                        <a:rPr lang="fr-FR" sz="1200" b="0">
+                          <a:effectLst/>
+                        </a:rPr>
+                        <a:t>Nickel pur </a:t>
+                      </a:r>
+                      <a:endParaRPr lang="fr-FR" sz="1200">
+                        <a:effectLst/>
+                      </a:endParaRPr>
+                    </a:p>
+                  </a:txBody>
+                  <a:tcPr marL="12686" marR="12686" marT="6343" marB="6343" anchor="ctr">
+                    <a:lnL>
+                      <a:noFill/>
+                    </a:lnL>
+                    <a:lnR>
+                      <a:noFill/>
+                    </a:lnR>
+                    <a:lnT>
+                      <a:noFill/>
+                    </a:lnT>
+                    <a:lnB>
+                      <a:noFill/>
+                    </a:lnB>
+                    <a:solidFill>
+                      <a:srgbClr val="FFFFFF"/>
+                    </a:solidFill>
+                  </a:tcPr>
+                </a:tc>
+                <a:tc>
+                  <a:txBody>
+                    <a:bodyPr/>
+                    <a:lstStyle/>
+                    <a:p>
+                      <a:pPr>
+                        <a:buNone/>
+                      </a:pPr>
+                      <a:r>
+                        <a:rPr lang="fr-FR" sz="1200" b="0">
+                          <a:effectLst/>
+                        </a:rPr>
+                        <a:t>15 (HRB 40)</a:t>
+                      </a:r>
+                      <a:endParaRPr lang="fr-FR" sz="1200">
+                        <a:effectLst/>
+                      </a:endParaRPr>
+                    </a:p>
+                  </a:txBody>
+                  <a:tcPr marL="12686" marR="12686" marT="6343" marB="6343" anchor="ctr">
+                    <a:lnL>
+                      <a:noFill/>
+                    </a:lnL>
+                    <a:lnR>
+                      <a:noFill/>
+                    </a:lnR>
+                    <a:lnT>
+                      <a:noFill/>
+                    </a:lnT>
+                    <a:lnB>
+                      <a:noFill/>
+                    </a:lnB>
+                    <a:solidFill>
+                      <a:srgbClr val="FFFFFF"/>
+                    </a:solidFill>
+                  </a:tcPr>
+                </a:tc>
+                <a:tc>
+                  <a:txBody>
+                    <a:bodyPr/>
+                    <a:lstStyle/>
+                    <a:p>
+                      <a:pPr>
+                        <a:buNone/>
+                      </a:pPr>
+                      <a:r>
+                        <a:rPr lang="fr-FR" sz="1200" b="0">
+                          <a:effectLst/>
+                        </a:rPr>
+                        <a:t>100</a:t>
+                      </a:r>
+                      <a:endParaRPr lang="fr-FR" sz="1200">
+                        <a:effectLst/>
+                      </a:endParaRPr>
+                    </a:p>
+                  </a:txBody>
+                  <a:tcPr marL="12686" marR="12686" marT="6343" marB="6343" anchor="ctr">
+                    <a:lnL>
+                      <a:noFill/>
+                    </a:lnL>
+                    <a:lnR>
+                      <a:noFill/>
+                    </a:lnR>
+                    <a:lnT>
+                      <a:noFill/>
+                    </a:lnT>
+                    <a:lnB>
+                      <a:noFill/>
+                    </a:lnB>
+                    <a:solidFill>
+                      <a:srgbClr val="FFFFFF"/>
+                    </a:solidFill>
+                  </a:tcPr>
+                </a:tc>
+                <a:tc>
+                  <a:txBody>
+                    <a:bodyPr/>
+                    <a:lstStyle/>
+                    <a:p>
+                      <a:pPr>
+                        <a:buNone/>
+                      </a:pPr>
+                      <a:r>
+                        <a:rPr lang="fr-FR" sz="1200" b="0">
+                          <a:effectLst/>
+                        </a:rPr>
+                        <a:t>110</a:t>
+                      </a:r>
+                      <a:endParaRPr lang="fr-FR" sz="1200">
+                        <a:effectLst/>
+                      </a:endParaRPr>
+                    </a:p>
+                  </a:txBody>
+                  <a:tcPr marL="12686" marR="12686" marT="6343" marB="6343" anchor="ctr">
+                    <a:lnL>
+                      <a:noFill/>
+                    </a:lnL>
+                    <a:lnR>
+                      <a:noFill/>
+                    </a:lnR>
+                    <a:lnT>
+                      <a:noFill/>
+                    </a:lnT>
+                    <a:lnB>
+                      <a:noFill/>
+                    </a:lnB>
+                    <a:solidFill>
+                      <a:srgbClr val="FFFFFF"/>
+                    </a:solidFill>
+                  </a:tcPr>
+                </a:tc>
+                <a:extLst>
+                  <a:ext uri="{0D108BD9-81ED-4DB2-BD59-A6C34878D82A}">
+                    <a16:rowId xmlns:a16="http://schemas.microsoft.com/office/drawing/2014/main" val="2557765060"/>
+                  </a:ext>
+                </a:extLst>
+              </a:tr>
+              <a:tr h="222298">
+                <a:tc>
+                  <a:txBody>
+                    <a:bodyPr/>
+                    <a:lstStyle/>
+                    <a:p>
+                      <a:pPr>
+                        <a:buNone/>
+                      </a:pPr>
+                      <a:r>
+                        <a:rPr lang="fr-FR" sz="1200" b="0">
+                          <a:effectLst/>
+                        </a:rPr>
+                        <a:t>Alliage de nickel Inconel 625</a:t>
+                      </a:r>
+                      <a:endParaRPr lang="fr-FR" sz="1200">
+                        <a:effectLst/>
+                      </a:endParaRPr>
+                    </a:p>
+                  </a:txBody>
+                  <a:tcPr marL="12686" marR="12686" marT="6343" marB="6343" anchor="ctr">
+                    <a:lnL>
+                      <a:noFill/>
+                    </a:lnL>
+                    <a:lnR>
+                      <a:noFill/>
+                    </a:lnR>
+                    <a:lnT>
+                      <a:noFill/>
+                    </a:lnT>
+                    <a:lnB>
+                      <a:noFill/>
+                    </a:lnB>
+                    <a:solidFill>
+                      <a:srgbClr val="FFFFFF"/>
+                    </a:solidFill>
+                  </a:tcPr>
+                </a:tc>
+                <a:tc>
+                  <a:txBody>
+                    <a:bodyPr/>
+                    <a:lstStyle/>
+                    <a:p>
+                      <a:pPr>
+                        <a:buNone/>
+                      </a:pPr>
+                      <a:r>
+                        <a:rPr lang="fr-FR" sz="1200" b="0">
+                          <a:effectLst/>
+                        </a:rPr>
+                        <a:t>30</a:t>
+                      </a:r>
+                      <a:endParaRPr lang="fr-FR" sz="1200">
+                        <a:effectLst/>
+                      </a:endParaRPr>
+                    </a:p>
+                  </a:txBody>
+                  <a:tcPr marL="12686" marR="12686" marT="6343" marB="6343" anchor="ctr">
+                    <a:lnL>
+                      <a:noFill/>
+                    </a:lnL>
+                    <a:lnR>
+                      <a:noFill/>
+                    </a:lnR>
+                    <a:lnT>
+                      <a:noFill/>
+                    </a:lnT>
+                    <a:lnB>
+                      <a:noFill/>
+                    </a:lnB>
+                    <a:solidFill>
+                      <a:srgbClr val="FFFFFF"/>
+                    </a:solidFill>
+                  </a:tcPr>
+                </a:tc>
+                <a:tc>
+                  <a:txBody>
+                    <a:bodyPr/>
+                    <a:lstStyle/>
+                    <a:p>
+                      <a:pPr>
+                        <a:buNone/>
+                      </a:pPr>
+                      <a:r>
+                        <a:rPr lang="fr-FR" sz="1200" b="0">
+                          <a:effectLst/>
+                        </a:rPr>
+                        <a:t>220</a:t>
+                      </a:r>
+                      <a:endParaRPr lang="fr-FR" sz="1200">
+                        <a:effectLst/>
+                      </a:endParaRPr>
+                    </a:p>
+                  </a:txBody>
+                  <a:tcPr marL="12686" marR="12686" marT="6343" marB="6343" anchor="ctr">
+                    <a:lnL>
+                      <a:noFill/>
+                    </a:lnL>
+                    <a:lnR>
+                      <a:noFill/>
+                    </a:lnR>
+                    <a:lnT>
+                      <a:noFill/>
+                    </a:lnT>
+                    <a:lnB>
+                      <a:noFill/>
+                    </a:lnB>
+                    <a:solidFill>
+                      <a:srgbClr val="FFFFFF"/>
+                    </a:solidFill>
+                  </a:tcPr>
+                </a:tc>
+                <a:tc>
+                  <a:txBody>
+                    <a:bodyPr/>
+                    <a:lstStyle/>
+                    <a:p>
+                      <a:pPr>
+                        <a:buNone/>
+                      </a:pPr>
+                      <a:r>
+                        <a:rPr lang="fr-FR" sz="1200" b="0">
+                          <a:effectLst/>
+                        </a:rPr>
+                        <a:t>230</a:t>
+                      </a:r>
+                      <a:endParaRPr lang="fr-FR" sz="1200">
+                        <a:effectLst/>
+                      </a:endParaRPr>
+                    </a:p>
+                  </a:txBody>
+                  <a:tcPr marL="12686" marR="12686" marT="6343" marB="6343" anchor="ctr">
+                    <a:lnL>
+                      <a:noFill/>
+                    </a:lnL>
+                    <a:lnR>
+                      <a:noFill/>
+                    </a:lnR>
+                    <a:lnT>
+                      <a:noFill/>
+                    </a:lnT>
+                    <a:lnB>
+                      <a:noFill/>
+                    </a:lnB>
+                    <a:solidFill>
+                      <a:srgbClr val="FFFFFF"/>
+                    </a:solidFill>
+                  </a:tcPr>
+                </a:tc>
+                <a:extLst>
+                  <a:ext uri="{0D108BD9-81ED-4DB2-BD59-A6C34878D82A}">
+                    <a16:rowId xmlns:a16="http://schemas.microsoft.com/office/drawing/2014/main" val="67708620"/>
+                  </a:ext>
+                </a:extLst>
+              </a:tr>
+              <a:tr h="222298">
+                <a:tc>
+                  <a:txBody>
+                    <a:bodyPr/>
+                    <a:lstStyle/>
+                    <a:p>
+                      <a:pPr>
+                        <a:buNone/>
+                      </a:pPr>
+                      <a:r>
+                        <a:rPr lang="fr-FR" sz="1200" b="0">
+                          <a:effectLst/>
+                        </a:rPr>
+                        <a:t>Magnésium recuit AZ31B</a:t>
+                      </a:r>
+                      <a:endParaRPr lang="fr-FR" sz="1200">
+                        <a:effectLst/>
+                      </a:endParaRPr>
+                    </a:p>
+                  </a:txBody>
+                  <a:tcPr marL="12686" marR="12686" marT="6343" marB="6343" anchor="ctr">
+                    <a:lnL>
+                      <a:noFill/>
+                    </a:lnL>
+                    <a:lnR>
+                      <a:noFill/>
+                    </a:lnR>
+                    <a:lnT>
+                      <a:noFill/>
+                    </a:lnT>
+                    <a:lnB>
+                      <a:noFill/>
+                    </a:lnB>
+                    <a:solidFill>
+                      <a:srgbClr val="FFFFFF"/>
+                    </a:solidFill>
+                  </a:tcPr>
+                </a:tc>
+                <a:tc>
+                  <a:txBody>
+                    <a:bodyPr/>
+                    <a:lstStyle/>
+                    <a:p>
+                      <a:pPr>
+                        <a:buNone/>
+                      </a:pPr>
+                      <a:r>
+                        <a:rPr lang="fr-FR" sz="1200" b="0">
+                          <a:effectLst/>
+                        </a:rPr>
+                        <a:t>15 (HRB 35)</a:t>
+                      </a:r>
+                      <a:endParaRPr lang="fr-FR" sz="1200">
+                        <a:effectLst/>
+                      </a:endParaRPr>
+                    </a:p>
+                  </a:txBody>
+                  <a:tcPr marL="12686" marR="12686" marT="6343" marB="6343" anchor="ctr">
+                    <a:lnL>
+                      <a:noFill/>
+                    </a:lnL>
+                    <a:lnR>
+                      <a:noFill/>
+                    </a:lnR>
+                    <a:lnT>
+                      <a:noFill/>
+                    </a:lnT>
+                    <a:lnB>
+                      <a:noFill/>
+                    </a:lnB>
+                    <a:solidFill>
+                      <a:srgbClr val="FFFFFF"/>
+                    </a:solidFill>
+                  </a:tcPr>
+                </a:tc>
+                <a:tc>
+                  <a:txBody>
+                    <a:bodyPr/>
+                    <a:lstStyle/>
+                    <a:p>
+                      <a:pPr>
+                        <a:buNone/>
+                      </a:pPr>
+                      <a:r>
+                        <a:rPr lang="fr-FR" sz="1200" b="0">
+                          <a:effectLst/>
+                        </a:rPr>
+                        <a:t>60</a:t>
+                      </a:r>
+                      <a:endParaRPr lang="fr-FR" sz="1200">
+                        <a:effectLst/>
+                      </a:endParaRPr>
+                    </a:p>
+                  </a:txBody>
+                  <a:tcPr marL="12686" marR="12686" marT="6343" marB="6343" anchor="ctr">
+                    <a:lnL>
+                      <a:noFill/>
+                    </a:lnL>
+                    <a:lnR>
+                      <a:noFill/>
+                    </a:lnR>
+                    <a:lnT>
+                      <a:noFill/>
+                    </a:lnT>
+                    <a:lnB>
+                      <a:noFill/>
+                    </a:lnB>
+                    <a:solidFill>
+                      <a:srgbClr val="FFFFFF"/>
+                    </a:solidFill>
+                  </a:tcPr>
+                </a:tc>
+                <a:tc>
+                  <a:txBody>
+                    <a:bodyPr/>
+                    <a:lstStyle/>
+                    <a:p>
+                      <a:pPr>
+                        <a:buNone/>
+                      </a:pPr>
+                      <a:r>
+                        <a:rPr lang="fr-FR" sz="1200" b="0">
+                          <a:effectLst/>
+                        </a:rPr>
+                        <a:t>65</a:t>
+                      </a:r>
+                      <a:endParaRPr lang="fr-FR" sz="1200">
+                        <a:effectLst/>
+                      </a:endParaRPr>
+                    </a:p>
+                  </a:txBody>
+                  <a:tcPr marL="12686" marR="12686" marT="6343" marB="6343" anchor="ctr">
+                    <a:lnL>
+                      <a:noFill/>
+                    </a:lnL>
+                    <a:lnR>
+                      <a:noFill/>
+                    </a:lnR>
+                    <a:lnT>
+                      <a:noFill/>
+                    </a:lnT>
+                    <a:lnB>
+                      <a:noFill/>
+                    </a:lnB>
+                    <a:solidFill>
+                      <a:srgbClr val="FFFFFF"/>
+                    </a:solidFill>
+                  </a:tcPr>
+                </a:tc>
+                <a:extLst>
+                  <a:ext uri="{0D108BD9-81ED-4DB2-BD59-A6C34878D82A}">
+                    <a16:rowId xmlns:a16="http://schemas.microsoft.com/office/drawing/2014/main" val="1909010966"/>
+                  </a:ext>
+                </a:extLst>
+              </a:tr>
+              <a:tr h="222298">
+                <a:tc>
+                  <a:txBody>
+                    <a:bodyPr/>
+                    <a:lstStyle/>
+                    <a:p>
+                      <a:pPr>
+                        <a:buNone/>
+                      </a:pPr>
+                      <a:r>
+                        <a:rPr lang="fr-FR" sz="1200" b="0">
+                          <a:effectLst/>
+                        </a:rPr>
+                        <a:t>Zinc pur</a:t>
+                      </a:r>
+                      <a:endParaRPr lang="fr-FR" sz="1200">
+                        <a:effectLst/>
+                      </a:endParaRPr>
+                    </a:p>
+                  </a:txBody>
+                  <a:tcPr marL="12686" marR="12686" marT="6343" marB="6343" anchor="ctr">
+                    <a:lnL>
+                      <a:noFill/>
+                    </a:lnL>
+                    <a:lnR>
+                      <a:noFill/>
+                    </a:lnR>
+                    <a:lnT>
+                      <a:noFill/>
+                    </a:lnT>
+                    <a:lnB>
+                      <a:noFill/>
+                    </a:lnB>
+                    <a:solidFill>
+                      <a:srgbClr val="FFFFFF"/>
+                    </a:solidFill>
+                  </a:tcPr>
+                </a:tc>
+                <a:tc>
+                  <a:txBody>
+                    <a:bodyPr/>
+                    <a:lstStyle/>
+                    <a:p>
+                      <a:pPr>
+                        <a:buNone/>
+                      </a:pPr>
+                      <a:r>
+                        <a:rPr lang="fr-FR" sz="1200" b="0">
+                          <a:effectLst/>
+                        </a:rPr>
+                        <a:t>5 (HRB 10)</a:t>
+                      </a:r>
+                      <a:endParaRPr lang="fr-FR" sz="1200">
+                        <a:effectLst/>
+                      </a:endParaRPr>
+                    </a:p>
+                  </a:txBody>
+                  <a:tcPr marL="12686" marR="12686" marT="6343" marB="6343" anchor="ctr">
+                    <a:lnL>
+                      <a:noFill/>
+                    </a:lnL>
+                    <a:lnR>
+                      <a:noFill/>
+                    </a:lnR>
+                    <a:lnT>
+                      <a:noFill/>
+                    </a:lnT>
+                    <a:lnB>
+                      <a:noFill/>
+                    </a:lnB>
+                    <a:solidFill>
+                      <a:srgbClr val="FFFFFF"/>
+                    </a:solidFill>
+                  </a:tcPr>
+                </a:tc>
+                <a:tc>
+                  <a:txBody>
+                    <a:bodyPr/>
+                    <a:lstStyle/>
+                    <a:p>
+                      <a:pPr>
+                        <a:buNone/>
+                      </a:pPr>
+                      <a:r>
+                        <a:rPr lang="fr-FR" sz="1200" b="0">
+                          <a:effectLst/>
+                        </a:rPr>
+                        <a:t>30</a:t>
+                      </a:r>
+                      <a:endParaRPr lang="fr-FR" sz="1200">
+                        <a:effectLst/>
+                      </a:endParaRPr>
+                    </a:p>
+                  </a:txBody>
+                  <a:tcPr marL="12686" marR="12686" marT="6343" marB="6343" anchor="ctr">
+                    <a:lnL>
+                      <a:noFill/>
+                    </a:lnL>
+                    <a:lnR>
+                      <a:noFill/>
+                    </a:lnR>
+                    <a:lnT>
+                      <a:noFill/>
+                    </a:lnT>
+                    <a:lnB>
+                      <a:noFill/>
+                    </a:lnB>
+                    <a:solidFill>
+                      <a:srgbClr val="FFFFFF"/>
+                    </a:solidFill>
+                  </a:tcPr>
+                </a:tc>
+                <a:tc>
+                  <a:txBody>
+                    <a:bodyPr/>
+                    <a:lstStyle/>
+                    <a:p>
+                      <a:pPr>
+                        <a:buNone/>
+                      </a:pPr>
+                      <a:r>
+                        <a:rPr lang="fr-FR" sz="1200" b="0">
+                          <a:effectLst/>
+                        </a:rPr>
+                        <a:t>35</a:t>
+                      </a:r>
+                      <a:endParaRPr lang="fr-FR" sz="1200">
+                        <a:effectLst/>
+                      </a:endParaRPr>
+                    </a:p>
+                  </a:txBody>
+                  <a:tcPr marL="12686" marR="12686" marT="6343" marB="6343" anchor="ctr">
+                    <a:lnL>
+                      <a:noFill/>
+                    </a:lnL>
+                    <a:lnR>
+                      <a:noFill/>
+                    </a:lnR>
+                    <a:lnT>
+                      <a:noFill/>
+                    </a:lnT>
+                    <a:lnB>
+                      <a:noFill/>
+                    </a:lnB>
+                    <a:solidFill>
+                      <a:srgbClr val="FFFFFF"/>
+                    </a:solidFill>
+                  </a:tcPr>
+                </a:tc>
+                <a:extLst>
+                  <a:ext uri="{0D108BD9-81ED-4DB2-BD59-A6C34878D82A}">
+                    <a16:rowId xmlns:a16="http://schemas.microsoft.com/office/drawing/2014/main" val="3624912891"/>
+                  </a:ext>
+                </a:extLst>
+              </a:tr>
+              <a:tr h="170998">
+                <a:tc>
+                  <a:txBody>
+                    <a:bodyPr/>
+                    <a:lstStyle/>
+                    <a:p>
+                      <a:pPr>
+                        <a:buNone/>
+                      </a:pPr>
+                      <a:r>
+                        <a:rPr lang="fr-FR" sz="1200" b="0">
+                          <a:effectLst/>
+                        </a:rPr>
+                        <a:t>Plomb pur</a:t>
+                      </a:r>
+                      <a:endParaRPr lang="fr-FR" sz="1200">
+                        <a:effectLst/>
+                      </a:endParaRPr>
+                    </a:p>
+                  </a:txBody>
+                  <a:tcPr marL="12686" marR="12686" marT="6343" marB="6343" anchor="ctr">
+                    <a:lnL>
+                      <a:noFill/>
+                    </a:lnL>
+                    <a:lnR>
+                      <a:noFill/>
+                    </a:lnR>
+                    <a:lnT>
+                      <a:noFill/>
+                    </a:lnT>
+                    <a:lnB>
+                      <a:noFill/>
+                    </a:lnB>
+                    <a:solidFill>
+                      <a:srgbClr val="FFFFFF"/>
+                    </a:solidFill>
+                  </a:tcPr>
+                </a:tc>
+                <a:tc>
+                  <a:txBody>
+                    <a:bodyPr/>
+                    <a:lstStyle/>
+                    <a:p>
+                      <a:pPr>
+                        <a:buNone/>
+                      </a:pPr>
+                      <a:r>
+                        <a:rPr lang="fr-FR" sz="1200" b="0">
+                          <a:effectLst/>
+                        </a:rPr>
+                        <a:t>2 (HRB 5)</a:t>
+                      </a:r>
+                      <a:endParaRPr lang="fr-FR" sz="1200">
+                        <a:effectLst/>
+                      </a:endParaRPr>
+                    </a:p>
+                  </a:txBody>
+                  <a:tcPr marL="12686" marR="12686" marT="6343" marB="6343" anchor="ctr">
+                    <a:lnL>
+                      <a:noFill/>
+                    </a:lnL>
+                    <a:lnR>
+                      <a:noFill/>
+                    </a:lnR>
+                    <a:lnT>
+                      <a:noFill/>
+                    </a:lnT>
+                    <a:lnB>
+                      <a:noFill/>
+                    </a:lnB>
+                    <a:solidFill>
+                      <a:srgbClr val="FFFFFF"/>
+                    </a:solidFill>
+                  </a:tcPr>
+                </a:tc>
+                <a:tc>
+                  <a:txBody>
+                    <a:bodyPr/>
+                    <a:lstStyle/>
+                    <a:p>
+                      <a:pPr>
+                        <a:buNone/>
+                      </a:pPr>
+                      <a:r>
+                        <a:rPr lang="fr-FR" sz="1200" b="0">
+                          <a:effectLst/>
+                        </a:rPr>
+                        <a:t>10</a:t>
+                      </a:r>
+                      <a:endParaRPr lang="fr-FR" sz="1200">
+                        <a:effectLst/>
+                      </a:endParaRPr>
+                    </a:p>
+                  </a:txBody>
+                  <a:tcPr marL="12686" marR="12686" marT="6343" marB="6343" anchor="ctr">
+                    <a:lnL>
+                      <a:noFill/>
+                    </a:lnL>
+                    <a:lnR>
+                      <a:noFill/>
+                    </a:lnR>
+                    <a:lnT>
+                      <a:noFill/>
+                    </a:lnT>
+                    <a:lnB>
+                      <a:noFill/>
+                    </a:lnB>
+                    <a:solidFill>
+                      <a:srgbClr val="FFFFFF"/>
+                    </a:solidFill>
+                  </a:tcPr>
+                </a:tc>
+                <a:tc>
+                  <a:txBody>
+                    <a:bodyPr/>
+                    <a:lstStyle/>
+                    <a:p>
+                      <a:pPr>
+                        <a:buNone/>
+                      </a:pPr>
+                      <a:r>
+                        <a:rPr lang="fr-FR" sz="1200" b="0">
+                          <a:effectLst/>
+                        </a:rPr>
+                        <a:t>12</a:t>
+                      </a:r>
+                      <a:endParaRPr lang="fr-FR" sz="1200">
+                        <a:effectLst/>
+                      </a:endParaRPr>
+                    </a:p>
+                  </a:txBody>
+                  <a:tcPr marL="12686" marR="12686" marT="6343" marB="6343" anchor="ctr">
+                    <a:lnL>
+                      <a:noFill/>
+                    </a:lnL>
+                    <a:lnR>
+                      <a:noFill/>
+                    </a:lnR>
+                    <a:lnT>
+                      <a:noFill/>
+                    </a:lnT>
+                    <a:lnB>
+                      <a:noFill/>
+                    </a:lnB>
+                    <a:solidFill>
+                      <a:srgbClr val="FFFFFF"/>
+                    </a:solidFill>
+                  </a:tcPr>
+                </a:tc>
+                <a:extLst>
+                  <a:ext uri="{0D108BD9-81ED-4DB2-BD59-A6C34878D82A}">
+                    <a16:rowId xmlns:a16="http://schemas.microsoft.com/office/drawing/2014/main" val="2417468349"/>
+                  </a:ext>
+                </a:extLst>
+              </a:tr>
+              <a:tr h="170998">
+                <a:tc>
+                  <a:txBody>
+                    <a:bodyPr/>
+                    <a:lstStyle/>
+                    <a:p>
+                      <a:pPr>
+                        <a:buNone/>
+                      </a:pPr>
+                      <a:r>
+                        <a:rPr lang="fr-FR" sz="1200" b="0">
+                          <a:effectLst/>
+                        </a:rPr>
+                        <a:t>Étain</a:t>
+                      </a:r>
+                      <a:endParaRPr lang="fr-FR" sz="1200">
+                        <a:effectLst/>
+                      </a:endParaRPr>
+                    </a:p>
+                  </a:txBody>
+                  <a:tcPr marL="12686" marR="12686" marT="6343" marB="6343" anchor="ctr">
+                    <a:lnL>
+                      <a:noFill/>
+                    </a:lnL>
+                    <a:lnR>
+                      <a:noFill/>
+                    </a:lnR>
+                    <a:lnT>
+                      <a:noFill/>
+                    </a:lnT>
+                    <a:lnB>
+                      <a:noFill/>
+                    </a:lnB>
+                    <a:solidFill>
+                      <a:srgbClr val="FFFFFF"/>
+                    </a:solidFill>
+                  </a:tcPr>
+                </a:tc>
+                <a:tc>
+                  <a:txBody>
+                    <a:bodyPr/>
+                    <a:lstStyle/>
+                    <a:p>
+                      <a:pPr>
+                        <a:buNone/>
+                      </a:pPr>
+                      <a:r>
+                        <a:rPr lang="fr-FR" sz="1200" b="0">
+                          <a:effectLst/>
+                        </a:rPr>
+                        <a:t>3 (HRB 8)</a:t>
+                      </a:r>
+                      <a:endParaRPr lang="fr-FR" sz="1200">
+                        <a:effectLst/>
+                      </a:endParaRPr>
+                    </a:p>
+                  </a:txBody>
+                  <a:tcPr marL="12686" marR="12686" marT="6343" marB="6343" anchor="ctr">
+                    <a:lnL>
+                      <a:noFill/>
+                    </a:lnL>
+                    <a:lnR>
+                      <a:noFill/>
+                    </a:lnR>
+                    <a:lnT>
+                      <a:noFill/>
+                    </a:lnT>
+                    <a:lnB>
+                      <a:noFill/>
+                    </a:lnB>
+                    <a:solidFill>
+                      <a:srgbClr val="FFFFFF"/>
+                    </a:solidFill>
+                  </a:tcPr>
+                </a:tc>
+                <a:tc>
+                  <a:txBody>
+                    <a:bodyPr/>
+                    <a:lstStyle/>
+                    <a:p>
+                      <a:pPr>
+                        <a:buNone/>
+                      </a:pPr>
+                      <a:r>
+                        <a:rPr lang="fr-FR" sz="1200" b="0">
+                          <a:effectLst/>
+                        </a:rPr>
+                        <a:t>15</a:t>
+                      </a:r>
+                      <a:endParaRPr lang="fr-FR" sz="1200">
+                        <a:effectLst/>
+                      </a:endParaRPr>
+                    </a:p>
+                  </a:txBody>
+                  <a:tcPr marL="12686" marR="12686" marT="6343" marB="6343" anchor="ctr">
+                    <a:lnL>
+                      <a:noFill/>
+                    </a:lnL>
+                    <a:lnR>
+                      <a:noFill/>
+                    </a:lnR>
+                    <a:lnT>
+                      <a:noFill/>
+                    </a:lnT>
+                    <a:lnB>
+                      <a:noFill/>
+                    </a:lnB>
+                    <a:solidFill>
+                      <a:srgbClr val="FFFFFF"/>
+                    </a:solidFill>
+                  </a:tcPr>
+                </a:tc>
+                <a:tc>
+                  <a:txBody>
+                    <a:bodyPr/>
+                    <a:lstStyle/>
+                    <a:p>
+                      <a:pPr>
+                        <a:buNone/>
+                      </a:pPr>
+                      <a:r>
+                        <a:rPr lang="fr-FR" sz="1200" b="0">
+                          <a:effectLst/>
+                        </a:rPr>
+                        <a:t>18</a:t>
+                      </a:r>
+                      <a:endParaRPr lang="fr-FR" sz="1200">
+                        <a:effectLst/>
+                      </a:endParaRPr>
+                    </a:p>
+                  </a:txBody>
+                  <a:tcPr marL="12686" marR="12686" marT="6343" marB="6343" anchor="ctr">
+                    <a:lnL>
+                      <a:noFill/>
+                    </a:lnL>
+                    <a:lnR>
+                      <a:noFill/>
+                    </a:lnR>
+                    <a:lnT>
+                      <a:noFill/>
+                    </a:lnT>
+                    <a:lnB>
+                      <a:noFill/>
+                    </a:lnB>
+                    <a:solidFill>
+                      <a:srgbClr val="FFFFFF"/>
+                    </a:solidFill>
+                  </a:tcPr>
+                </a:tc>
+                <a:extLst>
+                  <a:ext uri="{0D108BD9-81ED-4DB2-BD59-A6C34878D82A}">
+                    <a16:rowId xmlns:a16="http://schemas.microsoft.com/office/drawing/2014/main" val="4081876769"/>
+                  </a:ext>
+                </a:extLst>
+              </a:tr>
+              <a:tr h="222298">
+                <a:tc>
+                  <a:txBody>
+                    <a:bodyPr/>
+                    <a:lstStyle/>
+                    <a:p>
+                      <a:pPr>
+                        <a:buNone/>
+                      </a:pPr>
+                      <a:r>
+                        <a:rPr lang="fr-FR" sz="1200" b="0">
+                          <a:effectLst/>
+                        </a:rPr>
+                        <a:t>C932Bronze </a:t>
+                      </a:r>
+                      <a:endParaRPr lang="fr-FR" sz="1200">
+                        <a:effectLst/>
+                      </a:endParaRPr>
+                    </a:p>
+                  </a:txBody>
+                  <a:tcPr marL="12686" marR="12686" marT="6343" marB="6343" anchor="ctr">
+                    <a:lnL>
+                      <a:noFill/>
+                    </a:lnL>
+                    <a:lnR>
+                      <a:noFill/>
+                    </a:lnR>
+                    <a:lnT>
+                      <a:noFill/>
+                    </a:lnT>
+                    <a:lnB>
+                      <a:noFill/>
+                    </a:lnB>
+                    <a:solidFill>
+                      <a:srgbClr val="FFFFFF"/>
+                    </a:solidFill>
+                  </a:tcPr>
+                </a:tc>
+                <a:tc>
+                  <a:txBody>
+                    <a:bodyPr/>
+                    <a:lstStyle/>
+                    <a:p>
+                      <a:pPr>
+                        <a:buNone/>
+                      </a:pPr>
+                      <a:r>
+                        <a:rPr lang="fr-FR" sz="1200" b="0">
+                          <a:effectLst/>
+                        </a:rPr>
+                        <a:t>25 (HRB 65)</a:t>
+                      </a:r>
+                      <a:endParaRPr lang="fr-FR" sz="1200">
+                        <a:effectLst/>
+                      </a:endParaRPr>
+                    </a:p>
+                  </a:txBody>
+                  <a:tcPr marL="12686" marR="12686" marT="6343" marB="6343" anchor="ctr">
+                    <a:lnL>
+                      <a:noFill/>
+                    </a:lnL>
+                    <a:lnR>
+                      <a:noFill/>
+                    </a:lnR>
+                    <a:lnT>
+                      <a:noFill/>
+                    </a:lnT>
+                    <a:lnB>
+                      <a:noFill/>
+                    </a:lnB>
+                    <a:solidFill>
+                      <a:srgbClr val="FFFFFF"/>
+                    </a:solidFill>
+                  </a:tcPr>
+                </a:tc>
+                <a:tc>
+                  <a:txBody>
+                    <a:bodyPr/>
+                    <a:lstStyle/>
+                    <a:p>
+                      <a:pPr>
+                        <a:buNone/>
+                      </a:pPr>
+                      <a:r>
+                        <a:rPr lang="fr-FR" sz="1200" b="0">
+                          <a:effectLst/>
+                        </a:rPr>
+                        <a:t>100</a:t>
+                      </a:r>
+                      <a:endParaRPr lang="fr-FR" sz="1200">
+                        <a:effectLst/>
+                      </a:endParaRPr>
+                    </a:p>
+                  </a:txBody>
+                  <a:tcPr marL="12686" marR="12686" marT="6343" marB="6343" anchor="ctr">
+                    <a:lnL>
+                      <a:noFill/>
+                    </a:lnL>
+                    <a:lnR>
+                      <a:noFill/>
+                    </a:lnR>
+                    <a:lnT>
+                      <a:noFill/>
+                    </a:lnT>
+                    <a:lnB>
+                      <a:noFill/>
+                    </a:lnB>
+                    <a:solidFill>
+                      <a:srgbClr val="FFFFFF"/>
+                    </a:solidFill>
+                  </a:tcPr>
+                </a:tc>
+                <a:tc>
+                  <a:txBody>
+                    <a:bodyPr/>
+                    <a:lstStyle/>
+                    <a:p>
+                      <a:pPr>
+                        <a:buNone/>
+                      </a:pPr>
+                      <a:r>
+                        <a:rPr lang="fr-FR" sz="1200" b="0">
+                          <a:effectLst/>
+                        </a:rPr>
+                        <a:t>105</a:t>
+                      </a:r>
+                      <a:endParaRPr lang="fr-FR" sz="1200">
+                        <a:effectLst/>
+                      </a:endParaRPr>
+                    </a:p>
+                  </a:txBody>
+                  <a:tcPr marL="12686" marR="12686" marT="6343" marB="6343" anchor="ctr">
+                    <a:lnL>
+                      <a:noFill/>
+                    </a:lnL>
+                    <a:lnR>
+                      <a:noFill/>
+                    </a:lnR>
+                    <a:lnT>
+                      <a:noFill/>
+                    </a:lnT>
+                    <a:lnB>
+                      <a:noFill/>
+                    </a:lnB>
+                    <a:solidFill>
+                      <a:srgbClr val="FFFFFF"/>
+                    </a:solidFill>
+                  </a:tcPr>
+                </a:tc>
+                <a:extLst>
+                  <a:ext uri="{0D108BD9-81ED-4DB2-BD59-A6C34878D82A}">
+                    <a16:rowId xmlns:a16="http://schemas.microsoft.com/office/drawing/2014/main" val="331181191"/>
+                  </a:ext>
+                </a:extLst>
+              </a:tr>
+              <a:tr h="119699">
+                <a:tc>
+                  <a:txBody>
+                    <a:bodyPr/>
+                    <a:lstStyle/>
+                    <a:p>
+                      <a:pPr>
+                        <a:buNone/>
+                      </a:pPr>
+                      <a:r>
+                        <a:rPr lang="fr-FR" sz="1200" b="0">
+                          <a:effectLst/>
+                        </a:rPr>
+                        <a:t>Chromium </a:t>
+                      </a:r>
+                      <a:endParaRPr lang="fr-FR" sz="1200">
+                        <a:effectLst/>
+                      </a:endParaRPr>
+                    </a:p>
+                  </a:txBody>
+                  <a:tcPr marL="12686" marR="12686" marT="6343" marB="6343" anchor="ctr">
+                    <a:lnL>
+                      <a:noFill/>
+                    </a:lnL>
+                    <a:lnR>
+                      <a:noFill/>
+                    </a:lnR>
+                    <a:lnT>
+                      <a:noFill/>
+                    </a:lnT>
+                    <a:lnB>
+                      <a:noFill/>
+                    </a:lnB>
+                    <a:solidFill>
+                      <a:srgbClr val="FFFFFF"/>
+                    </a:solidFill>
+                  </a:tcPr>
+                </a:tc>
+                <a:tc>
+                  <a:txBody>
+                    <a:bodyPr/>
+                    <a:lstStyle/>
+                    <a:p>
+                      <a:pPr>
+                        <a:buNone/>
+                      </a:pPr>
+                      <a:r>
+                        <a:rPr lang="fr-FR" sz="1200" b="0">
+                          <a:effectLst/>
+                        </a:rPr>
+                        <a:t>30</a:t>
+                      </a:r>
+                      <a:endParaRPr lang="fr-FR" sz="1200">
+                        <a:effectLst/>
+                      </a:endParaRPr>
+                    </a:p>
+                  </a:txBody>
+                  <a:tcPr marL="12686" marR="12686" marT="6343" marB="6343" anchor="ctr">
+                    <a:lnL>
+                      <a:noFill/>
+                    </a:lnL>
+                    <a:lnR>
+                      <a:noFill/>
+                    </a:lnR>
+                    <a:lnT>
+                      <a:noFill/>
+                    </a:lnT>
+                    <a:lnB>
+                      <a:noFill/>
+                    </a:lnB>
+                    <a:solidFill>
+                      <a:srgbClr val="FFFFFF"/>
+                    </a:solidFill>
+                  </a:tcPr>
+                </a:tc>
+                <a:tc>
+                  <a:txBody>
+                    <a:bodyPr/>
+                    <a:lstStyle/>
+                    <a:p>
+                      <a:pPr>
+                        <a:buNone/>
+                      </a:pPr>
+                      <a:r>
+                        <a:rPr lang="fr-FR" sz="1200" b="0">
+                          <a:effectLst/>
+                        </a:rPr>
+                        <a:t>200</a:t>
+                      </a:r>
+                      <a:endParaRPr lang="fr-FR" sz="1200">
+                        <a:effectLst/>
+                      </a:endParaRPr>
+                    </a:p>
+                  </a:txBody>
+                  <a:tcPr marL="12686" marR="12686" marT="6343" marB="6343" anchor="ctr">
+                    <a:lnL>
+                      <a:noFill/>
+                    </a:lnL>
+                    <a:lnR>
+                      <a:noFill/>
+                    </a:lnR>
+                    <a:lnT>
+                      <a:noFill/>
+                    </a:lnT>
+                    <a:lnB>
+                      <a:noFill/>
+                    </a:lnB>
+                    <a:solidFill>
+                      <a:srgbClr val="FFFFFF"/>
+                    </a:solidFill>
+                  </a:tcPr>
+                </a:tc>
+                <a:tc>
+                  <a:txBody>
+                    <a:bodyPr/>
+                    <a:lstStyle/>
+                    <a:p>
+                      <a:pPr>
+                        <a:buNone/>
+                      </a:pPr>
+                      <a:r>
+                        <a:rPr lang="fr-FR" sz="1200" b="0">
+                          <a:effectLst/>
+                        </a:rPr>
+                        <a:t>210</a:t>
+                      </a:r>
+                      <a:endParaRPr lang="fr-FR" sz="1200">
+                        <a:effectLst/>
+                      </a:endParaRPr>
+                    </a:p>
+                  </a:txBody>
+                  <a:tcPr marL="12686" marR="12686" marT="6343" marB="6343" anchor="ctr">
+                    <a:lnL>
+                      <a:noFill/>
+                    </a:lnL>
+                    <a:lnR>
+                      <a:noFill/>
+                    </a:lnR>
+                    <a:lnT>
+                      <a:noFill/>
+                    </a:lnT>
+                    <a:lnB>
+                      <a:noFill/>
+                    </a:lnB>
+                    <a:solidFill>
+                      <a:srgbClr val="FFFFFF"/>
+                    </a:solidFill>
+                  </a:tcPr>
+                </a:tc>
+                <a:extLst>
+                  <a:ext uri="{0D108BD9-81ED-4DB2-BD59-A6C34878D82A}">
+                    <a16:rowId xmlns:a16="http://schemas.microsoft.com/office/drawing/2014/main" val="1658084091"/>
+                  </a:ext>
+                </a:extLst>
+              </a:tr>
+              <a:tr h="119699">
+                <a:tc>
+                  <a:txBody>
+                    <a:bodyPr/>
+                    <a:lstStyle/>
+                    <a:p>
+                      <a:pPr>
+                        <a:buNone/>
+                      </a:pPr>
+                      <a:r>
+                        <a:rPr lang="fr-FR" sz="1200" b="0">
+                          <a:effectLst/>
+                        </a:rPr>
+                        <a:t>Molybdène pur</a:t>
+                      </a:r>
+                      <a:endParaRPr lang="fr-FR" sz="1200">
+                        <a:effectLst/>
+                      </a:endParaRPr>
+                    </a:p>
+                  </a:txBody>
+                  <a:tcPr marL="12686" marR="12686" marT="6343" marB="6343" anchor="ctr">
+                    <a:lnL>
+                      <a:noFill/>
+                    </a:lnL>
+                    <a:lnR>
+                      <a:noFill/>
+                    </a:lnR>
+                    <a:lnT>
+                      <a:noFill/>
+                    </a:lnT>
+                    <a:lnB>
+                      <a:noFill/>
+                    </a:lnB>
+                    <a:solidFill>
+                      <a:srgbClr val="FFFFFF"/>
+                    </a:solidFill>
+                  </a:tcPr>
+                </a:tc>
+                <a:tc>
+                  <a:txBody>
+                    <a:bodyPr/>
+                    <a:lstStyle/>
+                    <a:p>
+                      <a:pPr>
+                        <a:buNone/>
+                      </a:pPr>
+                      <a:r>
+                        <a:rPr lang="fr-FR" sz="1200" b="0">
+                          <a:effectLst/>
+                        </a:rPr>
+                        <a:t>35</a:t>
+                      </a:r>
+                      <a:endParaRPr lang="fr-FR" sz="1200">
+                        <a:effectLst/>
+                      </a:endParaRPr>
+                    </a:p>
+                  </a:txBody>
+                  <a:tcPr marL="12686" marR="12686" marT="6343" marB="6343" anchor="ctr">
+                    <a:lnL>
+                      <a:noFill/>
+                    </a:lnL>
+                    <a:lnR>
+                      <a:noFill/>
+                    </a:lnR>
+                    <a:lnT>
+                      <a:noFill/>
+                    </a:lnT>
+                    <a:lnB>
+                      <a:noFill/>
+                    </a:lnB>
+                    <a:solidFill>
+                      <a:srgbClr val="FFFFFF"/>
+                    </a:solidFill>
+                  </a:tcPr>
+                </a:tc>
+                <a:tc>
+                  <a:txBody>
+                    <a:bodyPr/>
+                    <a:lstStyle/>
+                    <a:p>
+                      <a:pPr>
+                        <a:buNone/>
+                      </a:pPr>
+                      <a:r>
+                        <a:rPr lang="fr-FR" sz="1200" b="0">
+                          <a:effectLst/>
+                        </a:rPr>
+                        <a:t>250</a:t>
+                      </a:r>
+                      <a:endParaRPr lang="fr-FR" sz="1200">
+                        <a:effectLst/>
+                      </a:endParaRPr>
+                    </a:p>
+                  </a:txBody>
+                  <a:tcPr marL="12686" marR="12686" marT="6343" marB="6343" anchor="ctr">
+                    <a:lnL>
+                      <a:noFill/>
+                    </a:lnL>
+                    <a:lnR>
+                      <a:noFill/>
+                    </a:lnR>
+                    <a:lnT>
+                      <a:noFill/>
+                    </a:lnT>
+                    <a:lnB>
+                      <a:noFill/>
+                    </a:lnB>
+                    <a:solidFill>
+                      <a:srgbClr val="FFFFFF"/>
+                    </a:solidFill>
+                  </a:tcPr>
+                </a:tc>
+                <a:tc>
+                  <a:txBody>
+                    <a:bodyPr/>
+                    <a:lstStyle/>
+                    <a:p>
+                      <a:pPr>
+                        <a:buNone/>
+                      </a:pPr>
+                      <a:r>
+                        <a:rPr lang="fr-FR" sz="1200" b="0">
+                          <a:effectLst/>
+                        </a:rPr>
+                        <a:t>260</a:t>
+                      </a:r>
+                      <a:endParaRPr lang="fr-FR" sz="1200">
+                        <a:effectLst/>
+                      </a:endParaRPr>
+                    </a:p>
+                  </a:txBody>
+                  <a:tcPr marL="12686" marR="12686" marT="6343" marB="6343" anchor="ctr">
+                    <a:lnL>
+                      <a:noFill/>
+                    </a:lnL>
+                    <a:lnR>
+                      <a:noFill/>
+                    </a:lnR>
+                    <a:lnT>
+                      <a:noFill/>
+                    </a:lnT>
+                    <a:lnB>
+                      <a:noFill/>
+                    </a:lnB>
+                    <a:solidFill>
+                      <a:srgbClr val="FFFFFF"/>
+                    </a:solidFill>
+                  </a:tcPr>
+                </a:tc>
+                <a:extLst>
+                  <a:ext uri="{0D108BD9-81ED-4DB2-BD59-A6C34878D82A}">
+                    <a16:rowId xmlns:a16="http://schemas.microsoft.com/office/drawing/2014/main" val="310417312"/>
+                  </a:ext>
+                </a:extLst>
+              </a:tr>
+              <a:tr h="119699">
+                <a:tc>
+                  <a:txBody>
+                    <a:bodyPr/>
+                    <a:lstStyle/>
+                    <a:p>
+                      <a:pPr>
+                        <a:buNone/>
+                      </a:pPr>
+                      <a:r>
+                        <a:rPr lang="fr-FR" sz="1200" b="0">
+                          <a:effectLst/>
+                        </a:rPr>
+                        <a:t>Tungstène pur</a:t>
+                      </a:r>
+                      <a:endParaRPr lang="fr-FR" sz="1200">
+                        <a:effectLst/>
+                      </a:endParaRPr>
+                    </a:p>
+                  </a:txBody>
+                  <a:tcPr marL="12686" marR="12686" marT="6343" marB="6343" anchor="ctr">
+                    <a:lnL>
+                      <a:noFill/>
+                    </a:lnL>
+                    <a:lnR>
+                      <a:noFill/>
+                    </a:lnR>
+                    <a:lnT>
+                      <a:noFill/>
+                    </a:lnT>
+                    <a:lnB>
+                      <a:noFill/>
+                    </a:lnB>
+                    <a:solidFill>
+                      <a:srgbClr val="FFFFFF"/>
+                    </a:solidFill>
+                  </a:tcPr>
+                </a:tc>
+                <a:tc>
+                  <a:txBody>
+                    <a:bodyPr/>
+                    <a:lstStyle/>
+                    <a:p>
+                      <a:pPr>
+                        <a:buNone/>
+                      </a:pPr>
+                      <a:r>
+                        <a:rPr lang="fr-FR" sz="1200" b="0">
+                          <a:effectLst/>
+                        </a:rPr>
+                        <a:t>40</a:t>
+                      </a:r>
+                      <a:endParaRPr lang="fr-FR" sz="1200">
+                        <a:effectLst/>
+                      </a:endParaRPr>
+                    </a:p>
+                  </a:txBody>
+                  <a:tcPr marL="12686" marR="12686" marT="6343" marB="6343" anchor="ctr">
+                    <a:lnL>
+                      <a:noFill/>
+                    </a:lnL>
+                    <a:lnR>
+                      <a:noFill/>
+                    </a:lnR>
+                    <a:lnT>
+                      <a:noFill/>
+                    </a:lnT>
+                    <a:lnB>
+                      <a:noFill/>
+                    </a:lnB>
+                    <a:solidFill>
+                      <a:srgbClr val="FFFFFF"/>
+                    </a:solidFill>
+                  </a:tcPr>
+                </a:tc>
+                <a:tc>
+                  <a:txBody>
+                    <a:bodyPr/>
+                    <a:lstStyle/>
+                    <a:p>
+                      <a:pPr>
+                        <a:buNone/>
+                      </a:pPr>
+                      <a:r>
+                        <a:rPr lang="fr-FR" sz="1200" b="0">
+                          <a:effectLst/>
+                        </a:rPr>
+                        <a:t>300</a:t>
+                      </a:r>
+                      <a:endParaRPr lang="fr-FR" sz="1200">
+                        <a:effectLst/>
+                      </a:endParaRPr>
+                    </a:p>
+                  </a:txBody>
+                  <a:tcPr marL="12686" marR="12686" marT="6343" marB="6343" anchor="ctr">
+                    <a:lnL>
+                      <a:noFill/>
+                    </a:lnL>
+                    <a:lnR>
+                      <a:noFill/>
+                    </a:lnR>
+                    <a:lnT>
+                      <a:noFill/>
+                    </a:lnT>
+                    <a:lnB>
+                      <a:noFill/>
+                    </a:lnB>
+                    <a:solidFill>
+                      <a:srgbClr val="FFFFFF"/>
+                    </a:solidFill>
+                  </a:tcPr>
+                </a:tc>
+                <a:tc>
+                  <a:txBody>
+                    <a:bodyPr/>
+                    <a:lstStyle/>
+                    <a:p>
+                      <a:pPr>
+                        <a:buNone/>
+                      </a:pPr>
+                      <a:r>
+                        <a:rPr lang="fr-FR" sz="1200" b="0">
+                          <a:effectLst/>
+                        </a:rPr>
+                        <a:t>310</a:t>
+                      </a:r>
+                      <a:endParaRPr lang="fr-FR" sz="1200">
+                        <a:effectLst/>
+                      </a:endParaRPr>
+                    </a:p>
+                  </a:txBody>
+                  <a:tcPr marL="12686" marR="12686" marT="6343" marB="6343" anchor="ctr">
+                    <a:lnL>
+                      <a:noFill/>
+                    </a:lnL>
+                    <a:lnR>
+                      <a:noFill/>
+                    </a:lnR>
+                    <a:lnT>
+                      <a:noFill/>
+                    </a:lnT>
+                    <a:lnB>
+                      <a:noFill/>
+                    </a:lnB>
+                    <a:solidFill>
+                      <a:srgbClr val="FFFFFF"/>
+                    </a:solidFill>
+                  </a:tcPr>
+                </a:tc>
+                <a:extLst>
+                  <a:ext uri="{0D108BD9-81ED-4DB2-BD59-A6C34878D82A}">
+                    <a16:rowId xmlns:a16="http://schemas.microsoft.com/office/drawing/2014/main" val="2561050234"/>
+                  </a:ext>
+                </a:extLst>
+              </a:tr>
+              <a:tr h="119699">
+                <a:tc>
+                  <a:txBody>
+                    <a:bodyPr/>
+                    <a:lstStyle/>
+                    <a:p>
+                      <a:pPr>
+                        <a:buNone/>
+                      </a:pPr>
+                      <a:r>
+                        <a:rPr lang="fr-FR" sz="1200" b="0">
+                          <a:effectLst/>
+                        </a:rPr>
+                        <a:t>Cobalt pur </a:t>
+                      </a:r>
+                      <a:endParaRPr lang="fr-FR" sz="1200">
+                        <a:effectLst/>
+                      </a:endParaRPr>
+                    </a:p>
+                  </a:txBody>
+                  <a:tcPr marL="12686" marR="12686" marT="6343" marB="6343" anchor="ctr">
+                    <a:lnL>
+                      <a:noFill/>
+                    </a:lnL>
+                    <a:lnR>
+                      <a:noFill/>
+                    </a:lnR>
+                    <a:lnT>
+                      <a:noFill/>
+                    </a:lnT>
+                    <a:lnB>
+                      <a:noFill/>
+                    </a:lnB>
+                    <a:solidFill>
+                      <a:srgbClr val="FFFFFF"/>
+                    </a:solidFill>
+                  </a:tcPr>
+                </a:tc>
+                <a:tc>
+                  <a:txBody>
+                    <a:bodyPr/>
+                    <a:lstStyle/>
+                    <a:p>
+                      <a:pPr>
+                        <a:buNone/>
+                      </a:pPr>
+                      <a:r>
+                        <a:rPr lang="fr-FR" sz="1200" b="0">
+                          <a:effectLst/>
+                        </a:rPr>
+                        <a:t>25</a:t>
+                      </a:r>
+                      <a:endParaRPr lang="fr-FR" sz="1200">
+                        <a:effectLst/>
+                      </a:endParaRPr>
+                    </a:p>
+                  </a:txBody>
+                  <a:tcPr marL="12686" marR="12686" marT="6343" marB="6343" anchor="ctr">
+                    <a:lnL>
+                      <a:noFill/>
+                    </a:lnL>
+                    <a:lnR>
+                      <a:noFill/>
+                    </a:lnR>
+                    <a:lnT>
+                      <a:noFill/>
+                    </a:lnT>
+                    <a:lnB>
+                      <a:noFill/>
+                    </a:lnB>
+                    <a:solidFill>
+                      <a:srgbClr val="FFFFFF"/>
+                    </a:solidFill>
+                  </a:tcPr>
+                </a:tc>
+                <a:tc>
+                  <a:txBody>
+                    <a:bodyPr/>
+                    <a:lstStyle/>
+                    <a:p>
+                      <a:pPr>
+                        <a:buNone/>
+                      </a:pPr>
+                      <a:r>
+                        <a:rPr lang="fr-FR" sz="1200" b="0">
+                          <a:effectLst/>
+                        </a:rPr>
+                        <a:t>200</a:t>
+                      </a:r>
+                      <a:endParaRPr lang="fr-FR" sz="1200">
+                        <a:effectLst/>
+                      </a:endParaRPr>
+                    </a:p>
+                  </a:txBody>
+                  <a:tcPr marL="12686" marR="12686" marT="6343" marB="6343" anchor="ctr">
+                    <a:lnL>
+                      <a:noFill/>
+                    </a:lnL>
+                    <a:lnR>
+                      <a:noFill/>
+                    </a:lnR>
+                    <a:lnT>
+                      <a:noFill/>
+                    </a:lnT>
+                    <a:lnB>
+                      <a:noFill/>
+                    </a:lnB>
+                    <a:solidFill>
+                      <a:srgbClr val="FFFFFF"/>
+                    </a:solidFill>
+                  </a:tcPr>
+                </a:tc>
+                <a:tc>
+                  <a:txBody>
+                    <a:bodyPr/>
+                    <a:lstStyle/>
+                    <a:p>
+                      <a:pPr>
+                        <a:buNone/>
+                      </a:pPr>
+                      <a:r>
+                        <a:rPr lang="fr-FR" sz="1200" b="0">
+                          <a:effectLst/>
+                        </a:rPr>
+                        <a:t>210</a:t>
+                      </a:r>
+                      <a:endParaRPr lang="fr-FR" sz="1200">
+                        <a:effectLst/>
+                      </a:endParaRPr>
+                    </a:p>
+                  </a:txBody>
+                  <a:tcPr marL="12686" marR="12686" marT="6343" marB="6343" anchor="ctr">
+                    <a:lnL>
+                      <a:noFill/>
+                    </a:lnL>
+                    <a:lnR>
+                      <a:noFill/>
+                    </a:lnR>
+                    <a:lnT>
+                      <a:noFill/>
+                    </a:lnT>
+                    <a:lnB>
+                      <a:noFill/>
+                    </a:lnB>
+                    <a:solidFill>
+                      <a:srgbClr val="FFFFFF"/>
+                    </a:solidFill>
+                  </a:tcPr>
+                </a:tc>
+                <a:extLst>
+                  <a:ext uri="{0D108BD9-81ED-4DB2-BD59-A6C34878D82A}">
+                    <a16:rowId xmlns:a16="http://schemas.microsoft.com/office/drawing/2014/main" val="182613105"/>
+                  </a:ext>
+                </a:extLst>
+              </a:tr>
+              <a:tr h="170998">
+                <a:tc>
+                  <a:txBody>
+                    <a:bodyPr/>
+                    <a:lstStyle/>
+                    <a:p>
+                      <a:pPr>
+                        <a:buNone/>
+                      </a:pPr>
+                      <a:r>
+                        <a:rPr lang="fr-FR" sz="1200" b="0">
+                          <a:effectLst/>
+                        </a:rPr>
+                        <a:t>C17200 Cuivre au béryllium </a:t>
+                      </a:r>
+                      <a:endParaRPr lang="fr-FR" sz="1200">
+                        <a:effectLst/>
+                      </a:endParaRPr>
+                    </a:p>
+                  </a:txBody>
+                  <a:tcPr marL="12686" marR="12686" marT="6343" marB="6343" anchor="ctr">
+                    <a:lnL>
+                      <a:noFill/>
+                    </a:lnL>
+                    <a:lnR>
+                      <a:noFill/>
+                    </a:lnR>
+                    <a:lnT>
+                      <a:noFill/>
+                    </a:lnT>
+                    <a:lnB>
+                      <a:noFill/>
+                    </a:lnB>
+                    <a:solidFill>
+                      <a:srgbClr val="FFFFFF"/>
+                    </a:solidFill>
+                  </a:tcPr>
+                </a:tc>
+                <a:tc>
+                  <a:txBody>
+                    <a:bodyPr/>
+                    <a:lstStyle/>
+                    <a:p>
+                      <a:pPr>
+                        <a:buNone/>
+                      </a:pPr>
+                      <a:r>
+                        <a:rPr lang="fr-FR" sz="1200" b="0">
+                          <a:effectLst/>
+                        </a:rPr>
+                        <a:t>38-42</a:t>
+                      </a:r>
+                      <a:endParaRPr lang="fr-FR" sz="1200">
+                        <a:effectLst/>
+                      </a:endParaRPr>
+                    </a:p>
+                  </a:txBody>
+                  <a:tcPr marL="12686" marR="12686" marT="6343" marB="6343" anchor="ctr">
+                    <a:lnL>
+                      <a:noFill/>
+                    </a:lnL>
+                    <a:lnR>
+                      <a:noFill/>
+                    </a:lnR>
+                    <a:lnT>
+                      <a:noFill/>
+                    </a:lnT>
+                    <a:lnB>
+                      <a:noFill/>
+                    </a:lnB>
+                    <a:solidFill>
+                      <a:srgbClr val="FFFFFF"/>
+                    </a:solidFill>
+                  </a:tcPr>
+                </a:tc>
+                <a:tc>
+                  <a:txBody>
+                    <a:bodyPr/>
+                    <a:lstStyle/>
+                    <a:p>
+                      <a:pPr>
+                        <a:buNone/>
+                      </a:pPr>
+                      <a:r>
+                        <a:rPr lang="fr-FR" sz="1200" b="0">
+                          <a:effectLst/>
+                        </a:rPr>
+                        <a:t>350</a:t>
+                      </a:r>
+                      <a:endParaRPr lang="fr-FR" sz="1200">
+                        <a:effectLst/>
+                      </a:endParaRPr>
+                    </a:p>
+                  </a:txBody>
+                  <a:tcPr marL="12686" marR="12686" marT="6343" marB="6343" anchor="ctr">
+                    <a:lnL>
+                      <a:noFill/>
+                    </a:lnL>
+                    <a:lnR>
+                      <a:noFill/>
+                    </a:lnR>
+                    <a:lnT>
+                      <a:noFill/>
+                    </a:lnT>
+                    <a:lnB>
+                      <a:noFill/>
+                    </a:lnB>
+                    <a:solidFill>
+                      <a:srgbClr val="FFFFFF"/>
+                    </a:solidFill>
+                  </a:tcPr>
+                </a:tc>
+                <a:tc>
+                  <a:txBody>
+                    <a:bodyPr/>
+                    <a:lstStyle/>
+                    <a:p>
+                      <a:pPr>
+                        <a:buNone/>
+                      </a:pPr>
+                      <a:r>
+                        <a:rPr lang="fr-FR" sz="1200" b="0" dirty="0">
+                          <a:effectLst/>
+                        </a:rPr>
+                        <a:t>370</a:t>
+                      </a:r>
+                      <a:endParaRPr lang="fr-FR" sz="1200" dirty="0">
+                        <a:effectLst/>
+                      </a:endParaRPr>
+                    </a:p>
+                  </a:txBody>
+                  <a:tcPr marL="12686" marR="12686" marT="6343" marB="6343" anchor="ctr">
+                    <a:lnL>
+                      <a:noFill/>
+                    </a:lnL>
+                    <a:lnR>
+                      <a:noFill/>
+                    </a:lnR>
+                    <a:lnT>
+                      <a:noFill/>
+                    </a:lnT>
+                    <a:lnB>
+                      <a:noFill/>
+                    </a:lnB>
+                    <a:solidFill>
+                      <a:srgbClr val="FFFFFF"/>
+                    </a:solidFill>
+                  </a:tcPr>
+                </a:tc>
+                <a:extLst>
+                  <a:ext uri="{0D108BD9-81ED-4DB2-BD59-A6C34878D82A}">
+                    <a16:rowId xmlns:a16="http://schemas.microsoft.com/office/drawing/2014/main" val="3067319519"/>
+                  </a:ext>
+                </a:extLst>
+              </a:tr>
+            </a:tbl>
+          </a:graphicData>
+        </a:graphic>
+      </p:graphicFrame>
+    </p:spTree>
+    <p:extLst>
+      <p:ext uri="{BB962C8B-B14F-4D97-AF65-F5344CB8AC3E}">
+        <p14:creationId xmlns:p14="http://schemas.microsoft.com/office/powerpoint/2010/main" val="2167393868"/>
+      </p:ext>
+    </p:extLst>
+  </p:cSld>
+  <p:clrMapOvr>
+    <a:masterClrMapping/>
+  </p:clrMapOvr>
+</p:sld>
+</file>
+
+<file path=ppt/slides/slide24.xml><?xml version="1.0" encoding="utf-8"?>
+<p:sld xmlns:a="http://schemas.openxmlformats.org/drawingml/2006/main" xmlns:r="http://schemas.openxmlformats.org/officeDocument/2006/relationships" xmlns:p="http://schemas.openxmlformats.org/presentationml/2006/main">
+  <p:cSld>
+    <p:spTree>
+      <p:nvGrpSpPr>
+        <p:cNvPr id="1" name=""/>
+        <p:cNvGrpSpPr/>
+        <p:nvPr/>
+      </p:nvGrpSpPr>
+      <p:grpSpPr>
+        <a:xfrm>
+          <a:off x="0" y="0"/>
+          <a:ext cx="0" cy="0"/>
+          <a:chOff x="0" y="0"/>
+          <a:chExt cx="0" cy="0"/>
+        </a:xfrm>
+      </p:grpSpPr>
       <p:sp>
         <p:nvSpPr>
           <p:cNvPr id="2" name="Titre 1">
@@ -3531,7 +8429,7 @@
 </p:sld>
 </file>
 
-<file path=ppt/slides/slide24.xml><?xml version="1.0" encoding="utf-8"?>
+<file path=ppt/slides/slide25.xml><?xml version="1.0" encoding="utf-8"?>
 <p:sld xmlns:a="http://schemas.openxmlformats.org/drawingml/2006/main" xmlns:r="http://schemas.openxmlformats.org/officeDocument/2006/relationships" xmlns:p="http://schemas.openxmlformats.org/presentationml/2006/main">
   <p:cSld>
     <p:spTree>
@@ -5124,7 +10022,7 @@
 </p:sld>
 </file>
 
-<file path=ppt/slides/slide25.xml><?xml version="1.0" encoding="utf-8"?>
+<file path=ppt/slides/slide26.xml><?xml version="1.0" encoding="utf-8"?>
 <p:sld xmlns:a="http://schemas.openxmlformats.org/drawingml/2006/main" xmlns:r="http://schemas.openxmlformats.org/officeDocument/2006/relationships" xmlns:p="http://schemas.openxmlformats.org/presentationml/2006/main">
   <p:cSld>
     <p:spTree>
@@ -5185,7 +10083,7 @@
 </p:sld>
 </file>
 
-<file path=ppt/slides/slide26.xml><?xml version="1.0" encoding="utf-8"?>
+<file path=ppt/slides/slide27.xml><?xml version="1.0" encoding="utf-8"?>
 <p:sld xmlns:a="http://schemas.openxmlformats.org/drawingml/2006/main" xmlns:r="http://schemas.openxmlformats.org/officeDocument/2006/relationships" xmlns:p="http://schemas.openxmlformats.org/presentationml/2006/main">
   <p:cSld>
     <p:spTree>
@@ -6872,7 +11770,7 @@
 </p:sld>
 </file>
 
-<file path=ppt/slides/slide27.xml><?xml version="1.0" encoding="utf-8"?>
+<file path=ppt/slides/slide28.xml><?xml version="1.0" encoding="utf-8"?>
 <p:sld xmlns:a="http://schemas.openxmlformats.org/drawingml/2006/main" xmlns:r="http://schemas.openxmlformats.org/officeDocument/2006/relationships" xmlns:p="http://schemas.openxmlformats.org/presentationml/2006/main">
   <p:cSld>
     <p:spTree>
@@ -7957,7 +12855,7 @@
 </p:sld>
 </file>
 
-<file path=ppt/slides/slide28.xml><?xml version="1.0" encoding="utf-8"?>
+<file path=ppt/slides/slide29.xml><?xml version="1.0" encoding="utf-8"?>
 <p:sld xmlns:a="http://schemas.openxmlformats.org/drawingml/2006/main" xmlns:r="http://schemas.openxmlformats.org/officeDocument/2006/relationships" xmlns:p="http://schemas.openxmlformats.org/presentationml/2006/main">
   <p:cSld>
     <p:spTree>
@@ -9996,7 +14894,65 @@
 </p:sld>
 </file>
 
-<file path=ppt/slides/slide29.xml><?xml version="1.0" encoding="utf-8"?>
+<file path=ppt/slides/slide3.xml><?xml version="1.0" encoding="utf-8"?>
+<p:sld xmlns:a="http://schemas.openxmlformats.org/drawingml/2006/main" xmlns:r="http://schemas.openxmlformats.org/officeDocument/2006/relationships" xmlns:p="http://schemas.openxmlformats.org/presentationml/2006/main">
+  <p:cSld>
+    <p:spTree>
+      <p:nvGrpSpPr>
+        <p:cNvPr id="1" name=""/>
+        <p:cNvGrpSpPr/>
+        <p:nvPr/>
+      </p:nvGrpSpPr>
+      <p:grpSpPr>
+        <a:xfrm>
+          <a:off x="0" y="0"/>
+          <a:ext cx="0" cy="0"/>
+          <a:chOff x="0" y="0"/>
+          <a:chExt cx="0" cy="0"/>
+        </a:xfrm>
+      </p:grpSpPr>
+      <p:sp>
+        <p:nvSpPr>
+          <p:cNvPr id="2" name="Titre 1">
+            <a:extLst>
+              <a:ext uri="{FF2B5EF4-FFF2-40B4-BE49-F238E27FC236}">
+                <a16:creationId xmlns:a16="http://schemas.microsoft.com/office/drawing/2014/main" id="{89810A6C-8F59-6915-851E-1C0A27165BCC}"/>
+              </a:ext>
+            </a:extLst>
+          </p:cNvPr>
+          <p:cNvSpPr>
+            <a:spLocks noGrp="1"/>
+          </p:cNvSpPr>
+          <p:nvPr>
+            <p:ph type="ctrTitle"/>
+          </p:nvPr>
+        </p:nvSpPr>
+        <p:spPr/>
+        <p:txBody>
+          <a:bodyPr/>
+          <a:lstStyle/>
+          <a:p>
+            <a:r>
+              <a:rPr lang="fr-FR" dirty="0"/>
+              <a:t>Pour les devs</a:t>
+            </a:r>
+          </a:p>
+        </p:txBody>
+      </p:sp>
+    </p:spTree>
+    <p:extLst>
+      <p:ext uri="{BB962C8B-B14F-4D97-AF65-F5344CB8AC3E}">
+        <p14:creationId xmlns:p14="http://schemas.microsoft.com/office/powerpoint/2010/main" val="402606170"/>
+      </p:ext>
+    </p:extLst>
+  </p:cSld>
+  <p:clrMapOvr>
+    <a:masterClrMapping/>
+  </p:clrMapOvr>
+</p:sld>
+</file>
+
+<file path=ppt/slides/slide30.xml><?xml version="1.0" encoding="utf-8"?>
 <p:sld xmlns:a="http://schemas.openxmlformats.org/drawingml/2006/main" xmlns:r="http://schemas.openxmlformats.org/officeDocument/2006/relationships" xmlns:p="http://schemas.openxmlformats.org/presentationml/2006/main">
   <p:cSld>
     <p:spTree>
@@ -19262,65 +24218,7 @@
 </p:sld>
 </file>
 
-<file path=ppt/slides/slide3.xml><?xml version="1.0" encoding="utf-8"?>
-<p:sld xmlns:a="http://schemas.openxmlformats.org/drawingml/2006/main" xmlns:r="http://schemas.openxmlformats.org/officeDocument/2006/relationships" xmlns:p="http://schemas.openxmlformats.org/presentationml/2006/main">
-  <p:cSld>
-    <p:spTree>
-      <p:nvGrpSpPr>
-        <p:cNvPr id="1" name=""/>
-        <p:cNvGrpSpPr/>
-        <p:nvPr/>
-      </p:nvGrpSpPr>
-      <p:grpSpPr>
-        <a:xfrm>
-          <a:off x="0" y="0"/>
-          <a:ext cx="0" cy="0"/>
-          <a:chOff x="0" y="0"/>
-          <a:chExt cx="0" cy="0"/>
-        </a:xfrm>
-      </p:grpSpPr>
-      <p:sp>
-        <p:nvSpPr>
-          <p:cNvPr id="2" name="Titre 1">
-            <a:extLst>
-              <a:ext uri="{FF2B5EF4-FFF2-40B4-BE49-F238E27FC236}">
-                <a16:creationId xmlns:a16="http://schemas.microsoft.com/office/drawing/2014/main" id="{89810A6C-8F59-6915-851E-1C0A27165BCC}"/>
-              </a:ext>
-            </a:extLst>
-          </p:cNvPr>
-          <p:cNvSpPr>
-            <a:spLocks noGrp="1"/>
-          </p:cNvSpPr>
-          <p:nvPr>
-            <p:ph type="ctrTitle"/>
-          </p:nvPr>
-        </p:nvSpPr>
-        <p:spPr/>
-        <p:txBody>
-          <a:bodyPr/>
-          <a:lstStyle/>
-          <a:p>
-            <a:r>
-              <a:rPr lang="fr-FR" dirty="0"/>
-              <a:t>Pour les devs</a:t>
-            </a:r>
-          </a:p>
-        </p:txBody>
-      </p:sp>
-    </p:spTree>
-    <p:extLst>
-      <p:ext uri="{BB962C8B-B14F-4D97-AF65-F5344CB8AC3E}">
-        <p14:creationId xmlns:p14="http://schemas.microsoft.com/office/powerpoint/2010/main" val="402606170"/>
-      </p:ext>
-    </p:extLst>
-  </p:cSld>
-  <p:clrMapOvr>
-    <a:masterClrMapping/>
-  </p:clrMapOvr>
-</p:sld>
-</file>
-
-<file path=ppt/slides/slide30.xml><?xml version="1.0" encoding="utf-8"?>
+<file path=ppt/slides/slide31.xml><?xml version="1.0" encoding="utf-8"?>
 <p:sld xmlns:a="http://schemas.openxmlformats.org/drawingml/2006/main" xmlns:r="http://schemas.openxmlformats.org/officeDocument/2006/relationships" xmlns:p="http://schemas.openxmlformats.org/presentationml/2006/main">
   <p:cSld>
     <p:spTree>
@@ -20911,7 +25809,7 @@
 </p:sld>
 </file>
 
-<file path=ppt/slides/slide31.xml><?xml version="1.0" encoding="utf-8"?>
+<file path=ppt/slides/slide32.xml><?xml version="1.0" encoding="utf-8"?>
 <p:sld xmlns:a="http://schemas.openxmlformats.org/drawingml/2006/main" xmlns:r="http://schemas.openxmlformats.org/officeDocument/2006/relationships" xmlns:p="http://schemas.openxmlformats.org/presentationml/2006/main">
   <p:cSld>
     <p:spTree>
